--- a/Slides/08. Tipos Abstratos de Dados.pptx
+++ b/Slides/08. Tipos Abstratos de Dados.pptx
@@ -4124,7 +4124,7 @@
             <a:fld id="{4C457FC9-8E1D-4A40-BFF1-0E630693B1AB}" type="datetimeFigureOut">
               <a:rPr lang="pt-BR" smtClean="0"/>
               <a:pPr/>
-              <a:t>02/10/2022</a:t>
+              <a:t>08/04/2023</a:t>
             </a:fld>
             <a:endParaRPr lang="pt-BR"/>
           </a:p>
@@ -17521,8 +17521,8 @@
         </p:nvSpPr>
         <p:spPr>
           <a:xfrm>
-            <a:off x="2014281" y="2450135"/>
-            <a:ext cx="4386519" cy="1323439"/>
+            <a:off x="2014282" y="2450135"/>
+            <a:ext cx="3115280" cy="1323439"/>
           </a:xfrm>
           <a:prstGeom prst="rect">
             <a:avLst/>
@@ -22131,10 +22131,10 @@
       </p:sp>
       <p:grpSp>
         <p:nvGrpSpPr>
-          <p:cNvPr id="9" name="Agrupar 8">
+          <p:cNvPr id="4" name="Agrupar 3">
             <a:extLst>
               <a:ext uri="{FF2B5EF4-FFF2-40B4-BE49-F238E27FC236}">
-                <a16:creationId xmlns:a16="http://schemas.microsoft.com/office/drawing/2014/main" id="{F489AF3A-DB9F-4D53-1A06-9FB860EDDA03}"/>
+                <a16:creationId xmlns:a16="http://schemas.microsoft.com/office/drawing/2014/main" id="{AEFB7097-D08B-E911-6BAE-FE1828FCCC66}"/>
               </a:ext>
             </a:extLst>
           </p:cNvPr>
@@ -22143,727 +22143,748 @@
         </p:nvGrpSpPr>
         <p:grpSpPr>
           <a:xfrm>
-            <a:off x="7223079" y="2196925"/>
-            <a:ext cx="1856616" cy="2215613"/>
-            <a:chOff x="8657807" y="3682878"/>
-            <a:chExt cx="2212402" cy="2640195"/>
+            <a:off x="6456399" y="2196925"/>
+            <a:ext cx="3387898" cy="3444072"/>
+            <a:chOff x="6456399" y="2196925"/>
+            <a:chExt cx="3387898" cy="3444072"/>
           </a:xfrm>
         </p:grpSpPr>
-        <p:sp>
-          <p:nvSpPr>
-            <p:cNvPr id="10" name="Retângulo: Cantos Arredondados 9">
+        <p:grpSp>
+          <p:nvGrpSpPr>
+            <p:cNvPr id="9" name="Agrupar 8">
               <a:extLst>
                 <a:ext uri="{FF2B5EF4-FFF2-40B4-BE49-F238E27FC236}">
-                  <a16:creationId xmlns:a16="http://schemas.microsoft.com/office/drawing/2014/main" id="{A415EFAF-7A5D-7909-7A88-2BFDD08B2576}"/>
+                  <a16:creationId xmlns:a16="http://schemas.microsoft.com/office/drawing/2014/main" id="{F489AF3A-DB9F-4D53-1A06-9FB860EDDA03}"/>
                 </a:ext>
               </a:extLst>
             </p:cNvPr>
-            <p:cNvSpPr/>
+            <p:cNvGrpSpPr/>
             <p:nvPr/>
-          </p:nvSpPr>
-          <p:spPr>
+          </p:nvGrpSpPr>
+          <p:grpSpPr>
             <a:xfrm>
-              <a:off x="9059250" y="4696895"/>
-              <a:ext cx="1409514" cy="441588"/>
+              <a:off x="7223079" y="2196925"/>
+              <a:ext cx="1856616" cy="2215613"/>
+              <a:chOff x="8657807" y="3682878"/>
+              <a:chExt cx="2212402" cy="2640195"/>
             </a:xfrm>
-            <a:prstGeom prst="roundRect">
-              <a:avLst>
-                <a:gd name="adj" fmla="val 10390"/>
-              </a:avLst>
-            </a:prstGeom>
-            <a:solidFill>
-              <a:schemeClr val="accent6">
-                <a:lumMod val="50000"/>
-                <a:alpha val="50000"/>
-              </a:schemeClr>
-            </a:solidFill>
-            <a:ln>
+          </p:grpSpPr>
+          <p:sp>
+            <p:nvSpPr>
+              <p:cNvPr id="10" name="Retângulo: Cantos Arredondados 9">
+                <a:extLst>
+                  <a:ext uri="{FF2B5EF4-FFF2-40B4-BE49-F238E27FC236}">
+                    <a16:creationId xmlns:a16="http://schemas.microsoft.com/office/drawing/2014/main" id="{A415EFAF-7A5D-7909-7A88-2BFDD08B2576}"/>
+                  </a:ext>
+                </a:extLst>
+              </p:cNvPr>
+              <p:cNvSpPr/>
+              <p:nvPr/>
+            </p:nvSpPr>
+            <p:spPr>
+              <a:xfrm>
+                <a:off x="9059250" y="4696895"/>
+                <a:ext cx="1409514" cy="441588"/>
+              </a:xfrm>
+              <a:prstGeom prst="roundRect">
+                <a:avLst>
+                  <a:gd name="adj" fmla="val 10390"/>
+                </a:avLst>
+              </a:prstGeom>
+              <a:solidFill>
+                <a:schemeClr val="accent6">
+                  <a:lumMod val="50000"/>
+                  <a:alpha val="50000"/>
+                </a:schemeClr>
+              </a:solidFill>
+              <a:ln>
+                <a:noFill/>
+              </a:ln>
+            </p:spPr>
+            <p:style>
+              <a:lnRef idx="0">
+                <a:scrgbClr r="0" g="0" b="0"/>
+              </a:lnRef>
+              <a:fillRef idx="0">
+                <a:scrgbClr r="0" g="0" b="0"/>
+              </a:fillRef>
+              <a:effectRef idx="0">
+                <a:scrgbClr r="0" g="0" b="0"/>
+              </a:effectRef>
+              <a:fontRef idx="minor">
+                <a:schemeClr val="lt1"/>
+              </a:fontRef>
+            </p:style>
+            <p:txBody>
+              <a:bodyPr rtlCol="0" anchor="ctr"/>
+              <a:lstStyle/>
+              <a:p>
+                <a:pPr algn="ctr"/>
+                <a:r>
+                  <a:rPr lang="pt-BR" sz="1400" dirty="0"/>
+                  <a:t>total</a:t>
+                </a:r>
+              </a:p>
+            </p:txBody>
+          </p:sp>
+          <p:sp>
+            <p:nvSpPr>
+              <p:cNvPr id="11" name="Retângulo: Cantos Arredondados 10">
+                <a:extLst>
+                  <a:ext uri="{FF2B5EF4-FFF2-40B4-BE49-F238E27FC236}">
+                    <a16:creationId xmlns:a16="http://schemas.microsoft.com/office/drawing/2014/main" id="{16080DBB-45E8-050A-8E19-CB05CDC9C949}"/>
+                  </a:ext>
+                </a:extLst>
+              </p:cNvPr>
+              <p:cNvSpPr/>
+              <p:nvPr/>
+            </p:nvSpPr>
+            <p:spPr>
+              <a:xfrm>
+                <a:off x="9059250" y="4189143"/>
+                <a:ext cx="1409514" cy="441588"/>
+              </a:xfrm>
+              <a:prstGeom prst="roundRect">
+                <a:avLst>
+                  <a:gd name="adj" fmla="val 10390"/>
+                </a:avLst>
+              </a:prstGeom>
+              <a:solidFill>
+                <a:schemeClr val="accent6">
+                  <a:lumMod val="50000"/>
+                  <a:alpha val="50000"/>
+                </a:schemeClr>
+              </a:solidFill>
+              <a:ln>
+                <a:noFill/>
+              </a:ln>
+            </p:spPr>
+            <p:style>
+              <a:lnRef idx="0">
+                <a:scrgbClr r="0" g="0" b="0"/>
+              </a:lnRef>
+              <a:fillRef idx="0">
+                <a:scrgbClr r="0" g="0" b="0"/>
+              </a:fillRef>
+              <a:effectRef idx="0">
+                <a:scrgbClr r="0" g="0" b="0"/>
+              </a:effectRef>
+              <a:fontRef idx="minor">
+                <a:schemeClr val="lt1"/>
+              </a:fontRef>
+            </p:style>
+            <p:txBody>
+              <a:bodyPr rtlCol="0" anchor="ctr"/>
+              <a:lstStyle/>
+              <a:p>
+                <a:pPr algn="ctr"/>
+                <a:r>
+                  <a:rPr lang="pt-BR" sz="1400" dirty="0"/>
+                  <a:t>cont</a:t>
+                </a:r>
+              </a:p>
+            </p:txBody>
+          </p:sp>
+          <p:sp>
+            <p:nvSpPr>
+              <p:cNvPr id="12" name="Retângulo: Cantos Arredondados 11">
+                <a:extLst>
+                  <a:ext uri="{FF2B5EF4-FFF2-40B4-BE49-F238E27FC236}">
+                    <a16:creationId xmlns:a16="http://schemas.microsoft.com/office/drawing/2014/main" id="{EB00D70B-10DA-5155-BB6B-E7BA37D23739}"/>
+                  </a:ext>
+                </a:extLst>
+              </p:cNvPr>
+              <p:cNvSpPr/>
+              <p:nvPr/>
+            </p:nvSpPr>
+            <p:spPr>
+              <a:xfrm>
+                <a:off x="9059249" y="3682878"/>
+                <a:ext cx="1409514" cy="441588"/>
+              </a:xfrm>
+              <a:prstGeom prst="roundRect">
+                <a:avLst>
+                  <a:gd name="adj" fmla="val 10390"/>
+                </a:avLst>
+              </a:prstGeom>
+              <a:solidFill>
+                <a:schemeClr val="accent6">
+                  <a:lumMod val="50000"/>
+                  <a:alpha val="50000"/>
+                </a:schemeClr>
+              </a:solidFill>
+              <a:ln>
+                <a:noFill/>
+              </a:ln>
+            </p:spPr>
+            <p:style>
+              <a:lnRef idx="0">
+                <a:scrgbClr r="0" g="0" b="0"/>
+              </a:lnRef>
+              <a:fillRef idx="0">
+                <a:scrgbClr r="0" g="0" b="0"/>
+              </a:fillRef>
+              <a:effectRef idx="0">
+                <a:scrgbClr r="0" g="0" b="0"/>
+              </a:effectRef>
+              <a:fontRef idx="minor">
+                <a:schemeClr val="lt1"/>
+              </a:fontRef>
+            </p:style>
+            <p:txBody>
+              <a:bodyPr rtlCol="0" anchor="ctr"/>
+              <a:lstStyle/>
+              <a:p>
+                <a:pPr algn="ctr"/>
+                <a:r>
+                  <a:rPr lang="pt-BR" sz="1400" dirty="0"/>
+                  <a:t>i</a:t>
+                </a:r>
+              </a:p>
+            </p:txBody>
+          </p:sp>
+          <p:sp>
+            <p:nvSpPr>
+              <p:cNvPr id="13" name="Retângulo: Cantos Arredondados 12">
+                <a:extLst>
+                  <a:ext uri="{FF2B5EF4-FFF2-40B4-BE49-F238E27FC236}">
+                    <a16:creationId xmlns:a16="http://schemas.microsoft.com/office/drawing/2014/main" id="{7DB3E27E-BE6C-3CAF-F138-B07FD119AC1E}"/>
+                  </a:ext>
+                </a:extLst>
+              </p:cNvPr>
+              <p:cNvSpPr/>
+              <p:nvPr/>
+            </p:nvSpPr>
+            <p:spPr>
+              <a:xfrm>
+                <a:off x="9059250" y="5204648"/>
+                <a:ext cx="1409514" cy="441588"/>
+              </a:xfrm>
+              <a:prstGeom prst="roundRect">
+                <a:avLst>
+                  <a:gd name="adj" fmla="val 10390"/>
+                </a:avLst>
+              </a:prstGeom>
+              <a:solidFill>
+                <a:schemeClr val="accent6">
+                  <a:lumMod val="50000"/>
+                  <a:alpha val="50000"/>
+                </a:schemeClr>
+              </a:solidFill>
+              <a:ln>
+                <a:noFill/>
+              </a:ln>
+            </p:spPr>
+            <p:style>
+              <a:lnRef idx="0">
+                <a:scrgbClr r="0" g="0" b="0"/>
+              </a:lnRef>
+              <a:fillRef idx="0">
+                <a:scrgbClr r="0" g="0" b="0"/>
+              </a:fillRef>
+              <a:effectRef idx="0">
+                <a:scrgbClr r="0" g="0" b="0"/>
+              </a:effectRef>
+              <a:fontRef idx="minor">
+                <a:schemeClr val="lt1"/>
+              </a:fontRef>
+            </p:style>
+            <p:txBody>
+              <a:bodyPr rtlCol="0" anchor="ctr"/>
+              <a:lstStyle/>
+              <a:p>
+                <a:pPr algn="ctr"/>
+                <a:r>
+                  <a:rPr lang="pt-BR" sz="1400" dirty="0"/>
+                  <a:t>valor</a:t>
+                </a:r>
+              </a:p>
+            </p:txBody>
+          </p:sp>
+          <p:sp>
+            <p:nvSpPr>
+              <p:cNvPr id="14" name="Retângulo 13">
+                <a:extLst>
+                  <a:ext uri="{FF2B5EF4-FFF2-40B4-BE49-F238E27FC236}">
+                    <a16:creationId xmlns:a16="http://schemas.microsoft.com/office/drawing/2014/main" id="{3AF75551-DA67-8539-C51C-6C71F679093D}"/>
+                  </a:ext>
+                </a:extLst>
+              </p:cNvPr>
+              <p:cNvSpPr/>
+              <p:nvPr/>
+            </p:nvSpPr>
+            <p:spPr>
+              <a:xfrm>
+                <a:off x="8657807" y="5709424"/>
+                <a:ext cx="2212402" cy="191801"/>
+              </a:xfrm>
+              <a:prstGeom prst="rect">
+                <a:avLst/>
+              </a:prstGeom>
+              <a:pattFill prst="wdUpDiag">
+                <a:fgClr>
+                  <a:schemeClr val="accent6">
+                    <a:lumMod val="75000"/>
+                  </a:schemeClr>
+                </a:fgClr>
+                <a:bgClr>
+                  <a:schemeClr val="bg1"/>
+                </a:bgClr>
+              </a:pattFill>
+              <a:ln>
+                <a:noFill/>
+              </a:ln>
+            </p:spPr>
+            <p:style>
+              <a:lnRef idx="0">
+                <a:scrgbClr r="0" g="0" b="0"/>
+              </a:lnRef>
+              <a:fillRef idx="0">
+                <a:scrgbClr r="0" g="0" b="0"/>
+              </a:fillRef>
+              <a:effectRef idx="0">
+                <a:scrgbClr r="0" g="0" b="0"/>
+              </a:effectRef>
+              <a:fontRef idx="minor">
+                <a:schemeClr val="lt1"/>
+              </a:fontRef>
+            </p:style>
+            <p:txBody>
+              <a:bodyPr rtlCol="0" anchor="ctr"/>
+              <a:lstStyle/>
+              <a:p>
+                <a:pPr algn="ctr"/>
+                <a:endParaRPr lang="pt-BR" sz="1400"/>
+              </a:p>
+            </p:txBody>
+          </p:sp>
+          <p:sp>
+            <p:nvSpPr>
+              <p:cNvPr id="15" name="CaixaDeTexto 14">
+                <a:extLst>
+                  <a:ext uri="{FF2B5EF4-FFF2-40B4-BE49-F238E27FC236}">
+                    <a16:creationId xmlns:a16="http://schemas.microsoft.com/office/drawing/2014/main" id="{DC1B917F-45F8-8CCC-C88F-C64044C276F9}"/>
+                  </a:ext>
+                </a:extLst>
+              </p:cNvPr>
+              <p:cNvSpPr txBox="1"/>
+              <p:nvPr/>
+            </p:nvSpPr>
+            <p:spPr>
+              <a:xfrm>
+                <a:off x="9443246" y="5956316"/>
+                <a:ext cx="646027" cy="366757"/>
+              </a:xfrm>
+              <a:prstGeom prst="rect">
+                <a:avLst/>
+              </a:prstGeom>
               <a:noFill/>
-            </a:ln>
-          </p:spPr>
-          <p:style>
-            <a:lnRef idx="0">
-              <a:scrgbClr r="0" g="0" b="0"/>
-            </a:lnRef>
-            <a:fillRef idx="0">
-              <a:scrgbClr r="0" g="0" b="0"/>
-            </a:fillRef>
-            <a:effectRef idx="0">
-              <a:scrgbClr r="0" g="0" b="0"/>
-            </a:effectRef>
-            <a:fontRef idx="minor">
-              <a:schemeClr val="lt1"/>
-            </a:fontRef>
-          </p:style>
-          <p:txBody>
-            <a:bodyPr rtlCol="0" anchor="ctr"/>
-            <a:lstStyle/>
-            <a:p>
-              <a:pPr algn="ctr"/>
-              <a:r>
-                <a:rPr lang="pt-BR" sz="1400" dirty="0"/>
-                <a:t>total</a:t>
-              </a:r>
-            </a:p>
-          </p:txBody>
-        </p:sp>
-        <p:sp>
-          <p:nvSpPr>
-            <p:cNvPr id="11" name="Retângulo: Cantos Arredondados 10">
+            </p:spPr>
+            <p:txBody>
+              <a:bodyPr wrap="none" rtlCol="0">
+                <a:spAutoFit/>
+              </a:bodyPr>
+              <a:lstStyle/>
+              <a:p>
+                <a:r>
+                  <a:rPr lang="pt-BR" sz="1400" dirty="0"/>
+                  <a:t>Pilha</a:t>
+                </a:r>
+              </a:p>
+            </p:txBody>
+          </p:sp>
+        </p:grpSp>
+        <p:grpSp>
+          <p:nvGrpSpPr>
+            <p:cNvPr id="27" name="Agrupar 26">
               <a:extLst>
                 <a:ext uri="{FF2B5EF4-FFF2-40B4-BE49-F238E27FC236}">
-                  <a16:creationId xmlns:a16="http://schemas.microsoft.com/office/drawing/2014/main" id="{16080DBB-45E8-050A-8E19-CB05CDC9C949}"/>
+                  <a16:creationId xmlns:a16="http://schemas.microsoft.com/office/drawing/2014/main" id="{EEB86F11-3425-449A-3FD0-4B0AA07B9C71}"/>
                 </a:ext>
               </a:extLst>
             </p:cNvPr>
-            <p:cNvSpPr/>
+            <p:cNvGrpSpPr/>
             <p:nvPr/>
-          </p:nvSpPr>
-          <p:spPr>
+          </p:nvGrpSpPr>
+          <p:grpSpPr>
             <a:xfrm>
-              <a:off x="9059250" y="4189143"/>
-              <a:ext cx="1409514" cy="441588"/>
+              <a:off x="6456399" y="4812186"/>
+              <a:ext cx="3387898" cy="828811"/>
+              <a:chOff x="6244687" y="5557768"/>
+              <a:chExt cx="4067962" cy="995182"/>
             </a:xfrm>
-            <a:prstGeom prst="roundRect">
-              <a:avLst>
-                <a:gd name="adj" fmla="val 10390"/>
-              </a:avLst>
-            </a:prstGeom>
-            <a:solidFill>
-              <a:schemeClr val="accent6">
-                <a:lumMod val="50000"/>
-                <a:alpha val="50000"/>
-              </a:schemeClr>
-            </a:solidFill>
-            <a:ln>
-              <a:noFill/>
-            </a:ln>
-          </p:spPr>
-          <p:style>
-            <a:lnRef idx="0">
-              <a:scrgbClr r="0" g="0" b="0"/>
-            </a:lnRef>
-            <a:fillRef idx="0">
-              <a:scrgbClr r="0" g="0" b="0"/>
-            </a:fillRef>
-            <a:effectRef idx="0">
-              <a:scrgbClr r="0" g="0" b="0"/>
-            </a:effectRef>
-            <a:fontRef idx="minor">
-              <a:schemeClr val="lt1"/>
-            </a:fontRef>
-          </p:style>
-          <p:txBody>
-            <a:bodyPr rtlCol="0" anchor="ctr"/>
-            <a:lstStyle/>
-            <a:p>
-              <a:pPr algn="ctr"/>
-              <a:r>
-                <a:rPr lang="pt-BR" sz="1400" dirty="0"/>
-                <a:t>cont</a:t>
-              </a:r>
-            </a:p>
-          </p:txBody>
-        </p:sp>
-        <p:sp>
-          <p:nvSpPr>
-            <p:cNvPr id="12" name="Retângulo: Cantos Arredondados 11">
-              <a:extLst>
-                <a:ext uri="{FF2B5EF4-FFF2-40B4-BE49-F238E27FC236}">
-                  <a16:creationId xmlns:a16="http://schemas.microsoft.com/office/drawing/2014/main" id="{EB00D70B-10DA-5155-BB6B-E7BA37D23739}"/>
-                </a:ext>
-              </a:extLst>
-            </p:cNvPr>
-            <p:cNvSpPr/>
-            <p:nvPr/>
-          </p:nvSpPr>
-          <p:spPr>
-            <a:xfrm>
-              <a:off x="9059249" y="3682878"/>
-              <a:ext cx="1409514" cy="441588"/>
-            </a:xfrm>
-            <a:prstGeom prst="roundRect">
-              <a:avLst>
-                <a:gd name="adj" fmla="val 10390"/>
-              </a:avLst>
-            </a:prstGeom>
-            <a:solidFill>
-              <a:schemeClr val="accent6">
-                <a:lumMod val="50000"/>
-                <a:alpha val="50000"/>
-              </a:schemeClr>
-            </a:solidFill>
-            <a:ln>
-              <a:noFill/>
-            </a:ln>
-          </p:spPr>
-          <p:style>
-            <a:lnRef idx="0">
-              <a:scrgbClr r="0" g="0" b="0"/>
-            </a:lnRef>
-            <a:fillRef idx="0">
-              <a:scrgbClr r="0" g="0" b="0"/>
-            </a:fillRef>
-            <a:effectRef idx="0">
-              <a:scrgbClr r="0" g="0" b="0"/>
-            </a:effectRef>
-            <a:fontRef idx="minor">
-              <a:schemeClr val="lt1"/>
-            </a:fontRef>
-          </p:style>
-          <p:txBody>
-            <a:bodyPr rtlCol="0" anchor="ctr"/>
-            <a:lstStyle/>
-            <a:p>
-              <a:pPr algn="ctr"/>
-              <a:r>
-                <a:rPr lang="pt-BR" sz="1400" dirty="0"/>
-                <a:t>i</a:t>
-              </a:r>
-            </a:p>
-          </p:txBody>
-        </p:sp>
-        <p:sp>
-          <p:nvSpPr>
-            <p:cNvPr id="13" name="Retângulo: Cantos Arredondados 12">
-              <a:extLst>
-                <a:ext uri="{FF2B5EF4-FFF2-40B4-BE49-F238E27FC236}">
-                  <a16:creationId xmlns:a16="http://schemas.microsoft.com/office/drawing/2014/main" id="{7DB3E27E-BE6C-3CAF-F138-B07FD119AC1E}"/>
-                </a:ext>
-              </a:extLst>
-            </p:cNvPr>
-            <p:cNvSpPr/>
-            <p:nvPr/>
-          </p:nvSpPr>
-          <p:spPr>
-            <a:xfrm>
-              <a:off x="9059250" y="5204648"/>
-              <a:ext cx="1409514" cy="441588"/>
-            </a:xfrm>
-            <a:prstGeom prst="roundRect">
-              <a:avLst>
-                <a:gd name="adj" fmla="val 10390"/>
-              </a:avLst>
-            </a:prstGeom>
-            <a:solidFill>
-              <a:schemeClr val="accent6">
-                <a:lumMod val="50000"/>
-                <a:alpha val="50000"/>
-              </a:schemeClr>
-            </a:solidFill>
-            <a:ln>
-              <a:noFill/>
-            </a:ln>
-          </p:spPr>
-          <p:style>
-            <a:lnRef idx="0">
-              <a:scrgbClr r="0" g="0" b="0"/>
-            </a:lnRef>
-            <a:fillRef idx="0">
-              <a:scrgbClr r="0" g="0" b="0"/>
-            </a:fillRef>
-            <a:effectRef idx="0">
-              <a:scrgbClr r="0" g="0" b="0"/>
-            </a:effectRef>
-            <a:fontRef idx="minor">
-              <a:schemeClr val="lt1"/>
-            </a:fontRef>
-          </p:style>
-          <p:txBody>
-            <a:bodyPr rtlCol="0" anchor="ctr"/>
-            <a:lstStyle/>
-            <a:p>
-              <a:pPr algn="ctr"/>
-              <a:r>
-                <a:rPr lang="pt-BR" sz="1400" dirty="0"/>
-                <a:t>valor</a:t>
-              </a:r>
-            </a:p>
-          </p:txBody>
-        </p:sp>
-        <p:sp>
-          <p:nvSpPr>
-            <p:cNvPr id="14" name="Retângulo 13">
-              <a:extLst>
-                <a:ext uri="{FF2B5EF4-FFF2-40B4-BE49-F238E27FC236}">
-                  <a16:creationId xmlns:a16="http://schemas.microsoft.com/office/drawing/2014/main" id="{3AF75551-DA67-8539-C51C-6C71F679093D}"/>
-                </a:ext>
-              </a:extLst>
-            </p:cNvPr>
-            <p:cNvSpPr/>
-            <p:nvPr/>
-          </p:nvSpPr>
-          <p:spPr>
-            <a:xfrm>
-              <a:off x="8657807" y="5709424"/>
-              <a:ext cx="2212402" cy="191801"/>
-            </a:xfrm>
-            <a:prstGeom prst="rect">
-              <a:avLst/>
-            </a:prstGeom>
-            <a:pattFill prst="wdUpDiag">
-              <a:fgClr>
+          </p:grpSpPr>
+          <p:sp>
+            <p:nvSpPr>
+              <p:cNvPr id="25" name="Retângulo: Cantos Arredondados 24">
+                <a:extLst>
+                  <a:ext uri="{FF2B5EF4-FFF2-40B4-BE49-F238E27FC236}">
+                    <a16:creationId xmlns:a16="http://schemas.microsoft.com/office/drawing/2014/main" id="{3E68788D-3679-2B77-F6A5-54AA40B93EBD}"/>
+                  </a:ext>
+                </a:extLst>
+              </p:cNvPr>
+              <p:cNvSpPr/>
+              <p:nvPr/>
+            </p:nvSpPr>
+            <p:spPr>
+              <a:xfrm>
+                <a:off x="6244687" y="5557768"/>
+                <a:ext cx="4067962" cy="538232"/>
+              </a:xfrm>
+              <a:prstGeom prst="roundRect">
+                <a:avLst/>
+              </a:prstGeom>
+              <a:solidFill>
                 <a:schemeClr val="accent6">
                   <a:lumMod val="75000"/>
+                  <a:alpha val="50000"/>
                 </a:schemeClr>
-              </a:fgClr>
-              <a:bgClr>
-                <a:schemeClr val="bg1"/>
-              </a:bgClr>
-            </a:pattFill>
-            <a:ln>
+              </a:solidFill>
+              <a:ln>
+                <a:noFill/>
+              </a:ln>
+            </p:spPr>
+            <p:style>
+              <a:lnRef idx="0">
+                <a:scrgbClr r="0" g="0" b="0"/>
+              </a:lnRef>
+              <a:fillRef idx="0">
+                <a:scrgbClr r="0" g="0" b="0"/>
+              </a:fillRef>
+              <a:effectRef idx="0">
+                <a:scrgbClr r="0" g="0" b="0"/>
+              </a:effectRef>
+              <a:fontRef idx="minor">
+                <a:schemeClr val="lt1"/>
+              </a:fontRef>
+            </p:style>
+            <p:txBody>
+              <a:bodyPr rtlCol="0" anchor="ctr"/>
+              <a:lstStyle/>
+              <a:p>
+                <a:pPr algn="ctr"/>
+                <a:endParaRPr lang="pt-BR" sz="1400"/>
+              </a:p>
+            </p:txBody>
+          </p:sp>
+          <p:sp>
+            <p:nvSpPr>
+              <p:cNvPr id="19" name="Retângulo: Cantos Arredondados 18">
+                <a:extLst>
+                  <a:ext uri="{FF2B5EF4-FFF2-40B4-BE49-F238E27FC236}">
+                    <a16:creationId xmlns:a16="http://schemas.microsoft.com/office/drawing/2014/main" id="{AAFD336D-4C49-2373-72D9-FE537F3D2578}"/>
+                  </a:ext>
+                </a:extLst>
+              </p:cNvPr>
+              <p:cNvSpPr/>
+              <p:nvPr/>
+            </p:nvSpPr>
+            <p:spPr>
+              <a:xfrm>
+                <a:off x="7115203" y="5606090"/>
+                <a:ext cx="735238" cy="441588"/>
+              </a:xfrm>
+              <a:prstGeom prst="roundRect">
+                <a:avLst>
+                  <a:gd name="adj" fmla="val 10390"/>
+                </a:avLst>
+              </a:prstGeom>
+              <a:solidFill>
+                <a:schemeClr val="bg1">
+                  <a:alpha val="50000"/>
+                </a:schemeClr>
+              </a:solidFill>
+              <a:ln>
+                <a:noFill/>
+              </a:ln>
+            </p:spPr>
+            <p:style>
+              <a:lnRef idx="0">
+                <a:scrgbClr r="0" g="0" b="0"/>
+              </a:lnRef>
+              <a:fillRef idx="0">
+                <a:scrgbClr r="0" g="0" b="0"/>
+              </a:fillRef>
+              <a:effectRef idx="0">
+                <a:scrgbClr r="0" g="0" b="0"/>
+              </a:effectRef>
+              <a:fontRef idx="minor">
+                <a:schemeClr val="lt1"/>
+              </a:fontRef>
+            </p:style>
+            <p:txBody>
+              <a:bodyPr rtlCol="0" anchor="ctr"/>
+              <a:lstStyle/>
+              <a:p>
+                <a:pPr algn="ctr"/>
+                <a:r>
+                  <a:rPr lang="pt-BR" sz="1400" dirty="0"/>
+                  <a:t>total</a:t>
+                </a:r>
+              </a:p>
+            </p:txBody>
+          </p:sp>
+          <p:sp>
+            <p:nvSpPr>
+              <p:cNvPr id="20" name="Retângulo: Cantos Arredondados 19">
+                <a:extLst>
+                  <a:ext uri="{FF2B5EF4-FFF2-40B4-BE49-F238E27FC236}">
+                    <a16:creationId xmlns:a16="http://schemas.microsoft.com/office/drawing/2014/main" id="{0FDA8088-549E-0126-F26E-7CCEAEB26D76}"/>
+                  </a:ext>
+                </a:extLst>
+              </p:cNvPr>
+              <p:cNvSpPr/>
+              <p:nvPr/>
+            </p:nvSpPr>
+            <p:spPr>
+              <a:xfrm>
+                <a:off x="7915488" y="5606090"/>
+                <a:ext cx="735238" cy="441588"/>
+              </a:xfrm>
+              <a:prstGeom prst="roundRect">
+                <a:avLst>
+                  <a:gd name="adj" fmla="val 10390"/>
+                </a:avLst>
+              </a:prstGeom>
+              <a:solidFill>
+                <a:schemeClr val="bg1">
+                  <a:alpha val="50000"/>
+                </a:schemeClr>
+              </a:solidFill>
+              <a:ln>
+                <a:noFill/>
+              </a:ln>
+            </p:spPr>
+            <p:style>
+              <a:lnRef idx="0">
+                <a:scrgbClr r="0" g="0" b="0"/>
+              </a:lnRef>
+              <a:fillRef idx="0">
+                <a:scrgbClr r="0" g="0" b="0"/>
+              </a:fillRef>
+              <a:effectRef idx="0">
+                <a:scrgbClr r="0" g="0" b="0"/>
+              </a:effectRef>
+              <a:fontRef idx="minor">
+                <a:schemeClr val="lt1"/>
+              </a:fontRef>
+            </p:style>
+            <p:txBody>
+              <a:bodyPr rtlCol="0" anchor="ctr"/>
+              <a:lstStyle/>
+              <a:p>
+                <a:pPr algn="ctr"/>
+                <a:r>
+                  <a:rPr lang="pt-BR" sz="1400" dirty="0"/>
+                  <a:t>cont</a:t>
+                </a:r>
+              </a:p>
+            </p:txBody>
+          </p:sp>
+          <p:sp>
+            <p:nvSpPr>
+              <p:cNvPr id="21" name="Retângulo: Cantos Arredondados 20">
+                <a:extLst>
+                  <a:ext uri="{FF2B5EF4-FFF2-40B4-BE49-F238E27FC236}">
+                    <a16:creationId xmlns:a16="http://schemas.microsoft.com/office/drawing/2014/main" id="{DE3C5388-B123-E629-84DC-963E1880DCC6}"/>
+                  </a:ext>
+                </a:extLst>
+              </p:cNvPr>
+              <p:cNvSpPr/>
+              <p:nvPr/>
+            </p:nvSpPr>
+            <p:spPr>
+              <a:xfrm>
+                <a:off x="6314918" y="5606090"/>
+                <a:ext cx="735238" cy="441588"/>
+              </a:xfrm>
+              <a:prstGeom prst="roundRect">
+                <a:avLst>
+                  <a:gd name="adj" fmla="val 10390"/>
+                </a:avLst>
+              </a:prstGeom>
+              <a:solidFill>
+                <a:schemeClr val="bg1">
+                  <a:alpha val="50000"/>
+                </a:schemeClr>
+              </a:solidFill>
+              <a:ln>
+                <a:noFill/>
+              </a:ln>
+            </p:spPr>
+            <p:style>
+              <a:lnRef idx="0">
+                <a:scrgbClr r="0" g="0" b="0"/>
+              </a:lnRef>
+              <a:fillRef idx="0">
+                <a:scrgbClr r="0" g="0" b="0"/>
+              </a:fillRef>
+              <a:effectRef idx="0">
+                <a:scrgbClr r="0" g="0" b="0"/>
+              </a:effectRef>
+              <a:fontRef idx="minor">
+                <a:schemeClr val="lt1"/>
+              </a:fontRef>
+            </p:style>
+            <p:txBody>
+              <a:bodyPr rtlCol="0" anchor="ctr"/>
+              <a:lstStyle/>
+              <a:p>
+                <a:pPr algn="ctr"/>
+                <a:r>
+                  <a:rPr lang="pt-BR" sz="1400" dirty="0"/>
+                  <a:t>valor</a:t>
+                </a:r>
+              </a:p>
+            </p:txBody>
+          </p:sp>
+          <p:sp>
+            <p:nvSpPr>
+              <p:cNvPr id="22" name="Retângulo: Cantos Arredondados 21">
+                <a:extLst>
+                  <a:ext uri="{FF2B5EF4-FFF2-40B4-BE49-F238E27FC236}">
+                    <a16:creationId xmlns:a16="http://schemas.microsoft.com/office/drawing/2014/main" id="{341A4E6D-70B0-5677-47E6-55EB651F826E}"/>
+                  </a:ext>
+                </a:extLst>
+              </p:cNvPr>
+              <p:cNvSpPr/>
+              <p:nvPr/>
+            </p:nvSpPr>
+            <p:spPr>
+              <a:xfrm>
+                <a:off x="8711334" y="5606090"/>
+                <a:ext cx="735238" cy="441588"/>
+              </a:xfrm>
+              <a:prstGeom prst="roundRect">
+                <a:avLst>
+                  <a:gd name="adj" fmla="val 10390"/>
+                </a:avLst>
+              </a:prstGeom>
+              <a:solidFill>
+                <a:schemeClr val="bg1">
+                  <a:alpha val="50000"/>
+                </a:schemeClr>
+              </a:solidFill>
+              <a:ln>
+                <a:noFill/>
+              </a:ln>
+            </p:spPr>
+            <p:style>
+              <a:lnRef idx="0">
+                <a:scrgbClr r="0" g="0" b="0"/>
+              </a:lnRef>
+              <a:fillRef idx="0">
+                <a:scrgbClr r="0" g="0" b="0"/>
+              </a:fillRef>
+              <a:effectRef idx="0">
+                <a:scrgbClr r="0" g="0" b="0"/>
+              </a:effectRef>
+              <a:fontRef idx="minor">
+                <a:schemeClr val="lt1"/>
+              </a:fontRef>
+            </p:style>
+            <p:txBody>
+              <a:bodyPr rtlCol="0" anchor="ctr"/>
+              <a:lstStyle/>
+              <a:p>
+                <a:pPr algn="ctr"/>
+                <a:r>
+                  <a:rPr lang="pt-BR" sz="1400" dirty="0"/>
+                  <a:t>i</a:t>
+                </a:r>
+              </a:p>
+            </p:txBody>
+          </p:sp>
+          <p:sp>
+            <p:nvSpPr>
+              <p:cNvPr id="23" name="Retângulo: Cantos Arredondados 22">
+                <a:extLst>
+                  <a:ext uri="{FF2B5EF4-FFF2-40B4-BE49-F238E27FC236}">
+                    <a16:creationId xmlns:a16="http://schemas.microsoft.com/office/drawing/2014/main" id="{63C2B155-A900-711D-63C7-9B242DDE64C0}"/>
+                  </a:ext>
+                </a:extLst>
+              </p:cNvPr>
+              <p:cNvSpPr/>
+              <p:nvPr/>
+            </p:nvSpPr>
+            <p:spPr>
+              <a:xfrm>
+                <a:off x="9507180" y="5606090"/>
+                <a:ext cx="735238" cy="441588"/>
+              </a:xfrm>
+              <a:prstGeom prst="roundRect">
+                <a:avLst>
+                  <a:gd name="adj" fmla="val 10390"/>
+                </a:avLst>
+              </a:prstGeom>
+              <a:solidFill>
+                <a:schemeClr val="bg1">
+                  <a:alpha val="50000"/>
+                </a:schemeClr>
+              </a:solidFill>
+              <a:ln>
+                <a:noFill/>
+              </a:ln>
+            </p:spPr>
+            <p:style>
+              <a:lnRef idx="0">
+                <a:scrgbClr r="0" g="0" b="0"/>
+              </a:lnRef>
+              <a:fillRef idx="0">
+                <a:scrgbClr r="0" g="0" b="0"/>
+              </a:fillRef>
+              <a:effectRef idx="0">
+                <a:scrgbClr r="0" g="0" b="0"/>
+              </a:effectRef>
+              <a:fontRef idx="minor">
+                <a:schemeClr val="lt1"/>
+              </a:fontRef>
+            </p:style>
+            <p:txBody>
+              <a:bodyPr rtlCol="0" anchor="ctr"/>
+              <a:lstStyle/>
+              <a:p>
+                <a:pPr algn="ctr"/>
+                <a:endParaRPr lang="pt-BR" sz="1400" dirty="0"/>
+              </a:p>
+            </p:txBody>
+          </p:sp>
+          <p:sp>
+            <p:nvSpPr>
+              <p:cNvPr id="24" name="CaixaDeTexto 23">
+                <a:extLst>
+                  <a:ext uri="{FF2B5EF4-FFF2-40B4-BE49-F238E27FC236}">
+                    <a16:creationId xmlns:a16="http://schemas.microsoft.com/office/drawing/2014/main" id="{F23A92D0-A78C-9780-B3EF-A9F9BC639868}"/>
+                  </a:ext>
+                </a:extLst>
+              </p:cNvPr>
+              <p:cNvSpPr txBox="1"/>
+              <p:nvPr/>
+            </p:nvSpPr>
+            <p:spPr>
+              <a:xfrm>
+                <a:off x="7930912" y="6183392"/>
+                <a:ext cx="700543" cy="369558"/>
+              </a:xfrm>
+              <a:prstGeom prst="rect">
+                <a:avLst/>
+              </a:prstGeom>
               <a:noFill/>
-            </a:ln>
-          </p:spPr>
-          <p:style>
-            <a:lnRef idx="0">
-              <a:scrgbClr r="0" g="0" b="0"/>
-            </a:lnRef>
-            <a:fillRef idx="0">
-              <a:scrgbClr r="0" g="0" b="0"/>
-            </a:fillRef>
-            <a:effectRef idx="0">
-              <a:scrgbClr r="0" g="0" b="0"/>
-            </a:effectRef>
-            <a:fontRef idx="minor">
-              <a:schemeClr val="lt1"/>
-            </a:fontRef>
-          </p:style>
-          <p:txBody>
-            <a:bodyPr rtlCol="0" anchor="ctr"/>
-            <a:lstStyle/>
-            <a:p>
-              <a:pPr algn="ctr"/>
-              <a:endParaRPr lang="pt-BR" sz="1400"/>
-            </a:p>
-          </p:txBody>
-        </p:sp>
-        <p:sp>
-          <p:nvSpPr>
-            <p:cNvPr id="15" name="CaixaDeTexto 14">
-              <a:extLst>
-                <a:ext uri="{FF2B5EF4-FFF2-40B4-BE49-F238E27FC236}">
-                  <a16:creationId xmlns:a16="http://schemas.microsoft.com/office/drawing/2014/main" id="{DC1B917F-45F8-8CCC-C88F-C64044C276F9}"/>
-                </a:ext>
-              </a:extLst>
-            </p:cNvPr>
-            <p:cNvSpPr txBox="1"/>
-            <p:nvPr/>
-          </p:nvSpPr>
-          <p:spPr>
-            <a:xfrm>
-              <a:off x="9443246" y="5956316"/>
-              <a:ext cx="646027" cy="366757"/>
-            </a:xfrm>
-            <a:prstGeom prst="rect">
-              <a:avLst/>
-            </a:prstGeom>
-            <a:noFill/>
-          </p:spPr>
-          <p:txBody>
-            <a:bodyPr wrap="none" rtlCol="0">
-              <a:spAutoFit/>
-            </a:bodyPr>
-            <a:lstStyle/>
-            <a:p>
-              <a:r>
-                <a:rPr lang="pt-BR" sz="1400" dirty="0"/>
-                <a:t>Pilha</a:t>
-              </a:r>
-            </a:p>
-          </p:txBody>
-        </p:sp>
-      </p:grpSp>
-      <p:grpSp>
-        <p:nvGrpSpPr>
-          <p:cNvPr id="27" name="Agrupar 26">
-            <a:extLst>
-              <a:ext uri="{FF2B5EF4-FFF2-40B4-BE49-F238E27FC236}">
-                <a16:creationId xmlns:a16="http://schemas.microsoft.com/office/drawing/2014/main" id="{EEB86F11-3425-449A-3FD0-4B0AA07B9C71}"/>
-              </a:ext>
-            </a:extLst>
-          </p:cNvPr>
-          <p:cNvGrpSpPr/>
-          <p:nvPr/>
-        </p:nvGrpSpPr>
-        <p:grpSpPr>
-          <a:xfrm>
-            <a:off x="6456399" y="4812186"/>
-            <a:ext cx="3387898" cy="828811"/>
-            <a:chOff x="6244687" y="5557768"/>
-            <a:chExt cx="4067962" cy="995182"/>
-          </a:xfrm>
-        </p:grpSpPr>
-        <p:sp>
-          <p:nvSpPr>
-            <p:cNvPr id="25" name="Retângulo: Cantos Arredondados 24">
-              <a:extLst>
-                <a:ext uri="{FF2B5EF4-FFF2-40B4-BE49-F238E27FC236}">
-                  <a16:creationId xmlns:a16="http://schemas.microsoft.com/office/drawing/2014/main" id="{3E68788D-3679-2B77-F6A5-54AA40B93EBD}"/>
-                </a:ext>
-              </a:extLst>
-            </p:cNvPr>
-            <p:cNvSpPr/>
-            <p:nvPr/>
-          </p:nvSpPr>
-          <p:spPr>
-            <a:xfrm>
-              <a:off x="6244687" y="5557768"/>
-              <a:ext cx="4067962" cy="538232"/>
-            </a:xfrm>
-            <a:prstGeom prst="roundRect">
-              <a:avLst/>
-            </a:prstGeom>
-            <a:solidFill>
-              <a:schemeClr val="accent6">
-                <a:lumMod val="75000"/>
-                <a:alpha val="50000"/>
-              </a:schemeClr>
-            </a:solidFill>
-            <a:ln>
-              <a:noFill/>
-            </a:ln>
-          </p:spPr>
-          <p:style>
-            <a:lnRef idx="0">
-              <a:scrgbClr r="0" g="0" b="0"/>
-            </a:lnRef>
-            <a:fillRef idx="0">
-              <a:scrgbClr r="0" g="0" b="0"/>
-            </a:fillRef>
-            <a:effectRef idx="0">
-              <a:scrgbClr r="0" g="0" b="0"/>
-            </a:effectRef>
-            <a:fontRef idx="minor">
-              <a:schemeClr val="lt1"/>
-            </a:fontRef>
-          </p:style>
-          <p:txBody>
-            <a:bodyPr rtlCol="0" anchor="ctr"/>
-            <a:lstStyle/>
-            <a:p>
-              <a:pPr algn="ctr"/>
-              <a:endParaRPr lang="pt-BR" sz="1400"/>
-            </a:p>
-          </p:txBody>
-        </p:sp>
-        <p:sp>
-          <p:nvSpPr>
-            <p:cNvPr id="19" name="Retângulo: Cantos Arredondados 18">
-              <a:extLst>
-                <a:ext uri="{FF2B5EF4-FFF2-40B4-BE49-F238E27FC236}">
-                  <a16:creationId xmlns:a16="http://schemas.microsoft.com/office/drawing/2014/main" id="{AAFD336D-4C49-2373-72D9-FE537F3D2578}"/>
-                </a:ext>
-              </a:extLst>
-            </p:cNvPr>
-            <p:cNvSpPr/>
-            <p:nvPr/>
-          </p:nvSpPr>
-          <p:spPr>
-            <a:xfrm>
-              <a:off x="7115203" y="5606090"/>
-              <a:ext cx="735238" cy="441588"/>
-            </a:xfrm>
-            <a:prstGeom prst="roundRect">
-              <a:avLst>
-                <a:gd name="adj" fmla="val 10390"/>
-              </a:avLst>
-            </a:prstGeom>
-            <a:solidFill>
-              <a:schemeClr val="bg1">
-                <a:alpha val="50000"/>
-              </a:schemeClr>
-            </a:solidFill>
-            <a:ln>
-              <a:noFill/>
-            </a:ln>
-          </p:spPr>
-          <p:style>
-            <a:lnRef idx="0">
-              <a:scrgbClr r="0" g="0" b="0"/>
-            </a:lnRef>
-            <a:fillRef idx="0">
-              <a:scrgbClr r="0" g="0" b="0"/>
-            </a:fillRef>
-            <a:effectRef idx="0">
-              <a:scrgbClr r="0" g="0" b="0"/>
-            </a:effectRef>
-            <a:fontRef idx="minor">
-              <a:schemeClr val="lt1"/>
-            </a:fontRef>
-          </p:style>
-          <p:txBody>
-            <a:bodyPr rtlCol="0" anchor="ctr"/>
-            <a:lstStyle/>
-            <a:p>
-              <a:pPr algn="ctr"/>
-              <a:r>
-                <a:rPr lang="pt-BR" sz="1400" dirty="0"/>
-                <a:t>total</a:t>
-              </a:r>
-            </a:p>
-          </p:txBody>
-        </p:sp>
-        <p:sp>
-          <p:nvSpPr>
-            <p:cNvPr id="20" name="Retângulo: Cantos Arredondados 19">
-              <a:extLst>
-                <a:ext uri="{FF2B5EF4-FFF2-40B4-BE49-F238E27FC236}">
-                  <a16:creationId xmlns:a16="http://schemas.microsoft.com/office/drawing/2014/main" id="{0FDA8088-549E-0126-F26E-7CCEAEB26D76}"/>
-                </a:ext>
-              </a:extLst>
-            </p:cNvPr>
-            <p:cNvSpPr/>
-            <p:nvPr/>
-          </p:nvSpPr>
-          <p:spPr>
-            <a:xfrm>
-              <a:off x="7915488" y="5606090"/>
-              <a:ext cx="735238" cy="441588"/>
-            </a:xfrm>
-            <a:prstGeom prst="roundRect">
-              <a:avLst>
-                <a:gd name="adj" fmla="val 10390"/>
-              </a:avLst>
-            </a:prstGeom>
-            <a:solidFill>
-              <a:schemeClr val="bg1">
-                <a:alpha val="50000"/>
-              </a:schemeClr>
-            </a:solidFill>
-            <a:ln>
-              <a:noFill/>
-            </a:ln>
-          </p:spPr>
-          <p:style>
-            <a:lnRef idx="0">
-              <a:scrgbClr r="0" g="0" b="0"/>
-            </a:lnRef>
-            <a:fillRef idx="0">
-              <a:scrgbClr r="0" g="0" b="0"/>
-            </a:fillRef>
-            <a:effectRef idx="0">
-              <a:scrgbClr r="0" g="0" b="0"/>
-            </a:effectRef>
-            <a:fontRef idx="minor">
-              <a:schemeClr val="lt1"/>
-            </a:fontRef>
-          </p:style>
-          <p:txBody>
-            <a:bodyPr rtlCol="0" anchor="ctr"/>
-            <a:lstStyle/>
-            <a:p>
-              <a:pPr algn="ctr"/>
-              <a:r>
-                <a:rPr lang="pt-BR" sz="1400" dirty="0"/>
-                <a:t>cont</a:t>
-              </a:r>
-            </a:p>
-          </p:txBody>
-        </p:sp>
-        <p:sp>
-          <p:nvSpPr>
-            <p:cNvPr id="21" name="Retângulo: Cantos Arredondados 20">
-              <a:extLst>
-                <a:ext uri="{FF2B5EF4-FFF2-40B4-BE49-F238E27FC236}">
-                  <a16:creationId xmlns:a16="http://schemas.microsoft.com/office/drawing/2014/main" id="{DE3C5388-B123-E629-84DC-963E1880DCC6}"/>
-                </a:ext>
-              </a:extLst>
-            </p:cNvPr>
-            <p:cNvSpPr/>
-            <p:nvPr/>
-          </p:nvSpPr>
-          <p:spPr>
-            <a:xfrm>
-              <a:off x="6314918" y="5606090"/>
-              <a:ext cx="735238" cy="441588"/>
-            </a:xfrm>
-            <a:prstGeom prst="roundRect">
-              <a:avLst>
-                <a:gd name="adj" fmla="val 10390"/>
-              </a:avLst>
-            </a:prstGeom>
-            <a:solidFill>
-              <a:schemeClr val="bg1">
-                <a:alpha val="50000"/>
-              </a:schemeClr>
-            </a:solidFill>
-            <a:ln>
-              <a:noFill/>
-            </a:ln>
-          </p:spPr>
-          <p:style>
-            <a:lnRef idx="0">
-              <a:scrgbClr r="0" g="0" b="0"/>
-            </a:lnRef>
-            <a:fillRef idx="0">
-              <a:scrgbClr r="0" g="0" b="0"/>
-            </a:fillRef>
-            <a:effectRef idx="0">
-              <a:scrgbClr r="0" g="0" b="0"/>
-            </a:effectRef>
-            <a:fontRef idx="minor">
-              <a:schemeClr val="lt1"/>
-            </a:fontRef>
-          </p:style>
-          <p:txBody>
-            <a:bodyPr rtlCol="0" anchor="ctr"/>
-            <a:lstStyle/>
-            <a:p>
-              <a:pPr algn="ctr"/>
-              <a:r>
-                <a:rPr lang="pt-BR" sz="1400" dirty="0"/>
-                <a:t>valor</a:t>
-              </a:r>
-            </a:p>
-          </p:txBody>
-        </p:sp>
-        <p:sp>
-          <p:nvSpPr>
-            <p:cNvPr id="22" name="Retângulo: Cantos Arredondados 21">
-              <a:extLst>
-                <a:ext uri="{FF2B5EF4-FFF2-40B4-BE49-F238E27FC236}">
-                  <a16:creationId xmlns:a16="http://schemas.microsoft.com/office/drawing/2014/main" id="{341A4E6D-70B0-5677-47E6-55EB651F826E}"/>
-                </a:ext>
-              </a:extLst>
-            </p:cNvPr>
-            <p:cNvSpPr/>
-            <p:nvPr/>
-          </p:nvSpPr>
-          <p:spPr>
-            <a:xfrm>
-              <a:off x="8711334" y="5606090"/>
-              <a:ext cx="735238" cy="441588"/>
-            </a:xfrm>
-            <a:prstGeom prst="roundRect">
-              <a:avLst>
-                <a:gd name="adj" fmla="val 10390"/>
-              </a:avLst>
-            </a:prstGeom>
-            <a:solidFill>
-              <a:schemeClr val="bg1">
-                <a:alpha val="50000"/>
-              </a:schemeClr>
-            </a:solidFill>
-            <a:ln>
-              <a:noFill/>
-            </a:ln>
-          </p:spPr>
-          <p:style>
-            <a:lnRef idx="0">
-              <a:scrgbClr r="0" g="0" b="0"/>
-            </a:lnRef>
-            <a:fillRef idx="0">
-              <a:scrgbClr r="0" g="0" b="0"/>
-            </a:fillRef>
-            <a:effectRef idx="0">
-              <a:scrgbClr r="0" g="0" b="0"/>
-            </a:effectRef>
-            <a:fontRef idx="minor">
-              <a:schemeClr val="lt1"/>
-            </a:fontRef>
-          </p:style>
-          <p:txBody>
-            <a:bodyPr rtlCol="0" anchor="ctr"/>
-            <a:lstStyle/>
-            <a:p>
-              <a:pPr algn="ctr"/>
-              <a:r>
-                <a:rPr lang="pt-BR" sz="1400" dirty="0"/>
-                <a:t>i</a:t>
-              </a:r>
-            </a:p>
-          </p:txBody>
-        </p:sp>
-        <p:sp>
-          <p:nvSpPr>
-            <p:cNvPr id="23" name="Retângulo: Cantos Arredondados 22">
-              <a:extLst>
-                <a:ext uri="{FF2B5EF4-FFF2-40B4-BE49-F238E27FC236}">
-                  <a16:creationId xmlns:a16="http://schemas.microsoft.com/office/drawing/2014/main" id="{63C2B155-A900-711D-63C7-9B242DDE64C0}"/>
-                </a:ext>
-              </a:extLst>
-            </p:cNvPr>
-            <p:cNvSpPr/>
-            <p:nvPr/>
-          </p:nvSpPr>
-          <p:spPr>
-            <a:xfrm>
-              <a:off x="9507180" y="5606090"/>
-              <a:ext cx="735238" cy="441588"/>
-            </a:xfrm>
-            <a:prstGeom prst="roundRect">
-              <a:avLst>
-                <a:gd name="adj" fmla="val 10390"/>
-              </a:avLst>
-            </a:prstGeom>
-            <a:solidFill>
-              <a:schemeClr val="bg1">
-                <a:alpha val="50000"/>
-              </a:schemeClr>
-            </a:solidFill>
-            <a:ln>
-              <a:noFill/>
-            </a:ln>
-          </p:spPr>
-          <p:style>
-            <a:lnRef idx="0">
-              <a:scrgbClr r="0" g="0" b="0"/>
-            </a:lnRef>
-            <a:fillRef idx="0">
-              <a:scrgbClr r="0" g="0" b="0"/>
-            </a:fillRef>
-            <a:effectRef idx="0">
-              <a:scrgbClr r="0" g="0" b="0"/>
-            </a:effectRef>
-            <a:fontRef idx="minor">
-              <a:schemeClr val="lt1"/>
-            </a:fontRef>
-          </p:style>
-          <p:txBody>
-            <a:bodyPr rtlCol="0" anchor="ctr"/>
-            <a:lstStyle/>
-            <a:p>
-              <a:pPr algn="ctr"/>
-              <a:endParaRPr lang="pt-BR" sz="1400" dirty="0"/>
-            </a:p>
-          </p:txBody>
-        </p:sp>
-        <p:sp>
-          <p:nvSpPr>
-            <p:cNvPr id="24" name="CaixaDeTexto 23">
-              <a:extLst>
-                <a:ext uri="{FF2B5EF4-FFF2-40B4-BE49-F238E27FC236}">
-                  <a16:creationId xmlns:a16="http://schemas.microsoft.com/office/drawing/2014/main" id="{F23A92D0-A78C-9780-B3EF-A9F9BC639868}"/>
-                </a:ext>
-              </a:extLst>
-            </p:cNvPr>
-            <p:cNvSpPr txBox="1"/>
-            <p:nvPr/>
-          </p:nvSpPr>
-          <p:spPr>
-            <a:xfrm>
-              <a:off x="7930912" y="6183392"/>
-              <a:ext cx="700543" cy="369558"/>
-            </a:xfrm>
-            <a:prstGeom prst="rect">
-              <a:avLst/>
-            </a:prstGeom>
-            <a:noFill/>
-          </p:spPr>
-          <p:txBody>
-            <a:bodyPr wrap="none" rtlCol="0">
-              <a:spAutoFit/>
-            </a:bodyPr>
-            <a:lstStyle/>
-            <a:p>
-              <a:r>
-                <a:rPr lang="pt-BR" sz="1400" dirty="0"/>
-                <a:t>Vetor</a:t>
-              </a:r>
-            </a:p>
-          </p:txBody>
-        </p:sp>
+            </p:spPr>
+            <p:txBody>
+              <a:bodyPr wrap="none" rtlCol="0">
+                <a:spAutoFit/>
+              </a:bodyPr>
+              <a:lstStyle/>
+              <a:p>
+                <a:r>
+                  <a:rPr lang="pt-BR" sz="1400" dirty="0"/>
+                  <a:t>Vetor</a:t>
+                </a:r>
+              </a:p>
+            </p:txBody>
+          </p:sp>
+        </p:grpSp>
       </p:grpSp>
     </p:spTree>
     <p:extLst>
@@ -25111,799 +25132,820 @@
           </a:p>
         </p:txBody>
       </p:sp>
-      <p:sp>
-        <p:nvSpPr>
-          <p:cNvPr id="4" name="CaixaDeTexto 3">
+      <p:grpSp>
+        <p:nvGrpSpPr>
+          <p:cNvPr id="8" name="Agrupar 7">
             <a:extLst>
               <a:ext uri="{FF2B5EF4-FFF2-40B4-BE49-F238E27FC236}">
-                <a16:creationId xmlns:a16="http://schemas.microsoft.com/office/drawing/2014/main" id="{BD3CBBDD-E598-8F37-4FAA-2A4B922A0C45}"/>
+                <a16:creationId xmlns:a16="http://schemas.microsoft.com/office/drawing/2014/main" id="{10DA69F9-7FFC-EC7E-009A-9ED111486C10}"/>
               </a:ext>
             </a:extLst>
           </p:cNvPr>
-          <p:cNvSpPr txBox="1"/>
+          <p:cNvGrpSpPr/>
           <p:nvPr/>
-        </p:nvSpPr>
-        <p:spPr>
+        </p:nvGrpSpPr>
+        <p:grpSpPr>
           <a:xfrm>
-            <a:off x="2203086" y="4413470"/>
-            <a:ext cx="2413519" cy="1600438"/>
+            <a:off x="2203086" y="4392332"/>
+            <a:ext cx="9046553" cy="2315973"/>
+            <a:chOff x="2203086" y="4392332"/>
+            <a:chExt cx="9046553" cy="2315973"/>
           </a:xfrm>
-          <a:prstGeom prst="rect">
-            <a:avLst/>
-          </a:prstGeom>
-          <a:noFill/>
-        </p:spPr>
-        <p:txBody>
-          <a:bodyPr wrap="square">
-            <a:spAutoFit/>
-          </a:bodyPr>
-          <a:lstStyle/>
-          <a:p>
-            <a:r>
-              <a:rPr lang="pt-BR" sz="1400" dirty="0">
+        </p:grpSpPr>
+        <p:sp>
+          <p:nvSpPr>
+            <p:cNvPr id="4" name="CaixaDeTexto 3">
+              <a:extLst>
+                <a:ext uri="{FF2B5EF4-FFF2-40B4-BE49-F238E27FC236}">
+                  <a16:creationId xmlns:a16="http://schemas.microsoft.com/office/drawing/2014/main" id="{BD3CBBDD-E598-8F37-4FAA-2A4B922A0C45}"/>
+                </a:ext>
+              </a:extLst>
+            </p:cNvPr>
+            <p:cNvSpPr txBox="1"/>
+            <p:nvPr/>
+          </p:nvSpPr>
+          <p:spPr>
+            <a:xfrm>
+              <a:off x="2203086" y="4413470"/>
+              <a:ext cx="2413519" cy="1600438"/>
+            </a:xfrm>
+            <a:prstGeom prst="rect">
+              <a:avLst/>
+            </a:prstGeom>
+            <a:noFill/>
+          </p:spPr>
+          <p:txBody>
+            <a:bodyPr wrap="square">
+              <a:spAutoFit/>
+            </a:bodyPr>
+            <a:lstStyle/>
+            <a:p>
+              <a:r>
+                <a:rPr lang="pt-BR" sz="1400" dirty="0">
+                  <a:solidFill>
+                    <a:schemeClr val="accent3">
+                      <a:lumMod val="75000"/>
+                    </a:schemeClr>
+                  </a:solidFill>
+                  <a:latin typeface="Consolas" panose="020B0609020204030204" pitchFamily="49" charset="0"/>
+                  <a:cs typeface="Consolas" panose="020B0609020204030204" pitchFamily="49" charset="0"/>
+                </a:rPr>
+                <a:t>class </a:t>
+              </a:r>
+              <a:r>
+                <a:rPr lang="pt-BR" sz="1400" dirty="0">
+                  <a:solidFill>
+                    <a:schemeClr val="accent3"/>
+                  </a:solidFill>
+                  <a:latin typeface="Consolas" panose="020B0609020204030204" pitchFamily="49" charset="0"/>
+                  <a:cs typeface="Consolas" panose="020B0609020204030204" pitchFamily="49" charset="0"/>
+                </a:rPr>
+                <a:t>Pilha</a:t>
+              </a:r>
+            </a:p>
+            <a:p>
+              <a:r>
+                <a:rPr lang="pt-BR" sz="1400" dirty="0">
+                  <a:latin typeface="Consolas" panose="020B0609020204030204" pitchFamily="49" charset="0"/>
+                  <a:cs typeface="Consolas" panose="020B0609020204030204" pitchFamily="49" charset="0"/>
+                </a:rPr>
+                <a:t>{</a:t>
+              </a:r>
+              <a:br>
+                <a:rPr lang="pt-BR" sz="1400" dirty="0">
+                  <a:latin typeface="Consolas" panose="020B0609020204030204" pitchFamily="49" charset="0"/>
+                  <a:cs typeface="Consolas" panose="020B0609020204030204" pitchFamily="49" charset="0"/>
+                </a:rPr>
+              </a:br>
+              <a:r>
+                <a:rPr lang="pt-BR" sz="1400" dirty="0">
+                  <a:solidFill>
+                    <a:schemeClr val="accent3">
+                      <a:lumMod val="75000"/>
+                    </a:schemeClr>
+                  </a:solidFill>
+                  <a:latin typeface="Consolas" panose="020B0609020204030204" pitchFamily="49" charset="0"/>
+                  <a:cs typeface="Consolas" panose="020B0609020204030204" pitchFamily="49" charset="0"/>
+                </a:rPr>
+                <a:t>private</a:t>
+              </a:r>
+              <a:r>
+                <a:rPr lang="pt-BR" sz="1400" dirty="0">
+                  <a:latin typeface="Consolas" panose="020B0609020204030204" pitchFamily="49" charset="0"/>
+                  <a:cs typeface="Consolas" panose="020B0609020204030204" pitchFamily="49" charset="0"/>
+                </a:rPr>
+                <a:t>:</a:t>
+              </a:r>
+            </a:p>
+            <a:p>
+              <a:r>
+                <a:rPr lang="pt-BR" sz="1400" dirty="0">
+                  <a:latin typeface="Consolas" panose="020B0609020204030204" pitchFamily="49" charset="0"/>
+                  <a:cs typeface="Consolas" panose="020B0609020204030204" pitchFamily="49" charset="0"/>
+                </a:rPr>
+                <a:t>   </a:t>
+              </a:r>
+              <a:r>
+                <a:rPr lang="pt-BR" sz="1400" dirty="0" err="1">
+                  <a:solidFill>
+                    <a:schemeClr val="accent3">
+                      <a:lumMod val="75000"/>
+                    </a:schemeClr>
+                  </a:solidFill>
+                  <a:latin typeface="Consolas" panose="020B0609020204030204" pitchFamily="49" charset="0"/>
+                  <a:cs typeface="Consolas" panose="020B0609020204030204" pitchFamily="49" charset="0"/>
+                </a:rPr>
+                <a:t>enum</a:t>
+              </a:r>
+              <a:r>
+                <a:rPr lang="pt-BR" sz="1400" dirty="0">
+                  <a:latin typeface="Consolas" panose="020B0609020204030204" pitchFamily="49" charset="0"/>
+                  <a:cs typeface="Consolas" panose="020B0609020204030204" pitchFamily="49" charset="0"/>
+                </a:rPr>
+                <a:t> { </a:t>
+              </a:r>
+              <a:r>
+                <a:rPr lang="pt-BR" sz="1400" dirty="0">
+                  <a:solidFill>
+                    <a:schemeClr val="accent3">
+                      <a:lumMod val="60000"/>
+                      <a:lumOff val="40000"/>
+                    </a:schemeClr>
+                  </a:solidFill>
+                  <a:latin typeface="Consolas" panose="020B0609020204030204" pitchFamily="49" charset="0"/>
+                  <a:cs typeface="Consolas" panose="020B0609020204030204" pitchFamily="49" charset="0"/>
+                </a:rPr>
+                <a:t>MAX</a:t>
+              </a:r>
+              <a:r>
+                <a:rPr lang="pt-BR" sz="1400" dirty="0">
+                  <a:latin typeface="Consolas" panose="020B0609020204030204" pitchFamily="49" charset="0"/>
+                  <a:cs typeface="Consolas" panose="020B0609020204030204" pitchFamily="49" charset="0"/>
+                </a:rPr>
+                <a:t> = </a:t>
+              </a:r>
+              <a:r>
+                <a:rPr lang="pt-BR" sz="1400" dirty="0">
+                  <a:solidFill>
+                    <a:schemeClr val="accent3">
+                      <a:lumMod val="60000"/>
+                      <a:lumOff val="40000"/>
+                    </a:schemeClr>
+                  </a:solidFill>
+                  <a:latin typeface="Consolas" panose="020B0609020204030204" pitchFamily="49" charset="0"/>
+                  <a:cs typeface="Consolas" panose="020B0609020204030204" pitchFamily="49" charset="0"/>
+                </a:rPr>
+                <a:t>10 </a:t>
+              </a:r>
+              <a:r>
+                <a:rPr lang="pt-BR" sz="1400" dirty="0">
+                  <a:latin typeface="Consolas" panose="020B0609020204030204" pitchFamily="49" charset="0"/>
+                  <a:cs typeface="Consolas" panose="020B0609020204030204" pitchFamily="49" charset="0"/>
+                </a:rPr>
+                <a:t>};   </a:t>
+              </a:r>
+            </a:p>
+            <a:p>
+              <a:r>
+                <a:rPr lang="pt-BR" sz="1400" dirty="0">
+                  <a:solidFill>
+                    <a:schemeClr val="accent3"/>
+                  </a:solidFill>
+                  <a:latin typeface="Consolas" panose="020B0609020204030204" pitchFamily="49" charset="0"/>
+                  <a:cs typeface="Consolas" panose="020B0609020204030204" pitchFamily="49" charset="0"/>
+                </a:rPr>
+                <a:t>   Item</a:t>
+              </a:r>
+              <a:r>
+                <a:rPr lang="pt-BR" sz="1400" dirty="0">
+                  <a:latin typeface="Consolas" panose="020B0609020204030204" pitchFamily="49" charset="0"/>
+                  <a:cs typeface="Consolas" panose="020B0609020204030204" pitchFamily="49" charset="0"/>
+                </a:rPr>
+                <a:t> itens[</a:t>
+              </a:r>
+              <a:r>
+                <a:rPr lang="pt-BR" sz="1400" dirty="0">
+                  <a:solidFill>
+                    <a:schemeClr val="accent3">
+                      <a:lumMod val="60000"/>
+                      <a:lumOff val="40000"/>
+                    </a:schemeClr>
+                  </a:solidFill>
+                  <a:latin typeface="Consolas" panose="020B0609020204030204" pitchFamily="49" charset="0"/>
+                  <a:cs typeface="Consolas" panose="020B0609020204030204" pitchFamily="49" charset="0"/>
+                </a:rPr>
+                <a:t>MAX</a:t>
+              </a:r>
+              <a:r>
+                <a:rPr lang="pt-BR" sz="1400" dirty="0">
+                  <a:latin typeface="Consolas" panose="020B0609020204030204" pitchFamily="49" charset="0"/>
+                  <a:cs typeface="Consolas" panose="020B0609020204030204" pitchFamily="49" charset="0"/>
+                </a:rPr>
+                <a:t>];   </a:t>
+              </a:r>
+              <a:endParaRPr lang="pt-BR" sz="1400" dirty="0">
                 <a:solidFill>
-                  <a:schemeClr val="accent3">
-                    <a:lumMod val="75000"/>
+                  <a:schemeClr val="bg1">
+                    <a:lumMod val="50000"/>
+                    <a:lumOff val="50000"/>
                   </a:schemeClr>
                 </a:solidFill>
                 <a:latin typeface="Consolas" panose="020B0609020204030204" pitchFamily="49" charset="0"/>
                 <a:cs typeface="Consolas" panose="020B0609020204030204" pitchFamily="49" charset="0"/>
-              </a:rPr>
-              <a:t>class </a:t>
-            </a:r>
-            <a:r>
-              <a:rPr lang="pt-BR" sz="1400" dirty="0">
+              </a:endParaRPr>
+            </a:p>
+            <a:p>
+              <a:r>
+                <a:rPr lang="pt-BR" sz="1400" dirty="0">
+                  <a:latin typeface="Consolas" panose="020B0609020204030204" pitchFamily="49" charset="0"/>
+                  <a:cs typeface="Consolas" panose="020B0609020204030204" pitchFamily="49" charset="0"/>
+                </a:rPr>
+                <a:t>   </a:t>
+              </a:r>
+              <a:r>
+                <a:rPr lang="pt-BR" sz="1400" dirty="0">
+                  <a:solidFill>
+                    <a:schemeClr val="accent6">
+                      <a:lumMod val="60000"/>
+                      <a:lumOff val="40000"/>
+                    </a:schemeClr>
+                  </a:solidFill>
+                  <a:latin typeface="Consolas" panose="020B0609020204030204" pitchFamily="49" charset="0"/>
+                  <a:cs typeface="Consolas" panose="020B0609020204030204" pitchFamily="49" charset="0"/>
+                </a:rPr>
+                <a:t>...</a:t>
+              </a:r>
+              <a:br>
+                <a:rPr lang="pt-BR" sz="1400" dirty="0">
+                  <a:latin typeface="Consolas" panose="020B0609020204030204" pitchFamily="49" charset="0"/>
+                  <a:cs typeface="Consolas" panose="020B0609020204030204" pitchFamily="49" charset="0"/>
+                </a:rPr>
+              </a:br>
+              <a:r>
+                <a:rPr lang="pt-BR" sz="1400" dirty="0">
+                  <a:latin typeface="Consolas" panose="020B0609020204030204" pitchFamily="49" charset="0"/>
+                  <a:cs typeface="Consolas" panose="020B0609020204030204" pitchFamily="49" charset="0"/>
+                </a:rPr>
+                <a:t>};</a:t>
+              </a:r>
+              <a:endParaRPr lang="pt-BR" sz="1400" dirty="0">
                 <a:solidFill>
-                  <a:schemeClr val="accent3"/>
-                </a:solidFill>
-                <a:latin typeface="Consolas" panose="020B0609020204030204" pitchFamily="49" charset="0"/>
-                <a:cs typeface="Consolas" panose="020B0609020204030204" pitchFamily="49" charset="0"/>
-              </a:rPr>
-              <a:t>Pilha</a:t>
-            </a:r>
-          </a:p>
-          <a:p>
-            <a:r>
-              <a:rPr lang="pt-BR" sz="1400" dirty="0">
-                <a:latin typeface="Consolas" panose="020B0609020204030204" pitchFamily="49" charset="0"/>
-                <a:cs typeface="Consolas" panose="020B0609020204030204" pitchFamily="49" charset="0"/>
-              </a:rPr>
-              <a:t>{</a:t>
-            </a:r>
-            <a:br>
-              <a:rPr lang="pt-BR" sz="1400" dirty="0">
-                <a:latin typeface="Consolas" panose="020B0609020204030204" pitchFamily="49" charset="0"/>
-                <a:cs typeface="Consolas" panose="020B0609020204030204" pitchFamily="49" charset="0"/>
-              </a:rPr>
-            </a:br>
-            <a:r>
-              <a:rPr lang="pt-BR" sz="1400" dirty="0">
-                <a:solidFill>
-                  <a:schemeClr val="accent3">
+                  <a:schemeClr val="bg1">
                     <a:lumMod val="75000"/>
+                    <a:lumOff val="25000"/>
                   </a:schemeClr>
                 </a:solidFill>
                 <a:latin typeface="Consolas" panose="020B0609020204030204" pitchFamily="49" charset="0"/>
                 <a:cs typeface="Consolas" panose="020B0609020204030204" pitchFamily="49" charset="0"/>
-              </a:rPr>
-              <a:t>private</a:t>
-            </a:r>
-            <a:r>
-              <a:rPr lang="pt-BR" sz="1400" dirty="0">
-                <a:latin typeface="Consolas" panose="020B0609020204030204" pitchFamily="49" charset="0"/>
-                <a:cs typeface="Consolas" panose="020B0609020204030204" pitchFamily="49" charset="0"/>
-              </a:rPr>
-              <a:t>:</a:t>
-            </a:r>
-          </a:p>
-          <a:p>
-            <a:r>
-              <a:rPr lang="pt-BR" sz="1400" dirty="0">
-                <a:latin typeface="Consolas" panose="020B0609020204030204" pitchFamily="49" charset="0"/>
-                <a:cs typeface="Consolas" panose="020B0609020204030204" pitchFamily="49" charset="0"/>
-              </a:rPr>
-              <a:t>   </a:t>
-            </a:r>
-            <a:r>
-              <a:rPr lang="pt-BR" sz="1400" dirty="0" err="1">
+              </a:endParaRPr>
+            </a:p>
+          </p:txBody>
+        </p:sp>
+        <p:sp>
+          <p:nvSpPr>
+            <p:cNvPr id="5" name="CaixaDeTexto 4">
+              <a:extLst>
+                <a:ext uri="{FF2B5EF4-FFF2-40B4-BE49-F238E27FC236}">
+                  <a16:creationId xmlns:a16="http://schemas.microsoft.com/office/drawing/2014/main" id="{754C2ACA-DDDA-EE6A-22B5-E4EF967D9832}"/>
+                </a:ext>
+              </a:extLst>
+            </p:cNvPr>
+            <p:cNvSpPr txBox="1"/>
+            <p:nvPr/>
+          </p:nvSpPr>
+          <p:spPr>
+            <a:xfrm>
+              <a:off x="5370780" y="4393212"/>
+              <a:ext cx="2466301" cy="1600438"/>
+            </a:xfrm>
+            <a:prstGeom prst="rect">
+              <a:avLst/>
+            </a:prstGeom>
+            <a:noFill/>
+          </p:spPr>
+          <p:txBody>
+            <a:bodyPr wrap="square">
+              <a:spAutoFit/>
+            </a:bodyPr>
+            <a:lstStyle/>
+            <a:p>
+              <a:r>
+                <a:rPr lang="pt-BR" sz="1400" dirty="0">
+                  <a:solidFill>
+                    <a:schemeClr val="accent3">
+                      <a:lumMod val="75000"/>
+                    </a:schemeClr>
+                  </a:solidFill>
+                  <a:latin typeface="Consolas" panose="020B0609020204030204" pitchFamily="49" charset="0"/>
+                  <a:cs typeface="Consolas" panose="020B0609020204030204" pitchFamily="49" charset="0"/>
+                </a:rPr>
+                <a:t>class </a:t>
+              </a:r>
+              <a:r>
+                <a:rPr lang="pt-BR" sz="1400" dirty="0">
+                  <a:solidFill>
+                    <a:schemeClr val="accent3"/>
+                  </a:solidFill>
+                  <a:latin typeface="Consolas" panose="020B0609020204030204" pitchFamily="49" charset="0"/>
+                  <a:cs typeface="Consolas" panose="020B0609020204030204" pitchFamily="49" charset="0"/>
+                </a:rPr>
+                <a:t>Pilha</a:t>
+              </a:r>
+            </a:p>
+            <a:p>
+              <a:r>
+                <a:rPr lang="pt-BR" sz="1400" dirty="0">
+                  <a:latin typeface="Consolas" panose="020B0609020204030204" pitchFamily="49" charset="0"/>
+                  <a:cs typeface="Consolas" panose="020B0609020204030204" pitchFamily="49" charset="0"/>
+                </a:rPr>
+                <a:t>{</a:t>
+              </a:r>
+              <a:br>
+                <a:rPr lang="pt-BR" sz="1400" dirty="0">
+                  <a:latin typeface="Consolas" panose="020B0609020204030204" pitchFamily="49" charset="0"/>
+                  <a:cs typeface="Consolas" panose="020B0609020204030204" pitchFamily="49" charset="0"/>
+                </a:rPr>
+              </a:br>
+              <a:r>
+                <a:rPr lang="pt-BR" sz="1400" dirty="0">
+                  <a:solidFill>
+                    <a:schemeClr val="accent3">
+                      <a:lumMod val="75000"/>
+                    </a:schemeClr>
+                  </a:solidFill>
+                  <a:latin typeface="Consolas" panose="020B0609020204030204" pitchFamily="49" charset="0"/>
+                  <a:cs typeface="Consolas" panose="020B0609020204030204" pitchFamily="49" charset="0"/>
+                </a:rPr>
+                <a:t>private</a:t>
+              </a:r>
+              <a:r>
+                <a:rPr lang="pt-BR" sz="1400" dirty="0">
+                  <a:latin typeface="Consolas" panose="020B0609020204030204" pitchFamily="49" charset="0"/>
+                  <a:cs typeface="Consolas" panose="020B0609020204030204" pitchFamily="49" charset="0"/>
+                </a:rPr>
+                <a:t>:</a:t>
+              </a:r>
+            </a:p>
+            <a:p>
+              <a:r>
+                <a:rPr lang="pt-BR" sz="1400" dirty="0">
+                  <a:latin typeface="Consolas" panose="020B0609020204030204" pitchFamily="49" charset="0"/>
+                  <a:cs typeface="Consolas" panose="020B0609020204030204" pitchFamily="49" charset="0"/>
+                </a:rPr>
+                <a:t>   </a:t>
+              </a:r>
+              <a:r>
+                <a:rPr lang="pt-BR" sz="1400" dirty="0" err="1">
+                  <a:solidFill>
+                    <a:schemeClr val="accent3">
+                      <a:lumMod val="75000"/>
+                    </a:schemeClr>
+                  </a:solidFill>
+                  <a:latin typeface="Consolas" panose="020B0609020204030204" pitchFamily="49" charset="0"/>
+                  <a:cs typeface="Consolas" panose="020B0609020204030204" pitchFamily="49" charset="0"/>
+                </a:rPr>
+                <a:t>const</a:t>
+              </a:r>
+              <a:r>
+                <a:rPr lang="pt-BR" sz="1400" dirty="0">
+                  <a:solidFill>
+                    <a:schemeClr val="accent3">
+                      <a:lumMod val="75000"/>
+                    </a:schemeClr>
+                  </a:solidFill>
+                  <a:latin typeface="Consolas" panose="020B0609020204030204" pitchFamily="49" charset="0"/>
+                  <a:cs typeface="Consolas" panose="020B0609020204030204" pitchFamily="49" charset="0"/>
+                </a:rPr>
+                <a:t> </a:t>
+              </a:r>
+              <a:r>
+                <a:rPr lang="pt-BR" sz="1400" dirty="0" err="1">
+                  <a:solidFill>
+                    <a:schemeClr val="accent3">
+                      <a:lumMod val="75000"/>
+                    </a:schemeClr>
+                  </a:solidFill>
+                  <a:latin typeface="Consolas" panose="020B0609020204030204" pitchFamily="49" charset="0"/>
+                  <a:cs typeface="Consolas" panose="020B0609020204030204" pitchFamily="49" charset="0"/>
+                </a:rPr>
+                <a:t>int</a:t>
+              </a:r>
+              <a:r>
+                <a:rPr lang="pt-BR" sz="1400" dirty="0">
+                  <a:latin typeface="Consolas" panose="020B0609020204030204" pitchFamily="49" charset="0"/>
+                  <a:cs typeface="Consolas" panose="020B0609020204030204" pitchFamily="49" charset="0"/>
+                </a:rPr>
+                <a:t> </a:t>
+              </a:r>
+              <a:r>
+                <a:rPr lang="pt-BR" sz="1400" dirty="0">
+                  <a:solidFill>
+                    <a:schemeClr val="accent3">
+                      <a:lumMod val="60000"/>
+                      <a:lumOff val="40000"/>
+                    </a:schemeClr>
+                  </a:solidFill>
+                  <a:latin typeface="Consolas" panose="020B0609020204030204" pitchFamily="49" charset="0"/>
+                  <a:cs typeface="Consolas" panose="020B0609020204030204" pitchFamily="49" charset="0"/>
+                </a:rPr>
+                <a:t>Max</a:t>
+              </a:r>
+              <a:r>
+                <a:rPr lang="pt-BR" sz="1400" dirty="0">
+                  <a:latin typeface="Consolas" panose="020B0609020204030204" pitchFamily="49" charset="0"/>
+                  <a:cs typeface="Consolas" panose="020B0609020204030204" pitchFamily="49" charset="0"/>
+                </a:rPr>
+                <a:t> = </a:t>
+              </a:r>
+              <a:r>
+                <a:rPr lang="pt-BR" sz="1400" dirty="0">
+                  <a:solidFill>
+                    <a:schemeClr val="accent3">
+                      <a:lumMod val="60000"/>
+                      <a:lumOff val="40000"/>
+                    </a:schemeClr>
+                  </a:solidFill>
+                  <a:latin typeface="Consolas" panose="020B0609020204030204" pitchFamily="49" charset="0"/>
+                  <a:cs typeface="Consolas" panose="020B0609020204030204" pitchFamily="49" charset="0"/>
+                </a:rPr>
+                <a:t>10</a:t>
+              </a:r>
+              <a:r>
+                <a:rPr lang="pt-BR" sz="1400" dirty="0">
+                  <a:latin typeface="Consolas" panose="020B0609020204030204" pitchFamily="49" charset="0"/>
+                  <a:cs typeface="Consolas" panose="020B0609020204030204" pitchFamily="49" charset="0"/>
+                </a:rPr>
+                <a:t>;     </a:t>
+              </a:r>
+            </a:p>
+            <a:p>
+              <a:r>
+                <a:rPr lang="pt-BR" sz="1400" dirty="0">
+                  <a:solidFill>
+                    <a:schemeClr val="accent3"/>
+                  </a:solidFill>
+                  <a:latin typeface="Consolas" panose="020B0609020204030204" pitchFamily="49" charset="0"/>
+                  <a:cs typeface="Consolas" panose="020B0609020204030204" pitchFamily="49" charset="0"/>
+                </a:rPr>
+                <a:t>   Item</a:t>
+              </a:r>
+              <a:r>
+                <a:rPr lang="pt-BR" sz="1400" dirty="0">
+                  <a:latin typeface="Consolas" panose="020B0609020204030204" pitchFamily="49" charset="0"/>
+                  <a:cs typeface="Consolas" panose="020B0609020204030204" pitchFamily="49" charset="0"/>
+                </a:rPr>
+                <a:t> itens[</a:t>
+              </a:r>
+              <a:r>
+                <a:rPr lang="pt-BR" sz="1400" dirty="0">
+                  <a:solidFill>
+                    <a:schemeClr val="accent3">
+                      <a:lumMod val="60000"/>
+                      <a:lumOff val="40000"/>
+                    </a:schemeClr>
+                  </a:solidFill>
+                  <a:latin typeface="Consolas" panose="020B0609020204030204" pitchFamily="49" charset="0"/>
+                  <a:cs typeface="Consolas" panose="020B0609020204030204" pitchFamily="49" charset="0"/>
+                </a:rPr>
+                <a:t>Max</a:t>
+              </a:r>
+              <a:r>
+                <a:rPr lang="pt-BR" sz="1400" dirty="0">
+                  <a:latin typeface="Consolas" panose="020B0609020204030204" pitchFamily="49" charset="0"/>
+                  <a:cs typeface="Consolas" panose="020B0609020204030204" pitchFamily="49" charset="0"/>
+                </a:rPr>
+                <a:t>];    </a:t>
+              </a:r>
+              <a:endParaRPr lang="pt-BR" sz="1400" dirty="0">
                 <a:solidFill>
-                  <a:schemeClr val="accent3">
-                    <a:lumMod val="75000"/>
+                  <a:schemeClr val="bg1">
+                    <a:lumMod val="50000"/>
+                    <a:lumOff val="50000"/>
                   </a:schemeClr>
                 </a:solidFill>
                 <a:latin typeface="Consolas" panose="020B0609020204030204" pitchFamily="49" charset="0"/>
                 <a:cs typeface="Consolas" panose="020B0609020204030204" pitchFamily="49" charset="0"/>
-              </a:rPr>
-              <a:t>enum</a:t>
-            </a:r>
-            <a:r>
-              <a:rPr lang="pt-BR" sz="1400" dirty="0">
-                <a:latin typeface="Consolas" panose="020B0609020204030204" pitchFamily="49" charset="0"/>
-                <a:cs typeface="Consolas" panose="020B0609020204030204" pitchFamily="49" charset="0"/>
-              </a:rPr>
-              <a:t> { </a:t>
-            </a:r>
-            <a:r>
-              <a:rPr lang="pt-BR" sz="1400" dirty="0">
+              </a:endParaRPr>
+            </a:p>
+            <a:p>
+              <a:r>
+                <a:rPr lang="pt-BR" sz="1400" dirty="0">
+                  <a:latin typeface="Consolas" panose="020B0609020204030204" pitchFamily="49" charset="0"/>
+                  <a:cs typeface="Consolas" panose="020B0609020204030204" pitchFamily="49" charset="0"/>
+                </a:rPr>
+                <a:t>   </a:t>
+              </a:r>
+              <a:r>
+                <a:rPr lang="pt-BR" sz="1400" dirty="0">
+                  <a:solidFill>
+                    <a:schemeClr val="accent6">
+                      <a:lumMod val="60000"/>
+                      <a:lumOff val="40000"/>
+                    </a:schemeClr>
+                  </a:solidFill>
+                  <a:latin typeface="Consolas" panose="020B0609020204030204" pitchFamily="49" charset="0"/>
+                  <a:cs typeface="Consolas" panose="020B0609020204030204" pitchFamily="49" charset="0"/>
+                </a:rPr>
+                <a:t>...</a:t>
+              </a:r>
+              <a:br>
+                <a:rPr lang="pt-BR" sz="1400" dirty="0">
+                  <a:latin typeface="Consolas" panose="020B0609020204030204" pitchFamily="49" charset="0"/>
+                  <a:cs typeface="Consolas" panose="020B0609020204030204" pitchFamily="49" charset="0"/>
+                </a:rPr>
+              </a:br>
+              <a:r>
+                <a:rPr lang="pt-BR" sz="1400" dirty="0">
+                  <a:latin typeface="Consolas" panose="020B0609020204030204" pitchFamily="49" charset="0"/>
+                  <a:cs typeface="Consolas" panose="020B0609020204030204" pitchFamily="49" charset="0"/>
+                </a:rPr>
+                <a:t>};</a:t>
+              </a:r>
+              <a:endParaRPr lang="pt-BR" sz="1400" dirty="0">
                 <a:solidFill>
-                  <a:schemeClr val="accent3">
-                    <a:lumMod val="60000"/>
-                    <a:lumOff val="40000"/>
+                  <a:schemeClr val="bg1">
+                    <a:lumMod val="75000"/>
+                    <a:lumOff val="25000"/>
                   </a:schemeClr>
                 </a:solidFill>
                 <a:latin typeface="Consolas" panose="020B0609020204030204" pitchFamily="49" charset="0"/>
                 <a:cs typeface="Consolas" panose="020B0609020204030204" pitchFamily="49" charset="0"/>
-              </a:rPr>
-              <a:t>MAX</a:t>
-            </a:r>
-            <a:r>
-              <a:rPr lang="pt-BR" sz="1400" dirty="0">
-                <a:latin typeface="Consolas" panose="020B0609020204030204" pitchFamily="49" charset="0"/>
-                <a:cs typeface="Consolas" panose="020B0609020204030204" pitchFamily="49" charset="0"/>
-              </a:rPr>
-              <a:t> = </a:t>
-            </a:r>
-            <a:r>
-              <a:rPr lang="pt-BR" sz="1400" dirty="0">
-                <a:solidFill>
-                  <a:schemeClr val="accent3">
-                    <a:lumMod val="60000"/>
-                    <a:lumOff val="40000"/>
-                  </a:schemeClr>
-                </a:solidFill>
-                <a:latin typeface="Consolas" panose="020B0609020204030204" pitchFamily="49" charset="0"/>
-                <a:cs typeface="Consolas" panose="020B0609020204030204" pitchFamily="49" charset="0"/>
-              </a:rPr>
-              <a:t>10 </a:t>
-            </a:r>
-            <a:r>
-              <a:rPr lang="pt-BR" sz="1400" dirty="0">
-                <a:latin typeface="Consolas" panose="020B0609020204030204" pitchFamily="49" charset="0"/>
-                <a:cs typeface="Consolas" panose="020B0609020204030204" pitchFamily="49" charset="0"/>
-              </a:rPr>
-              <a:t>};   </a:t>
-            </a:r>
-          </a:p>
-          <a:p>
-            <a:r>
-              <a:rPr lang="pt-BR" sz="1400" dirty="0">
-                <a:solidFill>
-                  <a:schemeClr val="accent3"/>
-                </a:solidFill>
-                <a:latin typeface="Consolas" panose="020B0609020204030204" pitchFamily="49" charset="0"/>
-                <a:cs typeface="Consolas" panose="020B0609020204030204" pitchFamily="49" charset="0"/>
-              </a:rPr>
-              <a:t>   Item</a:t>
-            </a:r>
-            <a:r>
-              <a:rPr lang="pt-BR" sz="1400" dirty="0">
-                <a:latin typeface="Consolas" panose="020B0609020204030204" pitchFamily="49" charset="0"/>
-                <a:cs typeface="Consolas" panose="020B0609020204030204" pitchFamily="49" charset="0"/>
-              </a:rPr>
-              <a:t> itens[</a:t>
-            </a:r>
-            <a:r>
-              <a:rPr lang="pt-BR" sz="1400" dirty="0">
-                <a:solidFill>
-                  <a:schemeClr val="accent3">
-                    <a:lumMod val="60000"/>
-                    <a:lumOff val="40000"/>
-                  </a:schemeClr>
-                </a:solidFill>
-                <a:latin typeface="Consolas" panose="020B0609020204030204" pitchFamily="49" charset="0"/>
-                <a:cs typeface="Consolas" panose="020B0609020204030204" pitchFamily="49" charset="0"/>
-              </a:rPr>
-              <a:t>MAX</a:t>
-            </a:r>
-            <a:r>
-              <a:rPr lang="pt-BR" sz="1400" dirty="0">
-                <a:latin typeface="Consolas" panose="020B0609020204030204" pitchFamily="49" charset="0"/>
-                <a:cs typeface="Consolas" panose="020B0609020204030204" pitchFamily="49" charset="0"/>
-              </a:rPr>
-              <a:t>];   </a:t>
-            </a:r>
-            <a:endParaRPr lang="pt-BR" sz="1400" dirty="0">
-              <a:solidFill>
-                <a:schemeClr val="bg1">
-                  <a:lumMod val="50000"/>
-                  <a:lumOff val="50000"/>
-                </a:schemeClr>
-              </a:solidFill>
-              <a:latin typeface="Consolas" panose="020B0609020204030204" pitchFamily="49" charset="0"/>
-              <a:cs typeface="Consolas" panose="020B0609020204030204" pitchFamily="49" charset="0"/>
-            </a:endParaRPr>
-          </a:p>
-          <a:p>
-            <a:r>
-              <a:rPr lang="pt-BR" sz="1400" dirty="0">
-                <a:latin typeface="Consolas" panose="020B0609020204030204" pitchFamily="49" charset="0"/>
-                <a:cs typeface="Consolas" panose="020B0609020204030204" pitchFamily="49" charset="0"/>
-              </a:rPr>
-              <a:t>   </a:t>
-            </a:r>
-            <a:r>
-              <a:rPr lang="pt-BR" sz="1400" dirty="0">
-                <a:solidFill>
-                  <a:schemeClr val="accent6">
-                    <a:lumMod val="60000"/>
-                    <a:lumOff val="40000"/>
-                  </a:schemeClr>
-                </a:solidFill>
-                <a:latin typeface="Consolas" panose="020B0609020204030204" pitchFamily="49" charset="0"/>
-                <a:cs typeface="Consolas" panose="020B0609020204030204" pitchFamily="49" charset="0"/>
-              </a:rPr>
-              <a:t>...</a:t>
-            </a:r>
-            <a:br>
-              <a:rPr lang="pt-BR" sz="1400" dirty="0">
-                <a:latin typeface="Consolas" panose="020B0609020204030204" pitchFamily="49" charset="0"/>
-                <a:cs typeface="Consolas" panose="020B0609020204030204" pitchFamily="49" charset="0"/>
-              </a:rPr>
-            </a:br>
-            <a:r>
-              <a:rPr lang="pt-BR" sz="1400" dirty="0">
-                <a:latin typeface="Consolas" panose="020B0609020204030204" pitchFamily="49" charset="0"/>
-                <a:cs typeface="Consolas" panose="020B0609020204030204" pitchFamily="49" charset="0"/>
-              </a:rPr>
-              <a:t>};</a:t>
-            </a:r>
-            <a:endParaRPr lang="pt-BR" sz="1400" dirty="0">
-              <a:solidFill>
-                <a:schemeClr val="bg1">
-                  <a:lumMod val="75000"/>
-                  <a:lumOff val="25000"/>
-                </a:schemeClr>
-              </a:solidFill>
-              <a:latin typeface="Consolas" panose="020B0609020204030204" pitchFamily="49" charset="0"/>
-              <a:cs typeface="Consolas" panose="020B0609020204030204" pitchFamily="49" charset="0"/>
-            </a:endParaRPr>
-          </a:p>
-        </p:txBody>
-      </p:sp>
-      <p:sp>
-        <p:nvSpPr>
-          <p:cNvPr id="5" name="CaixaDeTexto 4">
-            <a:extLst>
-              <a:ext uri="{FF2B5EF4-FFF2-40B4-BE49-F238E27FC236}">
-                <a16:creationId xmlns:a16="http://schemas.microsoft.com/office/drawing/2014/main" id="{754C2ACA-DDDA-EE6A-22B5-E4EF967D9832}"/>
-              </a:ext>
-            </a:extLst>
-          </p:cNvPr>
-          <p:cNvSpPr txBox="1"/>
-          <p:nvPr/>
-        </p:nvSpPr>
-        <p:spPr>
-          <a:xfrm>
-            <a:off x="5370780" y="4393212"/>
-            <a:ext cx="2466301" cy="1600438"/>
-          </a:xfrm>
-          <a:prstGeom prst="rect">
-            <a:avLst/>
-          </a:prstGeom>
-          <a:noFill/>
-        </p:spPr>
-        <p:txBody>
-          <a:bodyPr wrap="square">
-            <a:spAutoFit/>
-          </a:bodyPr>
-          <a:lstStyle/>
-          <a:p>
-            <a:r>
-              <a:rPr lang="pt-BR" sz="1400" dirty="0">
-                <a:solidFill>
-                  <a:schemeClr val="accent3">
-                    <a:lumMod val="75000"/>
-                  </a:schemeClr>
-                </a:solidFill>
-                <a:latin typeface="Consolas" panose="020B0609020204030204" pitchFamily="49" charset="0"/>
-                <a:cs typeface="Consolas" panose="020B0609020204030204" pitchFamily="49" charset="0"/>
-              </a:rPr>
-              <a:t>class </a:t>
-            </a:r>
-            <a:r>
-              <a:rPr lang="pt-BR" sz="1400" dirty="0">
-                <a:solidFill>
-                  <a:schemeClr val="accent3"/>
-                </a:solidFill>
-                <a:latin typeface="Consolas" panose="020B0609020204030204" pitchFamily="49" charset="0"/>
-                <a:cs typeface="Consolas" panose="020B0609020204030204" pitchFamily="49" charset="0"/>
-              </a:rPr>
-              <a:t>Pilha</a:t>
-            </a:r>
-          </a:p>
-          <a:p>
-            <a:r>
-              <a:rPr lang="pt-BR" sz="1400" dirty="0">
-                <a:latin typeface="Consolas" panose="020B0609020204030204" pitchFamily="49" charset="0"/>
-                <a:cs typeface="Consolas" panose="020B0609020204030204" pitchFamily="49" charset="0"/>
-              </a:rPr>
-              <a:t>{</a:t>
-            </a:r>
-            <a:br>
-              <a:rPr lang="pt-BR" sz="1400" dirty="0">
-                <a:latin typeface="Consolas" panose="020B0609020204030204" pitchFamily="49" charset="0"/>
-                <a:cs typeface="Consolas" panose="020B0609020204030204" pitchFamily="49" charset="0"/>
-              </a:rPr>
-            </a:br>
-            <a:r>
-              <a:rPr lang="pt-BR" sz="1400" dirty="0">
-                <a:solidFill>
-                  <a:schemeClr val="accent3">
-                    <a:lumMod val="75000"/>
-                  </a:schemeClr>
-                </a:solidFill>
-                <a:latin typeface="Consolas" panose="020B0609020204030204" pitchFamily="49" charset="0"/>
-                <a:cs typeface="Consolas" panose="020B0609020204030204" pitchFamily="49" charset="0"/>
-              </a:rPr>
-              <a:t>private</a:t>
-            </a:r>
-            <a:r>
-              <a:rPr lang="pt-BR" sz="1400" dirty="0">
-                <a:latin typeface="Consolas" panose="020B0609020204030204" pitchFamily="49" charset="0"/>
-                <a:cs typeface="Consolas" panose="020B0609020204030204" pitchFamily="49" charset="0"/>
-              </a:rPr>
-              <a:t>:</a:t>
-            </a:r>
-          </a:p>
-          <a:p>
-            <a:r>
-              <a:rPr lang="pt-BR" sz="1400" dirty="0">
-                <a:latin typeface="Consolas" panose="020B0609020204030204" pitchFamily="49" charset="0"/>
-                <a:cs typeface="Consolas" panose="020B0609020204030204" pitchFamily="49" charset="0"/>
-              </a:rPr>
-              <a:t>   </a:t>
-            </a:r>
-            <a:r>
-              <a:rPr lang="pt-BR" sz="1400" dirty="0" err="1">
-                <a:solidFill>
-                  <a:schemeClr val="accent3">
-                    <a:lumMod val="75000"/>
-                  </a:schemeClr>
-                </a:solidFill>
-                <a:latin typeface="Consolas" panose="020B0609020204030204" pitchFamily="49" charset="0"/>
-                <a:cs typeface="Consolas" panose="020B0609020204030204" pitchFamily="49" charset="0"/>
-              </a:rPr>
-              <a:t>const</a:t>
-            </a:r>
-            <a:r>
-              <a:rPr lang="pt-BR" sz="1400" dirty="0">
-                <a:solidFill>
-                  <a:schemeClr val="accent3">
-                    <a:lumMod val="75000"/>
-                  </a:schemeClr>
-                </a:solidFill>
-                <a:latin typeface="Consolas" panose="020B0609020204030204" pitchFamily="49" charset="0"/>
-                <a:cs typeface="Consolas" panose="020B0609020204030204" pitchFamily="49" charset="0"/>
-              </a:rPr>
-              <a:t> </a:t>
-            </a:r>
-            <a:r>
-              <a:rPr lang="pt-BR" sz="1400" dirty="0" err="1">
-                <a:solidFill>
-                  <a:schemeClr val="accent3">
-                    <a:lumMod val="75000"/>
-                  </a:schemeClr>
-                </a:solidFill>
-                <a:latin typeface="Consolas" panose="020B0609020204030204" pitchFamily="49" charset="0"/>
-                <a:cs typeface="Consolas" panose="020B0609020204030204" pitchFamily="49" charset="0"/>
-              </a:rPr>
-              <a:t>int</a:t>
-            </a:r>
-            <a:r>
-              <a:rPr lang="pt-BR" sz="1400" dirty="0">
-                <a:latin typeface="Consolas" panose="020B0609020204030204" pitchFamily="49" charset="0"/>
-                <a:cs typeface="Consolas" panose="020B0609020204030204" pitchFamily="49" charset="0"/>
-              </a:rPr>
-              <a:t> </a:t>
-            </a:r>
-            <a:r>
-              <a:rPr lang="pt-BR" sz="1400" dirty="0">
-                <a:solidFill>
-                  <a:schemeClr val="accent3">
-                    <a:lumMod val="60000"/>
-                    <a:lumOff val="40000"/>
-                  </a:schemeClr>
-                </a:solidFill>
-                <a:latin typeface="Consolas" panose="020B0609020204030204" pitchFamily="49" charset="0"/>
-                <a:cs typeface="Consolas" panose="020B0609020204030204" pitchFamily="49" charset="0"/>
-              </a:rPr>
-              <a:t>Max</a:t>
-            </a:r>
-            <a:r>
-              <a:rPr lang="pt-BR" sz="1400" dirty="0">
-                <a:latin typeface="Consolas" panose="020B0609020204030204" pitchFamily="49" charset="0"/>
-                <a:cs typeface="Consolas" panose="020B0609020204030204" pitchFamily="49" charset="0"/>
-              </a:rPr>
-              <a:t> = </a:t>
-            </a:r>
-            <a:r>
-              <a:rPr lang="pt-BR" sz="1400" dirty="0">
-                <a:solidFill>
-                  <a:schemeClr val="accent3">
-                    <a:lumMod val="60000"/>
-                    <a:lumOff val="40000"/>
-                  </a:schemeClr>
-                </a:solidFill>
-                <a:latin typeface="Consolas" panose="020B0609020204030204" pitchFamily="49" charset="0"/>
-                <a:cs typeface="Consolas" panose="020B0609020204030204" pitchFamily="49" charset="0"/>
-              </a:rPr>
-              <a:t>10</a:t>
-            </a:r>
-            <a:r>
-              <a:rPr lang="pt-BR" sz="1400" dirty="0">
-                <a:latin typeface="Consolas" panose="020B0609020204030204" pitchFamily="49" charset="0"/>
-                <a:cs typeface="Consolas" panose="020B0609020204030204" pitchFamily="49" charset="0"/>
-              </a:rPr>
-              <a:t>;     </a:t>
-            </a:r>
-          </a:p>
-          <a:p>
-            <a:r>
-              <a:rPr lang="pt-BR" sz="1400" dirty="0">
-                <a:solidFill>
-                  <a:schemeClr val="accent3"/>
-                </a:solidFill>
-                <a:latin typeface="Consolas" panose="020B0609020204030204" pitchFamily="49" charset="0"/>
-                <a:cs typeface="Consolas" panose="020B0609020204030204" pitchFamily="49" charset="0"/>
-              </a:rPr>
-              <a:t>   Item</a:t>
-            </a:r>
-            <a:r>
-              <a:rPr lang="pt-BR" sz="1400" dirty="0">
-                <a:latin typeface="Consolas" panose="020B0609020204030204" pitchFamily="49" charset="0"/>
-                <a:cs typeface="Consolas" panose="020B0609020204030204" pitchFamily="49" charset="0"/>
-              </a:rPr>
-              <a:t> itens[</a:t>
-            </a:r>
-            <a:r>
-              <a:rPr lang="pt-BR" sz="1400" dirty="0">
-                <a:solidFill>
-                  <a:schemeClr val="accent3">
-                    <a:lumMod val="60000"/>
-                    <a:lumOff val="40000"/>
-                  </a:schemeClr>
-                </a:solidFill>
-                <a:latin typeface="Consolas" panose="020B0609020204030204" pitchFamily="49" charset="0"/>
-                <a:cs typeface="Consolas" panose="020B0609020204030204" pitchFamily="49" charset="0"/>
-              </a:rPr>
-              <a:t>Max</a:t>
-            </a:r>
-            <a:r>
-              <a:rPr lang="pt-BR" sz="1400" dirty="0">
-                <a:latin typeface="Consolas" panose="020B0609020204030204" pitchFamily="49" charset="0"/>
-                <a:cs typeface="Consolas" panose="020B0609020204030204" pitchFamily="49" charset="0"/>
-              </a:rPr>
-              <a:t>];    </a:t>
-            </a:r>
-            <a:endParaRPr lang="pt-BR" sz="1400" dirty="0">
-              <a:solidFill>
-                <a:schemeClr val="bg1">
-                  <a:lumMod val="50000"/>
-                  <a:lumOff val="50000"/>
-                </a:schemeClr>
-              </a:solidFill>
-              <a:latin typeface="Consolas" panose="020B0609020204030204" pitchFamily="49" charset="0"/>
-              <a:cs typeface="Consolas" panose="020B0609020204030204" pitchFamily="49" charset="0"/>
-            </a:endParaRPr>
-          </a:p>
-          <a:p>
-            <a:r>
-              <a:rPr lang="pt-BR" sz="1400" dirty="0">
-                <a:latin typeface="Consolas" panose="020B0609020204030204" pitchFamily="49" charset="0"/>
-                <a:cs typeface="Consolas" panose="020B0609020204030204" pitchFamily="49" charset="0"/>
-              </a:rPr>
-              <a:t>   </a:t>
-            </a:r>
-            <a:r>
-              <a:rPr lang="pt-BR" sz="1400" dirty="0">
-                <a:solidFill>
-                  <a:schemeClr val="accent6">
-                    <a:lumMod val="60000"/>
-                    <a:lumOff val="40000"/>
-                  </a:schemeClr>
-                </a:solidFill>
-                <a:latin typeface="Consolas" panose="020B0609020204030204" pitchFamily="49" charset="0"/>
-                <a:cs typeface="Consolas" panose="020B0609020204030204" pitchFamily="49" charset="0"/>
-              </a:rPr>
-              <a:t>...</a:t>
-            </a:r>
-            <a:br>
-              <a:rPr lang="pt-BR" sz="1400" dirty="0">
-                <a:latin typeface="Consolas" panose="020B0609020204030204" pitchFamily="49" charset="0"/>
-                <a:cs typeface="Consolas" panose="020B0609020204030204" pitchFamily="49" charset="0"/>
-              </a:rPr>
-            </a:br>
-            <a:r>
-              <a:rPr lang="pt-BR" sz="1400" dirty="0">
-                <a:latin typeface="Consolas" panose="020B0609020204030204" pitchFamily="49" charset="0"/>
-                <a:cs typeface="Consolas" panose="020B0609020204030204" pitchFamily="49" charset="0"/>
-              </a:rPr>
-              <a:t>};</a:t>
-            </a:r>
-            <a:endParaRPr lang="pt-BR" sz="1400" dirty="0">
-              <a:solidFill>
-                <a:schemeClr val="bg1">
-                  <a:lumMod val="75000"/>
-                  <a:lumOff val="25000"/>
-                </a:schemeClr>
-              </a:solidFill>
-              <a:latin typeface="Consolas" panose="020B0609020204030204" pitchFamily="49" charset="0"/>
-              <a:cs typeface="Consolas" panose="020B0609020204030204" pitchFamily="49" charset="0"/>
-            </a:endParaRPr>
-          </a:p>
-        </p:txBody>
-      </p:sp>
-      <p:cxnSp>
-        <p:nvCxnSpPr>
-          <p:cNvPr id="7" name="Conector reto 6">
-            <a:extLst>
-              <a:ext uri="{FF2B5EF4-FFF2-40B4-BE49-F238E27FC236}">
-                <a16:creationId xmlns:a16="http://schemas.microsoft.com/office/drawing/2014/main" id="{2D710746-F66E-4080-7687-9CAE0174C54D}"/>
-              </a:ext>
-            </a:extLst>
-          </p:cNvPr>
-          <p:cNvCxnSpPr>
-            <a:cxnSpLocks/>
-          </p:cNvCxnSpPr>
-          <p:nvPr/>
-        </p:nvCxnSpPr>
-        <p:spPr>
-          <a:xfrm>
-            <a:off x="4995750" y="4392332"/>
-            <a:ext cx="0" cy="1679559"/>
-          </a:xfrm>
-          <a:prstGeom prst="line">
-            <a:avLst/>
-          </a:prstGeom>
-          <a:ln w="12700">
-            <a:prstDash val="dash"/>
-          </a:ln>
-        </p:spPr>
-        <p:style>
-          <a:lnRef idx="1">
-            <a:schemeClr val="accent6"/>
-          </a:lnRef>
-          <a:fillRef idx="0">
-            <a:schemeClr val="accent6"/>
-          </a:fillRef>
-          <a:effectRef idx="0">
-            <a:schemeClr val="accent6"/>
-          </a:effectRef>
-          <a:fontRef idx="minor">
-            <a:schemeClr val="tx1"/>
-          </a:fontRef>
-        </p:style>
-      </p:cxnSp>
-      <p:cxnSp>
-        <p:nvCxnSpPr>
-          <p:cNvPr id="9" name="Conector reto 8">
-            <a:extLst>
-              <a:ext uri="{FF2B5EF4-FFF2-40B4-BE49-F238E27FC236}">
-                <a16:creationId xmlns:a16="http://schemas.microsoft.com/office/drawing/2014/main" id="{E98B4E3B-301C-00D9-7EA4-ECD5E71210F2}"/>
-              </a:ext>
-            </a:extLst>
-          </p:cNvPr>
-          <p:cNvCxnSpPr>
-            <a:cxnSpLocks/>
-          </p:cNvCxnSpPr>
-          <p:nvPr/>
-        </p:nvCxnSpPr>
-        <p:spPr>
-          <a:xfrm>
-            <a:off x="8239265" y="4392332"/>
-            <a:ext cx="0" cy="1679559"/>
-          </a:xfrm>
-          <a:prstGeom prst="line">
-            <a:avLst/>
-          </a:prstGeom>
-          <a:ln w="12700">
-            <a:prstDash val="dash"/>
-          </a:ln>
-        </p:spPr>
-        <p:style>
-          <a:lnRef idx="1">
-            <a:schemeClr val="accent6"/>
-          </a:lnRef>
-          <a:fillRef idx="0">
-            <a:schemeClr val="accent6"/>
-          </a:fillRef>
-          <a:effectRef idx="0">
-            <a:schemeClr val="accent6"/>
-          </a:effectRef>
-          <a:fontRef idx="minor">
-            <a:schemeClr val="tx1"/>
-          </a:fontRef>
-        </p:style>
-      </p:cxnSp>
-      <p:pic>
-        <p:nvPicPr>
-          <p:cNvPr id="10" name="Gráfico 9" descr="Marca de seleção com preenchimento sólido">
-            <a:extLst>
-              <a:ext uri="{FF2B5EF4-FFF2-40B4-BE49-F238E27FC236}">
-                <a16:creationId xmlns:a16="http://schemas.microsoft.com/office/drawing/2014/main" id="{2516688E-5248-2631-B8BC-55AFBEA1D613}"/>
-              </a:ext>
-            </a:extLst>
-          </p:cNvPr>
-          <p:cNvPicPr>
-            <a:picLocks noChangeAspect="1"/>
-          </p:cNvPicPr>
-          <p:nvPr/>
-        </p:nvPicPr>
-        <p:blipFill>
-          <a:blip r:embed="rId3" cstate="print">
-            <a:extLst>
-              <a:ext uri="{28A0092B-C50C-407E-A947-70E740481C1C}">
-                <a14:useLocalDpi xmlns:a14="http://schemas.microsoft.com/office/drawing/2010/main" val="0"/>
-              </a:ext>
-              <a:ext uri="{96DAC541-7B7A-43D3-8B79-37D633B846F1}">
-                <asvg:svgBlip xmlns:asvg="http://schemas.microsoft.com/office/drawing/2016/SVG/main" r:embed="rId4"/>
-              </a:ext>
-            </a:extLst>
-          </a:blip>
-          <a:stretch>
-            <a:fillRect/>
-          </a:stretch>
-        </p:blipFill>
-        <p:spPr>
-          <a:xfrm>
-            <a:off x="4467919" y="5130298"/>
-            <a:ext cx="166781" cy="166781"/>
-          </a:xfrm>
-          <a:prstGeom prst="rect">
-            <a:avLst/>
-          </a:prstGeom>
-        </p:spPr>
-      </p:pic>
-      <p:pic>
-        <p:nvPicPr>
-          <p:cNvPr id="11" name="Gráfico 10" descr="Fechar com preenchimento sólido">
-            <a:extLst>
-              <a:ext uri="{FF2B5EF4-FFF2-40B4-BE49-F238E27FC236}">
-                <a16:creationId xmlns:a16="http://schemas.microsoft.com/office/drawing/2014/main" id="{F45EFFDF-C423-A404-DB9D-8BD689E14507}"/>
-              </a:ext>
-            </a:extLst>
-          </p:cNvPr>
-          <p:cNvPicPr>
-            <a:picLocks noChangeAspect="1"/>
-          </p:cNvPicPr>
-          <p:nvPr/>
-        </p:nvPicPr>
-        <p:blipFill>
-          <a:blip r:embed="rId5" cstate="print">
-            <a:extLst>
-              <a:ext uri="{28A0092B-C50C-407E-A947-70E740481C1C}">
-                <a14:useLocalDpi xmlns:a14="http://schemas.microsoft.com/office/drawing/2010/main" val="0"/>
-              </a:ext>
-              <a:ext uri="{96DAC541-7B7A-43D3-8B79-37D633B846F1}">
-                <asvg:svgBlip xmlns:asvg="http://schemas.microsoft.com/office/drawing/2016/SVG/main" r:embed="rId6"/>
-              </a:ext>
-            </a:extLst>
-          </a:blip>
-          <a:stretch>
-            <a:fillRect/>
-          </a:stretch>
-        </p:blipFill>
-        <p:spPr>
-          <a:xfrm>
-            <a:off x="7705530" y="5121378"/>
-            <a:ext cx="166781" cy="166781"/>
-          </a:xfrm>
-          <a:prstGeom prst="rect">
-            <a:avLst/>
-          </a:prstGeom>
-        </p:spPr>
-      </p:pic>
-      <p:sp>
-        <p:nvSpPr>
-          <p:cNvPr id="12" name="CaixaDeTexto 11">
-            <a:extLst>
-              <a:ext uri="{FF2B5EF4-FFF2-40B4-BE49-F238E27FC236}">
-                <a16:creationId xmlns:a16="http://schemas.microsoft.com/office/drawing/2014/main" id="{B74C318D-EEF6-0A99-2204-1C4357F4148B}"/>
-              </a:ext>
-            </a:extLst>
-          </p:cNvPr>
-          <p:cNvSpPr txBox="1"/>
-          <p:nvPr/>
-        </p:nvSpPr>
-        <p:spPr>
-          <a:xfrm>
-            <a:off x="8641450" y="4613523"/>
-            <a:ext cx="2608189" cy="1200329"/>
-          </a:xfrm>
-          <a:prstGeom prst="rect">
-            <a:avLst/>
-          </a:prstGeom>
-          <a:noFill/>
-        </p:spPr>
-        <p:txBody>
-          <a:bodyPr wrap="square" rtlCol="0">
-            <a:spAutoFit/>
-          </a:bodyPr>
-          <a:lstStyle/>
-          <a:p>
-            <a:pPr algn="ctr"/>
-            <a:r>
-              <a:rPr lang="pt-BR" dirty="0"/>
-              <a:t>A </a:t>
-            </a:r>
-            <a:r>
-              <a:rPr lang="pt-BR" b="1" dirty="0"/>
-              <a:t>classe</a:t>
-            </a:r>
-            <a:r>
-              <a:rPr lang="pt-BR" dirty="0"/>
-              <a:t> </a:t>
-            </a:r>
-            <a:r>
-              <a:rPr lang="pt-BR" dirty="0">
-                <a:solidFill>
-                  <a:schemeClr val="accent3">
-                    <a:lumMod val="75000"/>
-                  </a:schemeClr>
-                </a:solidFill>
-              </a:rPr>
-              <a:t>representa um modelo</a:t>
-            </a:r>
-            <a:r>
-              <a:rPr lang="pt-BR" dirty="0"/>
-              <a:t> para a criação de um objeto. Ela não  guarda valores.</a:t>
-            </a:r>
-          </a:p>
-        </p:txBody>
-      </p:sp>
-      <p:sp>
-        <p:nvSpPr>
-          <p:cNvPr id="6" name="CaixaDeTexto 5">
-            <a:extLst>
-              <a:ext uri="{FF2B5EF4-FFF2-40B4-BE49-F238E27FC236}">
-                <a16:creationId xmlns:a16="http://schemas.microsoft.com/office/drawing/2014/main" id="{C794E730-1891-CA8B-D27D-A1756A87728C}"/>
-              </a:ext>
-            </a:extLst>
-          </p:cNvPr>
-          <p:cNvSpPr txBox="1"/>
-          <p:nvPr/>
-        </p:nvSpPr>
-        <p:spPr>
-          <a:xfrm>
-            <a:off x="2203086" y="6400528"/>
-            <a:ext cx="8954054" cy="307777"/>
-          </a:xfrm>
-          <a:prstGeom prst="rect">
-            <a:avLst/>
-          </a:prstGeom>
-          <a:noFill/>
-        </p:spPr>
-        <p:txBody>
-          <a:bodyPr wrap="none" rtlCol="0">
-            <a:spAutoFit/>
-          </a:bodyPr>
-          <a:lstStyle/>
-          <a:p>
-            <a:r>
-              <a:rPr lang="pt-BR" sz="1400" baseline="30000" dirty="0">
-                <a:solidFill>
-                  <a:schemeClr val="accent6">
-                    <a:lumMod val="60000"/>
-                    <a:lumOff val="40000"/>
-                  </a:schemeClr>
-                </a:solidFill>
-              </a:rPr>
-              <a:t>†</a:t>
-            </a:r>
-            <a:r>
-              <a:rPr lang="pt-BR" sz="1400" dirty="0">
-                <a:solidFill>
-                  <a:schemeClr val="accent6">
-                    <a:lumMod val="60000"/>
-                    <a:lumOff val="40000"/>
-                  </a:schemeClr>
-                </a:solidFill>
-              </a:rPr>
-              <a:t> C++11 permite a criação de constantes em classes mas não para fornecer valor para a declaração de outros membros</a:t>
-            </a:r>
-          </a:p>
-        </p:txBody>
-      </p:sp>
+              </a:endParaRPr>
+            </a:p>
+          </p:txBody>
+        </p:sp>
+        <p:cxnSp>
+          <p:nvCxnSpPr>
+            <p:cNvPr id="7" name="Conector reto 6">
+              <a:extLst>
+                <a:ext uri="{FF2B5EF4-FFF2-40B4-BE49-F238E27FC236}">
+                  <a16:creationId xmlns:a16="http://schemas.microsoft.com/office/drawing/2014/main" id="{2D710746-F66E-4080-7687-9CAE0174C54D}"/>
+                </a:ext>
+              </a:extLst>
+            </p:cNvPr>
+            <p:cNvCxnSpPr>
+              <a:cxnSpLocks/>
+            </p:cNvCxnSpPr>
+            <p:nvPr/>
+          </p:nvCxnSpPr>
+          <p:spPr>
+            <a:xfrm>
+              <a:off x="4995750" y="4392332"/>
+              <a:ext cx="0" cy="1679559"/>
+            </a:xfrm>
+            <a:prstGeom prst="line">
+              <a:avLst/>
+            </a:prstGeom>
+            <a:ln w="12700">
+              <a:prstDash val="dash"/>
+            </a:ln>
+          </p:spPr>
+          <p:style>
+            <a:lnRef idx="1">
+              <a:schemeClr val="accent6"/>
+            </a:lnRef>
+            <a:fillRef idx="0">
+              <a:schemeClr val="accent6"/>
+            </a:fillRef>
+            <a:effectRef idx="0">
+              <a:schemeClr val="accent6"/>
+            </a:effectRef>
+            <a:fontRef idx="minor">
+              <a:schemeClr val="tx1"/>
+            </a:fontRef>
+          </p:style>
+        </p:cxnSp>
+        <p:cxnSp>
+          <p:nvCxnSpPr>
+            <p:cNvPr id="9" name="Conector reto 8">
+              <a:extLst>
+                <a:ext uri="{FF2B5EF4-FFF2-40B4-BE49-F238E27FC236}">
+                  <a16:creationId xmlns:a16="http://schemas.microsoft.com/office/drawing/2014/main" id="{E98B4E3B-301C-00D9-7EA4-ECD5E71210F2}"/>
+                </a:ext>
+              </a:extLst>
+            </p:cNvPr>
+            <p:cNvCxnSpPr>
+              <a:cxnSpLocks/>
+            </p:cNvCxnSpPr>
+            <p:nvPr/>
+          </p:nvCxnSpPr>
+          <p:spPr>
+            <a:xfrm>
+              <a:off x="8239265" y="4392332"/>
+              <a:ext cx="0" cy="1679559"/>
+            </a:xfrm>
+            <a:prstGeom prst="line">
+              <a:avLst/>
+            </a:prstGeom>
+            <a:ln w="12700">
+              <a:prstDash val="dash"/>
+            </a:ln>
+          </p:spPr>
+          <p:style>
+            <a:lnRef idx="1">
+              <a:schemeClr val="accent6"/>
+            </a:lnRef>
+            <a:fillRef idx="0">
+              <a:schemeClr val="accent6"/>
+            </a:fillRef>
+            <a:effectRef idx="0">
+              <a:schemeClr val="accent6"/>
+            </a:effectRef>
+            <a:fontRef idx="minor">
+              <a:schemeClr val="tx1"/>
+            </a:fontRef>
+          </p:style>
+        </p:cxnSp>
+        <p:pic>
+          <p:nvPicPr>
+            <p:cNvPr id="10" name="Gráfico 9" descr="Marca de seleção com preenchimento sólido">
+              <a:extLst>
+                <a:ext uri="{FF2B5EF4-FFF2-40B4-BE49-F238E27FC236}">
+                  <a16:creationId xmlns:a16="http://schemas.microsoft.com/office/drawing/2014/main" id="{2516688E-5248-2631-B8BC-55AFBEA1D613}"/>
+                </a:ext>
+              </a:extLst>
+            </p:cNvPr>
+            <p:cNvPicPr>
+              <a:picLocks noChangeAspect="1"/>
+            </p:cNvPicPr>
+            <p:nvPr/>
+          </p:nvPicPr>
+          <p:blipFill>
+            <a:blip r:embed="rId3" cstate="print">
+              <a:extLst>
+                <a:ext uri="{28A0092B-C50C-407E-A947-70E740481C1C}">
+                  <a14:useLocalDpi xmlns:a14="http://schemas.microsoft.com/office/drawing/2010/main" val="0"/>
+                </a:ext>
+                <a:ext uri="{96DAC541-7B7A-43D3-8B79-37D633B846F1}">
+                  <asvg:svgBlip xmlns:asvg="http://schemas.microsoft.com/office/drawing/2016/SVG/main" r:embed="rId4"/>
+                </a:ext>
+              </a:extLst>
+            </a:blip>
+            <a:stretch>
+              <a:fillRect/>
+            </a:stretch>
+          </p:blipFill>
+          <p:spPr>
+            <a:xfrm>
+              <a:off x="4467919" y="5130298"/>
+              <a:ext cx="166781" cy="166781"/>
+            </a:xfrm>
+            <a:prstGeom prst="rect">
+              <a:avLst/>
+            </a:prstGeom>
+          </p:spPr>
+        </p:pic>
+        <p:pic>
+          <p:nvPicPr>
+            <p:cNvPr id="11" name="Gráfico 10" descr="Fechar com preenchimento sólido">
+              <a:extLst>
+                <a:ext uri="{FF2B5EF4-FFF2-40B4-BE49-F238E27FC236}">
+                  <a16:creationId xmlns:a16="http://schemas.microsoft.com/office/drawing/2014/main" id="{F45EFFDF-C423-A404-DB9D-8BD689E14507}"/>
+                </a:ext>
+              </a:extLst>
+            </p:cNvPr>
+            <p:cNvPicPr>
+              <a:picLocks noChangeAspect="1"/>
+            </p:cNvPicPr>
+            <p:nvPr/>
+          </p:nvPicPr>
+          <p:blipFill>
+            <a:blip r:embed="rId5" cstate="print">
+              <a:extLst>
+                <a:ext uri="{28A0092B-C50C-407E-A947-70E740481C1C}">
+                  <a14:useLocalDpi xmlns:a14="http://schemas.microsoft.com/office/drawing/2010/main" val="0"/>
+                </a:ext>
+                <a:ext uri="{96DAC541-7B7A-43D3-8B79-37D633B846F1}">
+                  <asvg:svgBlip xmlns:asvg="http://schemas.microsoft.com/office/drawing/2016/SVG/main" r:embed="rId6"/>
+                </a:ext>
+              </a:extLst>
+            </a:blip>
+            <a:stretch>
+              <a:fillRect/>
+            </a:stretch>
+          </p:blipFill>
+          <p:spPr>
+            <a:xfrm>
+              <a:off x="7705530" y="5121378"/>
+              <a:ext cx="166781" cy="166781"/>
+            </a:xfrm>
+            <a:prstGeom prst="rect">
+              <a:avLst/>
+            </a:prstGeom>
+          </p:spPr>
+        </p:pic>
+        <p:sp>
+          <p:nvSpPr>
+            <p:cNvPr id="12" name="CaixaDeTexto 11">
+              <a:extLst>
+                <a:ext uri="{FF2B5EF4-FFF2-40B4-BE49-F238E27FC236}">
+                  <a16:creationId xmlns:a16="http://schemas.microsoft.com/office/drawing/2014/main" id="{B74C318D-EEF6-0A99-2204-1C4357F4148B}"/>
+                </a:ext>
+              </a:extLst>
+            </p:cNvPr>
+            <p:cNvSpPr txBox="1"/>
+            <p:nvPr/>
+          </p:nvSpPr>
+          <p:spPr>
+            <a:xfrm>
+              <a:off x="8641450" y="4613523"/>
+              <a:ext cx="2608189" cy="1200329"/>
+            </a:xfrm>
+            <a:prstGeom prst="rect">
+              <a:avLst/>
+            </a:prstGeom>
+            <a:noFill/>
+          </p:spPr>
+          <p:txBody>
+            <a:bodyPr wrap="square" rtlCol="0">
+              <a:spAutoFit/>
+            </a:bodyPr>
+            <a:lstStyle/>
+            <a:p>
+              <a:pPr algn="ctr"/>
+              <a:r>
+                <a:rPr lang="pt-BR" dirty="0"/>
+                <a:t>A </a:t>
+              </a:r>
+              <a:r>
+                <a:rPr lang="pt-BR" b="1" dirty="0"/>
+                <a:t>classe</a:t>
+              </a:r>
+              <a:r>
+                <a:rPr lang="pt-BR" dirty="0"/>
+                <a:t> </a:t>
+              </a:r>
+              <a:r>
+                <a:rPr lang="pt-BR" dirty="0">
+                  <a:solidFill>
+                    <a:schemeClr val="accent3">
+                      <a:lumMod val="75000"/>
+                    </a:schemeClr>
+                  </a:solidFill>
+                </a:rPr>
+                <a:t>representa um modelo</a:t>
+              </a:r>
+              <a:r>
+                <a:rPr lang="pt-BR" dirty="0"/>
+                <a:t> para a criação de um objeto. Ela não  guarda valores.</a:t>
+              </a:r>
+            </a:p>
+          </p:txBody>
+        </p:sp>
+        <p:sp>
+          <p:nvSpPr>
+            <p:cNvPr id="6" name="CaixaDeTexto 5">
+              <a:extLst>
+                <a:ext uri="{FF2B5EF4-FFF2-40B4-BE49-F238E27FC236}">
+                  <a16:creationId xmlns:a16="http://schemas.microsoft.com/office/drawing/2014/main" id="{C794E730-1891-CA8B-D27D-A1756A87728C}"/>
+                </a:ext>
+              </a:extLst>
+            </p:cNvPr>
+            <p:cNvSpPr txBox="1"/>
+            <p:nvPr/>
+          </p:nvSpPr>
+          <p:spPr>
+            <a:xfrm>
+              <a:off x="2203086" y="6400528"/>
+              <a:ext cx="8954054" cy="307777"/>
+            </a:xfrm>
+            <a:prstGeom prst="rect">
+              <a:avLst/>
+            </a:prstGeom>
+            <a:noFill/>
+          </p:spPr>
+          <p:txBody>
+            <a:bodyPr wrap="none" rtlCol="0">
+              <a:spAutoFit/>
+            </a:bodyPr>
+            <a:lstStyle/>
+            <a:p>
+              <a:r>
+                <a:rPr lang="pt-BR" sz="1400" baseline="30000" dirty="0">
+                  <a:solidFill>
+                    <a:schemeClr val="accent6">
+                      <a:lumMod val="60000"/>
+                      <a:lumOff val="40000"/>
+                    </a:schemeClr>
+                  </a:solidFill>
+                </a:rPr>
+                <a:t>†</a:t>
+              </a:r>
+              <a:r>
+                <a:rPr lang="pt-BR" sz="1400" dirty="0">
+                  <a:solidFill>
+                    <a:schemeClr val="accent6">
+                      <a:lumMod val="60000"/>
+                      <a:lumOff val="40000"/>
+                    </a:schemeClr>
+                  </a:solidFill>
+                </a:rPr>
+                <a:t> C++11 permite a criação de constantes em classes mas não para fornecer valor para a declaração de outros membros</a:t>
+              </a:r>
+            </a:p>
+          </p:txBody>
+        </p:sp>
+      </p:grpSp>
     </p:spTree>
     <p:extLst>
       <p:ext uri="{BB962C8B-B14F-4D97-AF65-F5344CB8AC3E}">
@@ -26036,426 +26078,12 @@
           </a:p>
         </p:txBody>
       </p:sp>
-      <p:sp>
-        <p:nvSpPr>
-          <p:cNvPr id="4" name="CaixaDeTexto 3">
+      <p:grpSp>
+        <p:nvGrpSpPr>
+          <p:cNvPr id="11" name="Agrupar 10">
             <a:extLst>
               <a:ext uri="{FF2B5EF4-FFF2-40B4-BE49-F238E27FC236}">
-                <a16:creationId xmlns:a16="http://schemas.microsoft.com/office/drawing/2014/main" id="{BD3CBBDD-E598-8F37-4FAA-2A4B922A0C45}"/>
-              </a:ext>
-            </a:extLst>
-          </p:cNvPr>
-          <p:cNvSpPr txBox="1"/>
-          <p:nvPr/>
-        </p:nvSpPr>
-        <p:spPr>
-          <a:xfrm>
-            <a:off x="2055890" y="4136907"/>
-            <a:ext cx="2413519" cy="1600438"/>
-          </a:xfrm>
-          <a:prstGeom prst="rect">
-            <a:avLst/>
-          </a:prstGeom>
-          <a:noFill/>
-        </p:spPr>
-        <p:txBody>
-          <a:bodyPr wrap="square">
-            <a:spAutoFit/>
-          </a:bodyPr>
-          <a:lstStyle/>
-          <a:p>
-            <a:r>
-              <a:rPr lang="pt-BR" sz="1400" dirty="0">
-                <a:solidFill>
-                  <a:schemeClr val="accent3">
-                    <a:lumMod val="75000"/>
-                  </a:schemeClr>
-                </a:solidFill>
-                <a:latin typeface="Consolas" panose="020B0609020204030204" pitchFamily="49" charset="0"/>
-                <a:cs typeface="Consolas" panose="020B0609020204030204" pitchFamily="49" charset="0"/>
-              </a:rPr>
-              <a:t>class </a:t>
-            </a:r>
-            <a:r>
-              <a:rPr lang="pt-BR" sz="1400" dirty="0">
-                <a:solidFill>
-                  <a:schemeClr val="accent3"/>
-                </a:solidFill>
-                <a:latin typeface="Consolas" panose="020B0609020204030204" pitchFamily="49" charset="0"/>
-                <a:cs typeface="Consolas" panose="020B0609020204030204" pitchFamily="49" charset="0"/>
-              </a:rPr>
-              <a:t>Pilha</a:t>
-            </a:r>
-          </a:p>
-          <a:p>
-            <a:r>
-              <a:rPr lang="pt-BR" sz="1400" dirty="0">
-                <a:latin typeface="Consolas" panose="020B0609020204030204" pitchFamily="49" charset="0"/>
-                <a:cs typeface="Consolas" panose="020B0609020204030204" pitchFamily="49" charset="0"/>
-              </a:rPr>
-              <a:t>{</a:t>
-            </a:r>
-            <a:br>
-              <a:rPr lang="pt-BR" sz="1400" dirty="0">
-                <a:latin typeface="Consolas" panose="020B0609020204030204" pitchFamily="49" charset="0"/>
-                <a:cs typeface="Consolas" panose="020B0609020204030204" pitchFamily="49" charset="0"/>
-              </a:rPr>
-            </a:br>
-            <a:r>
-              <a:rPr lang="pt-BR" sz="1400" dirty="0" err="1">
-                <a:solidFill>
-                  <a:schemeClr val="accent3">
-                    <a:lumMod val="75000"/>
-                  </a:schemeClr>
-                </a:solidFill>
-                <a:latin typeface="Consolas" panose="020B0609020204030204" pitchFamily="49" charset="0"/>
-                <a:cs typeface="Consolas" panose="020B0609020204030204" pitchFamily="49" charset="0"/>
-              </a:rPr>
-              <a:t>public</a:t>
-            </a:r>
-            <a:r>
-              <a:rPr lang="pt-BR" sz="1400" dirty="0">
-                <a:latin typeface="Consolas" panose="020B0609020204030204" pitchFamily="49" charset="0"/>
-                <a:cs typeface="Consolas" panose="020B0609020204030204" pitchFamily="49" charset="0"/>
-              </a:rPr>
-              <a:t>:</a:t>
-            </a:r>
-          </a:p>
-          <a:p>
-            <a:r>
-              <a:rPr lang="pt-BR" sz="1400" dirty="0">
-                <a:latin typeface="Consolas" panose="020B0609020204030204" pitchFamily="49" charset="0"/>
-                <a:cs typeface="Consolas" panose="020B0609020204030204" pitchFamily="49" charset="0"/>
-              </a:rPr>
-              <a:t>   </a:t>
-            </a:r>
-            <a:r>
-              <a:rPr lang="pt-BR" sz="1400" dirty="0" err="1">
-                <a:solidFill>
-                  <a:schemeClr val="accent3">
-                    <a:lumMod val="75000"/>
-                  </a:schemeClr>
-                </a:solidFill>
-                <a:latin typeface="Consolas" panose="020B0609020204030204" pitchFamily="49" charset="0"/>
-                <a:cs typeface="Consolas" panose="020B0609020204030204" pitchFamily="49" charset="0"/>
-              </a:rPr>
-              <a:t>enum</a:t>
-            </a:r>
-            <a:r>
-              <a:rPr lang="pt-BR" sz="1400" dirty="0">
-                <a:latin typeface="Consolas" panose="020B0609020204030204" pitchFamily="49" charset="0"/>
-                <a:cs typeface="Consolas" panose="020B0609020204030204" pitchFamily="49" charset="0"/>
-              </a:rPr>
-              <a:t> { </a:t>
-            </a:r>
-            <a:r>
-              <a:rPr lang="pt-BR" sz="1400" dirty="0">
-                <a:solidFill>
-                  <a:schemeClr val="accent3">
-                    <a:lumMod val="60000"/>
-                    <a:lumOff val="40000"/>
-                  </a:schemeClr>
-                </a:solidFill>
-                <a:latin typeface="Consolas" panose="020B0609020204030204" pitchFamily="49" charset="0"/>
-                <a:cs typeface="Consolas" panose="020B0609020204030204" pitchFamily="49" charset="0"/>
-              </a:rPr>
-              <a:t>MAX</a:t>
-            </a:r>
-            <a:r>
-              <a:rPr lang="pt-BR" sz="1400" dirty="0">
-                <a:latin typeface="Consolas" panose="020B0609020204030204" pitchFamily="49" charset="0"/>
-                <a:cs typeface="Consolas" panose="020B0609020204030204" pitchFamily="49" charset="0"/>
-              </a:rPr>
-              <a:t> = </a:t>
-            </a:r>
-            <a:r>
-              <a:rPr lang="pt-BR" sz="1400" dirty="0">
-                <a:solidFill>
-                  <a:schemeClr val="accent3">
-                    <a:lumMod val="60000"/>
-                    <a:lumOff val="40000"/>
-                  </a:schemeClr>
-                </a:solidFill>
-                <a:latin typeface="Consolas" panose="020B0609020204030204" pitchFamily="49" charset="0"/>
-                <a:cs typeface="Consolas" panose="020B0609020204030204" pitchFamily="49" charset="0"/>
-              </a:rPr>
-              <a:t>10 </a:t>
-            </a:r>
-            <a:r>
-              <a:rPr lang="pt-BR" sz="1400" dirty="0">
-                <a:latin typeface="Consolas" panose="020B0609020204030204" pitchFamily="49" charset="0"/>
-                <a:cs typeface="Consolas" panose="020B0609020204030204" pitchFamily="49" charset="0"/>
-              </a:rPr>
-              <a:t>};   </a:t>
-            </a:r>
-          </a:p>
-          <a:p>
-            <a:r>
-              <a:rPr lang="pt-BR" sz="1400" dirty="0">
-                <a:solidFill>
-                  <a:schemeClr val="accent3"/>
-                </a:solidFill>
-                <a:latin typeface="Consolas" panose="020B0609020204030204" pitchFamily="49" charset="0"/>
-                <a:cs typeface="Consolas" panose="020B0609020204030204" pitchFamily="49" charset="0"/>
-              </a:rPr>
-              <a:t>   Item</a:t>
-            </a:r>
-            <a:r>
-              <a:rPr lang="pt-BR" sz="1400" dirty="0">
-                <a:latin typeface="Consolas" panose="020B0609020204030204" pitchFamily="49" charset="0"/>
-                <a:cs typeface="Consolas" panose="020B0609020204030204" pitchFamily="49" charset="0"/>
-              </a:rPr>
-              <a:t> itens[</a:t>
-            </a:r>
-            <a:r>
-              <a:rPr lang="pt-BR" sz="1400" dirty="0">
-                <a:solidFill>
-                  <a:schemeClr val="accent3">
-                    <a:lumMod val="60000"/>
-                    <a:lumOff val="40000"/>
-                  </a:schemeClr>
-                </a:solidFill>
-                <a:latin typeface="Consolas" panose="020B0609020204030204" pitchFamily="49" charset="0"/>
-                <a:cs typeface="Consolas" panose="020B0609020204030204" pitchFamily="49" charset="0"/>
-              </a:rPr>
-              <a:t>MAX</a:t>
-            </a:r>
-            <a:r>
-              <a:rPr lang="pt-BR" sz="1400" dirty="0">
-                <a:latin typeface="Consolas" panose="020B0609020204030204" pitchFamily="49" charset="0"/>
-                <a:cs typeface="Consolas" panose="020B0609020204030204" pitchFamily="49" charset="0"/>
-              </a:rPr>
-              <a:t>];   </a:t>
-            </a:r>
-            <a:endParaRPr lang="pt-BR" sz="1400" dirty="0">
-              <a:solidFill>
-                <a:schemeClr val="bg1">
-                  <a:lumMod val="50000"/>
-                  <a:lumOff val="50000"/>
-                </a:schemeClr>
-              </a:solidFill>
-              <a:latin typeface="Consolas" panose="020B0609020204030204" pitchFamily="49" charset="0"/>
-              <a:cs typeface="Consolas" panose="020B0609020204030204" pitchFamily="49" charset="0"/>
-            </a:endParaRPr>
-          </a:p>
-          <a:p>
-            <a:r>
-              <a:rPr lang="pt-BR" sz="1400" dirty="0">
-                <a:latin typeface="Consolas" panose="020B0609020204030204" pitchFamily="49" charset="0"/>
-                <a:cs typeface="Consolas" panose="020B0609020204030204" pitchFamily="49" charset="0"/>
-              </a:rPr>
-              <a:t>   </a:t>
-            </a:r>
-            <a:r>
-              <a:rPr lang="pt-BR" sz="1400" dirty="0">
-                <a:solidFill>
-                  <a:schemeClr val="accent6">
-                    <a:lumMod val="60000"/>
-                    <a:lumOff val="40000"/>
-                  </a:schemeClr>
-                </a:solidFill>
-                <a:latin typeface="Consolas" panose="020B0609020204030204" pitchFamily="49" charset="0"/>
-                <a:cs typeface="Consolas" panose="020B0609020204030204" pitchFamily="49" charset="0"/>
-              </a:rPr>
-              <a:t>...</a:t>
-            </a:r>
-            <a:br>
-              <a:rPr lang="pt-BR" sz="1400" dirty="0">
-                <a:latin typeface="Consolas" panose="020B0609020204030204" pitchFamily="49" charset="0"/>
-                <a:cs typeface="Consolas" panose="020B0609020204030204" pitchFamily="49" charset="0"/>
-              </a:rPr>
-            </a:br>
-            <a:r>
-              <a:rPr lang="pt-BR" sz="1400" dirty="0">
-                <a:latin typeface="Consolas" panose="020B0609020204030204" pitchFamily="49" charset="0"/>
-                <a:cs typeface="Consolas" panose="020B0609020204030204" pitchFamily="49" charset="0"/>
-              </a:rPr>
-              <a:t>};</a:t>
-            </a:r>
-            <a:endParaRPr lang="pt-BR" sz="1400" dirty="0">
-              <a:solidFill>
-                <a:schemeClr val="bg1">
-                  <a:lumMod val="75000"/>
-                  <a:lumOff val="25000"/>
-                </a:schemeClr>
-              </a:solidFill>
-              <a:latin typeface="Consolas" panose="020B0609020204030204" pitchFamily="49" charset="0"/>
-              <a:cs typeface="Consolas" panose="020B0609020204030204" pitchFamily="49" charset="0"/>
-            </a:endParaRPr>
-          </a:p>
-        </p:txBody>
-      </p:sp>
-      <p:cxnSp>
-        <p:nvCxnSpPr>
-          <p:cNvPr id="7" name="Conector reto 6">
-            <a:extLst>
-              <a:ext uri="{FF2B5EF4-FFF2-40B4-BE49-F238E27FC236}">
-                <a16:creationId xmlns:a16="http://schemas.microsoft.com/office/drawing/2014/main" id="{2D710746-F66E-4080-7687-9CAE0174C54D}"/>
-              </a:ext>
-            </a:extLst>
-          </p:cNvPr>
-          <p:cNvCxnSpPr>
-            <a:cxnSpLocks/>
-          </p:cNvCxnSpPr>
-          <p:nvPr/>
-        </p:nvCxnSpPr>
-        <p:spPr>
-          <a:xfrm>
-            <a:off x="4898553" y="4136907"/>
-            <a:ext cx="0" cy="1679559"/>
-          </a:xfrm>
-          <a:prstGeom prst="line">
-            <a:avLst/>
-          </a:prstGeom>
-          <a:ln w="12700">
-            <a:prstDash val="dash"/>
-          </a:ln>
-        </p:spPr>
-        <p:style>
-          <a:lnRef idx="1">
-            <a:schemeClr val="accent6"/>
-          </a:lnRef>
-          <a:fillRef idx="0">
-            <a:schemeClr val="accent6"/>
-          </a:fillRef>
-          <a:effectRef idx="0">
-            <a:schemeClr val="accent6"/>
-          </a:effectRef>
-          <a:fontRef idx="minor">
-            <a:schemeClr val="tx1"/>
-          </a:fontRef>
-        </p:style>
-      </p:cxnSp>
-      <p:cxnSp>
-        <p:nvCxnSpPr>
-          <p:cNvPr id="9" name="Conector reto 8">
-            <a:extLst>
-              <a:ext uri="{FF2B5EF4-FFF2-40B4-BE49-F238E27FC236}">
-                <a16:creationId xmlns:a16="http://schemas.microsoft.com/office/drawing/2014/main" id="{E98B4E3B-301C-00D9-7EA4-ECD5E71210F2}"/>
-              </a:ext>
-            </a:extLst>
-          </p:cNvPr>
-          <p:cNvCxnSpPr>
-            <a:cxnSpLocks/>
-          </p:cNvCxnSpPr>
-          <p:nvPr/>
-        </p:nvCxnSpPr>
-        <p:spPr>
-          <a:xfrm>
-            <a:off x="8414158" y="4136907"/>
-            <a:ext cx="0" cy="1679559"/>
-          </a:xfrm>
-          <a:prstGeom prst="line">
-            <a:avLst/>
-          </a:prstGeom>
-          <a:ln w="12700">
-            <a:prstDash val="dash"/>
-          </a:ln>
-        </p:spPr>
-        <p:style>
-          <a:lnRef idx="1">
-            <a:schemeClr val="accent6"/>
-          </a:lnRef>
-          <a:fillRef idx="0">
-            <a:schemeClr val="accent6"/>
-          </a:fillRef>
-          <a:effectRef idx="0">
-            <a:schemeClr val="accent6"/>
-          </a:effectRef>
-          <a:fontRef idx="minor">
-            <a:schemeClr val="tx1"/>
-          </a:fontRef>
-        </p:style>
-      </p:cxnSp>
-      <p:pic>
-        <p:nvPicPr>
-          <p:cNvPr id="10" name="Gráfico 9" descr="Marca de seleção com preenchimento sólido">
-            <a:extLst>
-              <a:ext uri="{FF2B5EF4-FFF2-40B4-BE49-F238E27FC236}">
-                <a16:creationId xmlns:a16="http://schemas.microsoft.com/office/drawing/2014/main" id="{2516688E-5248-2631-B8BC-55AFBEA1D613}"/>
-              </a:ext>
-            </a:extLst>
-          </p:cNvPr>
-          <p:cNvPicPr>
-            <a:picLocks noChangeAspect="1"/>
-          </p:cNvPicPr>
-          <p:nvPr/>
-        </p:nvPicPr>
-        <p:blipFill>
-          <a:blip r:embed="rId3" cstate="print">
-            <a:extLst>
-              <a:ext uri="{28A0092B-C50C-407E-A947-70E740481C1C}">
-                <a14:useLocalDpi xmlns:a14="http://schemas.microsoft.com/office/drawing/2010/main" val="0"/>
-              </a:ext>
-              <a:ext uri="{96DAC541-7B7A-43D3-8B79-37D633B846F1}">
-                <asvg:svgBlip xmlns:asvg="http://schemas.microsoft.com/office/drawing/2016/SVG/main" r:embed="rId4"/>
-              </a:ext>
-            </a:extLst>
-          </a:blip>
-          <a:stretch>
-            <a:fillRect/>
-          </a:stretch>
-        </p:blipFill>
-        <p:spPr>
-          <a:xfrm>
-            <a:off x="4325252" y="4864697"/>
-            <a:ext cx="166781" cy="166781"/>
-          </a:xfrm>
-          <a:prstGeom prst="rect">
-            <a:avLst/>
-          </a:prstGeom>
-        </p:spPr>
-      </p:pic>
-      <p:sp>
-        <p:nvSpPr>
-          <p:cNvPr id="12" name="CaixaDeTexto 11">
-            <a:extLst>
-              <a:ext uri="{FF2B5EF4-FFF2-40B4-BE49-F238E27FC236}">
-                <a16:creationId xmlns:a16="http://schemas.microsoft.com/office/drawing/2014/main" id="{B74C318D-EEF6-0A99-2204-1C4357F4148B}"/>
-              </a:ext>
-            </a:extLst>
-          </p:cNvPr>
-          <p:cNvSpPr txBox="1"/>
-          <p:nvPr/>
-        </p:nvSpPr>
-        <p:spPr>
-          <a:xfrm>
-            <a:off x="8712504" y="4431631"/>
-            <a:ext cx="2322739" cy="923330"/>
-          </a:xfrm>
-          <a:prstGeom prst="rect">
-            <a:avLst/>
-          </a:prstGeom>
-          <a:noFill/>
-        </p:spPr>
-        <p:txBody>
-          <a:bodyPr wrap="square" rtlCol="0">
-            <a:spAutoFit/>
-          </a:bodyPr>
-          <a:lstStyle/>
-          <a:p>
-            <a:pPr algn="ctr"/>
-            <a:r>
-              <a:rPr lang="pt-BR" dirty="0">
-                <a:solidFill>
-                  <a:schemeClr val="accent3"/>
-                </a:solidFill>
-              </a:rPr>
-              <a:t>MAX</a:t>
-            </a:r>
-            <a:r>
-              <a:rPr lang="pt-BR" dirty="0"/>
-              <a:t> existe mesmo sem a criação de objetos.</a:t>
-            </a:r>
-          </a:p>
-        </p:txBody>
-      </p:sp>
-      <p:grpSp>
-        <p:nvGrpSpPr>
-          <p:cNvPr id="13" name="Agrupar 12">
-            <a:extLst>
-              <a:ext uri="{FF2B5EF4-FFF2-40B4-BE49-F238E27FC236}">
-                <a16:creationId xmlns:a16="http://schemas.microsoft.com/office/drawing/2014/main" id="{E7F696DA-C7BC-2D49-5909-99B28DB1FD0F}"/>
+                <a16:creationId xmlns:a16="http://schemas.microsoft.com/office/drawing/2014/main" id="{B5C8119C-747A-CBBC-FC18-63309A68CE9A}"/>
               </a:ext>
             </a:extLst>
           </p:cNvPr>
@@ -26464,18 +26092,18 @@
         </p:nvGrpSpPr>
         <p:grpSpPr>
           <a:xfrm>
-            <a:off x="5299269" y="4308522"/>
-            <a:ext cx="2579609" cy="1169551"/>
-            <a:chOff x="5096659" y="3628421"/>
-            <a:chExt cx="2579609" cy="1169551"/>
+            <a:off x="2055890" y="4136907"/>
+            <a:ext cx="8979353" cy="1679559"/>
+            <a:chOff x="2055890" y="4136907"/>
+            <a:chExt cx="8979353" cy="1679559"/>
           </a:xfrm>
         </p:grpSpPr>
         <p:sp>
           <p:nvSpPr>
-            <p:cNvPr id="5" name="CaixaDeTexto 4">
+            <p:cNvPr id="4" name="CaixaDeTexto 3">
               <a:extLst>
                 <a:ext uri="{FF2B5EF4-FFF2-40B4-BE49-F238E27FC236}">
-                  <a16:creationId xmlns:a16="http://schemas.microsoft.com/office/drawing/2014/main" id="{754C2ACA-DDDA-EE6A-22B5-E4EF967D9832}"/>
+                  <a16:creationId xmlns:a16="http://schemas.microsoft.com/office/drawing/2014/main" id="{BD3CBBDD-E598-8F37-4FAA-2A4B922A0C45}"/>
                 </a:ext>
               </a:extLst>
             </p:cNvPr>
@@ -26484,8 +26112,8 @@
           </p:nvSpPr>
           <p:spPr>
             <a:xfrm>
-              <a:off x="5096659" y="3628421"/>
-              <a:ext cx="2385061" cy="1169551"/>
+              <a:off x="2055890" y="4136907"/>
+              <a:ext cx="2413519" cy="1600438"/>
             </a:xfrm>
             <a:prstGeom prst="rect">
               <a:avLst/>
@@ -26499,6 +26127,43 @@
             <a:lstStyle/>
             <a:p>
               <a:r>
+                <a:rPr lang="pt-BR" sz="1400" dirty="0">
+                  <a:solidFill>
+                    <a:schemeClr val="accent3">
+                      <a:lumMod val="75000"/>
+                    </a:schemeClr>
+                  </a:solidFill>
+                  <a:latin typeface="Consolas" panose="020B0609020204030204" pitchFamily="49" charset="0"/>
+                  <a:cs typeface="Consolas" panose="020B0609020204030204" pitchFamily="49" charset="0"/>
+                </a:rPr>
+                <a:t>class </a:t>
+              </a:r>
+              <a:r>
+                <a:rPr lang="pt-BR" sz="1400" dirty="0">
+                  <a:solidFill>
+                    <a:schemeClr val="accent3"/>
+                  </a:solidFill>
+                  <a:latin typeface="Consolas" panose="020B0609020204030204" pitchFamily="49" charset="0"/>
+                  <a:cs typeface="Consolas" panose="020B0609020204030204" pitchFamily="49" charset="0"/>
+                </a:rPr>
+                <a:t>Pilha</a:t>
+              </a:r>
+            </a:p>
+            <a:p>
+              <a:r>
+                <a:rPr lang="pt-BR" sz="1400" dirty="0">
+                  <a:latin typeface="Consolas" panose="020B0609020204030204" pitchFamily="49" charset="0"/>
+                  <a:cs typeface="Consolas" panose="020B0609020204030204" pitchFamily="49" charset="0"/>
+                </a:rPr>
+                <a:t>{</a:t>
+              </a:r>
+              <a:br>
+                <a:rPr lang="pt-BR" sz="1400" dirty="0">
+                  <a:latin typeface="Consolas" panose="020B0609020204030204" pitchFamily="49" charset="0"/>
+                  <a:cs typeface="Consolas" panose="020B0609020204030204" pitchFamily="49" charset="0"/>
+                </a:rPr>
+              </a:br>
+              <a:r>
                 <a:rPr lang="pt-BR" sz="1400" dirty="0" err="1">
                   <a:solidFill>
                     <a:schemeClr val="accent3">
@@ -26508,56 +26173,17 @@
                   <a:latin typeface="Consolas" panose="020B0609020204030204" pitchFamily="49" charset="0"/>
                   <a:cs typeface="Consolas" panose="020B0609020204030204" pitchFamily="49" charset="0"/>
                 </a:rPr>
-                <a:t>int</a:t>
-              </a:r>
-              <a:r>
-                <a:rPr lang="pt-BR" sz="1400" dirty="0">
-                  <a:solidFill>
-                    <a:schemeClr val="accent3">
-                      <a:lumMod val="75000"/>
-                    </a:schemeClr>
-                  </a:solidFill>
-                  <a:latin typeface="Consolas" panose="020B0609020204030204" pitchFamily="49" charset="0"/>
-                  <a:cs typeface="Consolas" panose="020B0609020204030204" pitchFamily="49" charset="0"/>
-                </a:rPr>
-                <a:t> </a:t>
-              </a:r>
-              <a:r>
-                <a:rPr lang="pt-BR" sz="1400" dirty="0" err="1">
-                  <a:latin typeface="Consolas" panose="020B0609020204030204" pitchFamily="49" charset="0"/>
-                  <a:cs typeface="Consolas" panose="020B0609020204030204" pitchFamily="49" charset="0"/>
-                </a:rPr>
-                <a:t>main</a:t>
+                <a:t>public</a:t>
               </a:r>
               <a:r>
                 <a:rPr lang="pt-BR" sz="1400" dirty="0">
                   <a:latin typeface="Consolas" panose="020B0609020204030204" pitchFamily="49" charset="0"/>
                   <a:cs typeface="Consolas" panose="020B0609020204030204" pitchFamily="49" charset="0"/>
                 </a:rPr>
-                <a:t>()</a:t>
-              </a:r>
-              <a:endParaRPr lang="pt-BR" sz="1400" dirty="0">
-                <a:solidFill>
-                  <a:schemeClr val="accent3"/>
-                </a:solidFill>
-                <a:latin typeface="Consolas" panose="020B0609020204030204" pitchFamily="49" charset="0"/>
-                <a:cs typeface="Consolas" panose="020B0609020204030204" pitchFamily="49" charset="0"/>
-              </a:endParaRPr>
+                <a:t>:</a:t>
+              </a:r>
             </a:p>
             <a:p>
-              <a:r>
-                <a:rPr lang="pt-BR" sz="1400" dirty="0">
-                  <a:latin typeface="Consolas" panose="020B0609020204030204" pitchFamily="49" charset="0"/>
-                  <a:cs typeface="Consolas" panose="020B0609020204030204" pitchFamily="49" charset="0"/>
-                </a:rPr>
-                <a:t>{</a:t>
-              </a:r>
-              <a:br>
-                <a:rPr lang="pt-BR" sz="1400" dirty="0">
-                  <a:latin typeface="Consolas" panose="020B0609020204030204" pitchFamily="49" charset="0"/>
-                  <a:cs typeface="Consolas" panose="020B0609020204030204" pitchFamily="49" charset="0"/>
-                </a:rPr>
-              </a:br>
               <a:r>
                 <a:rPr lang="pt-BR" sz="1400" dirty="0">
                   <a:latin typeface="Consolas" panose="020B0609020204030204" pitchFamily="49" charset="0"/>
@@ -26575,15 +26201,57 @@
                   <a:latin typeface="Consolas" panose="020B0609020204030204" pitchFamily="49" charset="0"/>
                   <a:cs typeface="Consolas" panose="020B0609020204030204" pitchFamily="49" charset="0"/>
                 </a:rPr>
-                <a:t>int</a:t>
+                <a:t>enum</a:t>
               </a:r>
               <a:r>
                 <a:rPr lang="pt-BR" sz="1400" dirty="0">
                   <a:latin typeface="Consolas" panose="020B0609020204030204" pitchFamily="49" charset="0"/>
                   <a:cs typeface="Consolas" panose="020B0609020204030204" pitchFamily="49" charset="0"/>
                 </a:rPr>
-                <a:t> a = </a:t>
-              </a:r>
+                <a:t> { </a:t>
+              </a:r>
+              <a:r>
+                <a:rPr lang="pt-BR" sz="1400" dirty="0">
+                  <a:solidFill>
+                    <a:schemeClr val="accent3">
+                      <a:lumMod val="60000"/>
+                      <a:lumOff val="40000"/>
+                    </a:schemeClr>
+                  </a:solidFill>
+                  <a:latin typeface="Consolas" panose="020B0609020204030204" pitchFamily="49" charset="0"/>
+                  <a:cs typeface="Consolas" panose="020B0609020204030204" pitchFamily="49" charset="0"/>
+                </a:rPr>
+                <a:t>MAX</a:t>
+              </a:r>
+              <a:r>
+                <a:rPr lang="pt-BR" sz="1400" dirty="0">
+                  <a:latin typeface="Consolas" panose="020B0609020204030204" pitchFamily="49" charset="0"/>
+                  <a:cs typeface="Consolas" panose="020B0609020204030204" pitchFamily="49" charset="0"/>
+                </a:rPr>
+                <a:t> = </a:t>
+              </a:r>
+              <a:r>
+                <a:rPr lang="pt-BR" sz="1400" dirty="0">
+                  <a:solidFill>
+                    <a:schemeClr val="accent3">
+                      <a:lumMod val="60000"/>
+                      <a:lumOff val="40000"/>
+                    </a:schemeClr>
+                  </a:solidFill>
+                  <a:latin typeface="Consolas" panose="020B0609020204030204" pitchFamily="49" charset="0"/>
+                  <a:cs typeface="Consolas" panose="020B0609020204030204" pitchFamily="49" charset="0"/>
+                </a:rPr>
+                <a:t>10 </a:t>
+              </a:r>
+              <a:r>
+                <a:rPr lang="pt-BR" sz="1400" dirty="0">
+                  <a:latin typeface="Consolas" panose="020B0609020204030204" pitchFamily="49" charset="0"/>
+                  <a:cs typeface="Consolas" panose="020B0609020204030204" pitchFamily="49" charset="0"/>
+                </a:rPr>
+                <a:t>};   </a:t>
+              </a:r>
+            </a:p>
+            <a:p>
               <a:r>
                 <a:rPr lang="pt-BR" sz="1400" dirty="0">
                   <a:solidFill>
@@ -26592,95 +26260,181 @@
                   <a:latin typeface="Consolas" panose="020B0609020204030204" pitchFamily="49" charset="0"/>
                   <a:cs typeface="Consolas" panose="020B0609020204030204" pitchFamily="49" charset="0"/>
                 </a:rPr>
-                <a:t>Pilha</a:t>
+                <a:t>   Item</a:t>
               </a:r>
               <a:r>
                 <a:rPr lang="pt-BR" sz="1400" dirty="0">
                   <a:latin typeface="Consolas" panose="020B0609020204030204" pitchFamily="49" charset="0"/>
                   <a:cs typeface="Consolas" panose="020B0609020204030204" pitchFamily="49" charset="0"/>
                 </a:rPr>
-                <a:t>::</a:t>
+                <a:t> itens[</a:t>
               </a:r>
               <a:r>
                 <a:rPr lang="pt-BR" sz="1400" dirty="0">
                   <a:solidFill>
-                    <a:schemeClr val="accent3"/>
-                  </a:solidFill>
-                  <a:latin typeface="Consolas" panose="020B0609020204030204" pitchFamily="49" charset="0"/>
-                  <a:cs typeface="Consolas" panose="020B0609020204030204" pitchFamily="49" charset="0"/>
-                </a:rPr>
-                <a:t>MAX</a:t>
-              </a:r>
-              <a:r>
-                <a:rPr lang="pt-BR" sz="1400" dirty="0">
-                  <a:latin typeface="Consolas" panose="020B0609020204030204" pitchFamily="49" charset="0"/>
-                  <a:cs typeface="Consolas" panose="020B0609020204030204" pitchFamily="49" charset="0"/>
-                </a:rPr>
-                <a:t>;</a:t>
-              </a:r>
-            </a:p>
-            <a:p>
-              <a:r>
-                <a:rPr lang="pt-BR" sz="1400" dirty="0">
-                  <a:latin typeface="Consolas" panose="020B0609020204030204" pitchFamily="49" charset="0"/>
-                  <a:cs typeface="Consolas" panose="020B0609020204030204" pitchFamily="49" charset="0"/>
-                </a:rPr>
-                <a:t>   </a:t>
-              </a:r>
-              <a:r>
-                <a:rPr lang="pt-BR" sz="1400" dirty="0" err="1">
-                  <a:solidFill>
                     <a:schemeClr val="accent3">
-                      <a:lumMod val="75000"/>
+                      <a:lumMod val="60000"/>
+                      <a:lumOff val="40000"/>
                     </a:schemeClr>
                   </a:solidFill>
                   <a:latin typeface="Consolas" panose="020B0609020204030204" pitchFamily="49" charset="0"/>
                   <a:cs typeface="Consolas" panose="020B0609020204030204" pitchFamily="49" charset="0"/>
                 </a:rPr>
-                <a:t>int</a:t>
+                <a:t>MAX</a:t>
               </a:r>
               <a:r>
                 <a:rPr lang="pt-BR" sz="1400" dirty="0">
                   <a:latin typeface="Consolas" panose="020B0609020204030204" pitchFamily="49" charset="0"/>
                   <a:cs typeface="Consolas" panose="020B0609020204030204" pitchFamily="49" charset="0"/>
                 </a:rPr>
-                <a:t> b = </a:t>
+                <a:t>];   </a:t>
+              </a:r>
+              <a:endParaRPr lang="pt-BR" sz="1400" dirty="0">
+                <a:solidFill>
+                  <a:schemeClr val="bg1">
+                    <a:lumMod val="50000"/>
+                    <a:lumOff val="50000"/>
+                  </a:schemeClr>
+                </a:solidFill>
+                <a:latin typeface="Consolas" panose="020B0609020204030204" pitchFamily="49" charset="0"/>
+                <a:cs typeface="Consolas" panose="020B0609020204030204" pitchFamily="49" charset="0"/>
+              </a:endParaRPr>
+            </a:p>
+            <a:p>
+              <a:r>
+                <a:rPr lang="pt-BR" sz="1400" dirty="0">
+                  <a:latin typeface="Consolas" panose="020B0609020204030204" pitchFamily="49" charset="0"/>
+                  <a:cs typeface="Consolas" panose="020B0609020204030204" pitchFamily="49" charset="0"/>
+                </a:rPr>
+                <a:t>   </a:t>
               </a:r>
               <a:r>
                 <a:rPr lang="pt-BR" sz="1400" dirty="0">
                   <a:solidFill>
-                    <a:schemeClr val="accent3"/>
+                    <a:schemeClr val="accent6">
+                      <a:lumMod val="60000"/>
+                      <a:lumOff val="40000"/>
+                    </a:schemeClr>
                   </a:solidFill>
                   <a:latin typeface="Consolas" panose="020B0609020204030204" pitchFamily="49" charset="0"/>
                   <a:cs typeface="Consolas" panose="020B0609020204030204" pitchFamily="49" charset="0"/>
                 </a:rPr>
-                <a:t>MAX</a:t>
-              </a:r>
-              <a:r>
+                <a:t>...</a:t>
+              </a:r>
+              <a:br>
                 <a:rPr lang="pt-BR" sz="1400" dirty="0">
                   <a:latin typeface="Consolas" panose="020B0609020204030204" pitchFamily="49" charset="0"/>
                   <a:cs typeface="Consolas" panose="020B0609020204030204" pitchFamily="49" charset="0"/>
                 </a:rPr>
-                <a:t>;</a:t>
-              </a:r>
-            </a:p>
-            <a:p>
+              </a:br>
               <a:r>
                 <a:rPr lang="pt-BR" sz="1400" dirty="0">
                   <a:latin typeface="Consolas" panose="020B0609020204030204" pitchFamily="49" charset="0"/>
                   <a:cs typeface="Consolas" panose="020B0609020204030204" pitchFamily="49" charset="0"/>
                 </a:rPr>
-                <a:t>}</a:t>
-              </a:r>
+                <a:t>};</a:t>
+              </a:r>
+              <a:endParaRPr lang="pt-BR" sz="1400" dirty="0">
+                <a:solidFill>
+                  <a:schemeClr val="bg1">
+                    <a:lumMod val="75000"/>
+                    <a:lumOff val="25000"/>
+                  </a:schemeClr>
+                </a:solidFill>
+                <a:latin typeface="Consolas" panose="020B0609020204030204" pitchFamily="49" charset="0"/>
+                <a:cs typeface="Consolas" panose="020B0609020204030204" pitchFamily="49" charset="0"/>
+              </a:endParaRPr>
             </a:p>
           </p:txBody>
         </p:sp>
+        <p:cxnSp>
+          <p:nvCxnSpPr>
+            <p:cNvPr id="7" name="Conector reto 6">
+              <a:extLst>
+                <a:ext uri="{FF2B5EF4-FFF2-40B4-BE49-F238E27FC236}">
+                  <a16:creationId xmlns:a16="http://schemas.microsoft.com/office/drawing/2014/main" id="{2D710746-F66E-4080-7687-9CAE0174C54D}"/>
+                </a:ext>
+              </a:extLst>
+            </p:cNvPr>
+            <p:cNvCxnSpPr>
+              <a:cxnSpLocks/>
+            </p:cNvCxnSpPr>
+            <p:nvPr/>
+          </p:nvCxnSpPr>
+          <p:spPr>
+            <a:xfrm>
+              <a:off x="4898553" y="4136907"/>
+              <a:ext cx="0" cy="1679559"/>
+            </a:xfrm>
+            <a:prstGeom prst="line">
+              <a:avLst/>
+            </a:prstGeom>
+            <a:ln w="12700">
+              <a:prstDash val="dash"/>
+            </a:ln>
+          </p:spPr>
+          <p:style>
+            <a:lnRef idx="1">
+              <a:schemeClr val="accent6"/>
+            </a:lnRef>
+            <a:fillRef idx="0">
+              <a:schemeClr val="accent6"/>
+            </a:fillRef>
+            <a:effectRef idx="0">
+              <a:schemeClr val="accent6"/>
+            </a:effectRef>
+            <a:fontRef idx="minor">
+              <a:schemeClr val="tx1"/>
+            </a:fontRef>
+          </p:style>
+        </p:cxnSp>
+        <p:cxnSp>
+          <p:nvCxnSpPr>
+            <p:cNvPr id="9" name="Conector reto 8">
+              <a:extLst>
+                <a:ext uri="{FF2B5EF4-FFF2-40B4-BE49-F238E27FC236}">
+                  <a16:creationId xmlns:a16="http://schemas.microsoft.com/office/drawing/2014/main" id="{E98B4E3B-301C-00D9-7EA4-ECD5E71210F2}"/>
+                </a:ext>
+              </a:extLst>
+            </p:cNvPr>
+            <p:cNvCxnSpPr>
+              <a:cxnSpLocks/>
+            </p:cNvCxnSpPr>
+            <p:nvPr/>
+          </p:nvCxnSpPr>
+          <p:spPr>
+            <a:xfrm>
+              <a:off x="8414158" y="4136907"/>
+              <a:ext cx="0" cy="1679559"/>
+            </a:xfrm>
+            <a:prstGeom prst="line">
+              <a:avLst/>
+            </a:prstGeom>
+            <a:ln w="12700">
+              <a:prstDash val="dash"/>
+            </a:ln>
+          </p:spPr>
+          <p:style>
+            <a:lnRef idx="1">
+              <a:schemeClr val="accent6"/>
+            </a:lnRef>
+            <a:fillRef idx="0">
+              <a:schemeClr val="accent6"/>
+            </a:fillRef>
+            <a:effectRef idx="0">
+              <a:schemeClr val="accent6"/>
+            </a:effectRef>
+            <a:fontRef idx="minor">
+              <a:schemeClr val="tx1"/>
+            </a:fontRef>
+          </p:style>
+        </p:cxnSp>
         <p:pic>
           <p:nvPicPr>
-            <p:cNvPr id="6" name="Gráfico 5" descr="Marca de seleção com preenchimento sólido">
+            <p:cNvPr id="10" name="Gráfico 9" descr="Marca de seleção com preenchimento sólido">
               <a:extLst>
                 <a:ext uri="{FF2B5EF4-FFF2-40B4-BE49-F238E27FC236}">
-                  <a16:creationId xmlns:a16="http://schemas.microsoft.com/office/drawing/2014/main" id="{B04E427E-5CB7-4B81-C3E5-49B0F13BFCBE}"/>
+                  <a16:creationId xmlns:a16="http://schemas.microsoft.com/office/drawing/2014/main" id="{2516688E-5248-2631-B8BC-55AFBEA1D613}"/>
                 </a:ext>
               </a:extLst>
             </p:cNvPr>
@@ -26706,7 +26460,7 @@
           </p:blipFill>
           <p:spPr>
             <a:xfrm>
-              <a:off x="7509487" y="4129805"/>
+              <a:off x="4325252" y="4864697"/>
               <a:ext cx="166781" cy="166781"/>
             </a:xfrm>
             <a:prstGeom prst="rect">
@@ -26714,45 +26468,354 @@
             </a:prstGeom>
           </p:spPr>
         </p:pic>
-        <p:pic>
-          <p:nvPicPr>
-            <p:cNvPr id="8" name="Gráfico 7" descr="Fechar com preenchimento sólido">
+        <p:sp>
+          <p:nvSpPr>
+            <p:cNvPr id="12" name="CaixaDeTexto 11">
               <a:extLst>
                 <a:ext uri="{FF2B5EF4-FFF2-40B4-BE49-F238E27FC236}">
-                  <a16:creationId xmlns:a16="http://schemas.microsoft.com/office/drawing/2014/main" id="{EE7AD6AA-C001-3E38-55A2-D983259FA6AF}"/>
+                  <a16:creationId xmlns:a16="http://schemas.microsoft.com/office/drawing/2014/main" id="{B74C318D-EEF6-0A99-2204-1C4357F4148B}"/>
                 </a:ext>
               </a:extLst>
             </p:cNvPr>
-            <p:cNvPicPr>
-              <a:picLocks noChangeAspect="1"/>
-            </p:cNvPicPr>
+            <p:cNvSpPr txBox="1"/>
             <p:nvPr/>
-          </p:nvPicPr>
-          <p:blipFill>
-            <a:blip r:embed="rId5" cstate="print">
-              <a:extLst>
-                <a:ext uri="{28A0092B-C50C-407E-A947-70E740481C1C}">
-                  <a14:useLocalDpi xmlns:a14="http://schemas.microsoft.com/office/drawing/2010/main" val="0"/>
-                </a:ext>
-                <a:ext uri="{96DAC541-7B7A-43D3-8B79-37D633B846F1}">
-                  <asvg:svgBlip xmlns:asvg="http://schemas.microsoft.com/office/drawing/2016/SVG/main" r:embed="rId6"/>
-                </a:ext>
-              </a:extLst>
-            </a:blip>
-            <a:stretch>
-              <a:fillRect/>
-            </a:stretch>
-          </p:blipFill>
+          </p:nvSpPr>
           <p:spPr>
             <a:xfrm>
-              <a:off x="7509487" y="4362465"/>
-              <a:ext cx="166781" cy="166781"/>
+              <a:off x="8712504" y="4431631"/>
+              <a:ext cx="2322739" cy="923330"/>
             </a:xfrm>
             <a:prstGeom prst="rect">
               <a:avLst/>
             </a:prstGeom>
+            <a:noFill/>
           </p:spPr>
-        </p:pic>
+          <p:txBody>
+            <a:bodyPr wrap="square" rtlCol="0">
+              <a:spAutoFit/>
+            </a:bodyPr>
+            <a:lstStyle/>
+            <a:p>
+              <a:pPr algn="ctr"/>
+              <a:r>
+                <a:rPr lang="pt-BR" dirty="0">
+                  <a:solidFill>
+                    <a:schemeClr val="accent3"/>
+                  </a:solidFill>
+                </a:rPr>
+                <a:t>MAX</a:t>
+              </a:r>
+              <a:r>
+                <a:rPr lang="pt-BR" dirty="0"/>
+                <a:t> existe mesmo sem a criação de objetos.</a:t>
+              </a:r>
+            </a:p>
+          </p:txBody>
+        </p:sp>
+        <p:grpSp>
+          <p:nvGrpSpPr>
+            <p:cNvPr id="13" name="Agrupar 12">
+              <a:extLst>
+                <a:ext uri="{FF2B5EF4-FFF2-40B4-BE49-F238E27FC236}">
+                  <a16:creationId xmlns:a16="http://schemas.microsoft.com/office/drawing/2014/main" id="{E7F696DA-C7BC-2D49-5909-99B28DB1FD0F}"/>
+                </a:ext>
+              </a:extLst>
+            </p:cNvPr>
+            <p:cNvGrpSpPr/>
+            <p:nvPr/>
+          </p:nvGrpSpPr>
+          <p:grpSpPr>
+            <a:xfrm>
+              <a:off x="5299269" y="4308522"/>
+              <a:ext cx="2579609" cy="1169551"/>
+              <a:chOff x="5096659" y="3628421"/>
+              <a:chExt cx="2579609" cy="1169551"/>
+            </a:xfrm>
+          </p:grpSpPr>
+          <p:sp>
+            <p:nvSpPr>
+              <p:cNvPr id="5" name="CaixaDeTexto 4">
+                <a:extLst>
+                  <a:ext uri="{FF2B5EF4-FFF2-40B4-BE49-F238E27FC236}">
+                    <a16:creationId xmlns:a16="http://schemas.microsoft.com/office/drawing/2014/main" id="{754C2ACA-DDDA-EE6A-22B5-E4EF967D9832}"/>
+                  </a:ext>
+                </a:extLst>
+              </p:cNvPr>
+              <p:cNvSpPr txBox="1"/>
+              <p:nvPr/>
+            </p:nvSpPr>
+            <p:spPr>
+              <a:xfrm>
+                <a:off x="5096659" y="3628421"/>
+                <a:ext cx="2385061" cy="1169551"/>
+              </a:xfrm>
+              <a:prstGeom prst="rect">
+                <a:avLst/>
+              </a:prstGeom>
+              <a:noFill/>
+            </p:spPr>
+            <p:txBody>
+              <a:bodyPr wrap="square">
+                <a:spAutoFit/>
+              </a:bodyPr>
+              <a:lstStyle/>
+              <a:p>
+                <a:r>
+                  <a:rPr lang="pt-BR" sz="1400" dirty="0" err="1">
+                    <a:solidFill>
+                      <a:schemeClr val="accent3">
+                        <a:lumMod val="75000"/>
+                      </a:schemeClr>
+                    </a:solidFill>
+                    <a:latin typeface="Consolas" panose="020B0609020204030204" pitchFamily="49" charset="0"/>
+                    <a:cs typeface="Consolas" panose="020B0609020204030204" pitchFamily="49" charset="0"/>
+                  </a:rPr>
+                  <a:t>int</a:t>
+                </a:r>
+                <a:r>
+                  <a:rPr lang="pt-BR" sz="1400" dirty="0">
+                    <a:solidFill>
+                      <a:schemeClr val="accent3">
+                        <a:lumMod val="75000"/>
+                      </a:schemeClr>
+                    </a:solidFill>
+                    <a:latin typeface="Consolas" panose="020B0609020204030204" pitchFamily="49" charset="0"/>
+                    <a:cs typeface="Consolas" panose="020B0609020204030204" pitchFamily="49" charset="0"/>
+                  </a:rPr>
+                  <a:t> </a:t>
+                </a:r>
+                <a:r>
+                  <a:rPr lang="pt-BR" sz="1400" dirty="0" err="1">
+                    <a:latin typeface="Consolas" panose="020B0609020204030204" pitchFamily="49" charset="0"/>
+                    <a:cs typeface="Consolas" panose="020B0609020204030204" pitchFamily="49" charset="0"/>
+                  </a:rPr>
+                  <a:t>main</a:t>
+                </a:r>
+                <a:r>
+                  <a:rPr lang="pt-BR" sz="1400" dirty="0">
+                    <a:latin typeface="Consolas" panose="020B0609020204030204" pitchFamily="49" charset="0"/>
+                    <a:cs typeface="Consolas" panose="020B0609020204030204" pitchFamily="49" charset="0"/>
+                  </a:rPr>
+                  <a:t>()</a:t>
+                </a:r>
+                <a:endParaRPr lang="pt-BR" sz="1400" dirty="0">
+                  <a:solidFill>
+                    <a:schemeClr val="accent3"/>
+                  </a:solidFill>
+                  <a:latin typeface="Consolas" panose="020B0609020204030204" pitchFamily="49" charset="0"/>
+                  <a:cs typeface="Consolas" panose="020B0609020204030204" pitchFamily="49" charset="0"/>
+                </a:endParaRPr>
+              </a:p>
+              <a:p>
+                <a:r>
+                  <a:rPr lang="pt-BR" sz="1400" dirty="0">
+                    <a:latin typeface="Consolas" panose="020B0609020204030204" pitchFamily="49" charset="0"/>
+                    <a:cs typeface="Consolas" panose="020B0609020204030204" pitchFamily="49" charset="0"/>
+                  </a:rPr>
+                  <a:t>{</a:t>
+                </a:r>
+                <a:br>
+                  <a:rPr lang="pt-BR" sz="1400" dirty="0">
+                    <a:latin typeface="Consolas" panose="020B0609020204030204" pitchFamily="49" charset="0"/>
+                    <a:cs typeface="Consolas" panose="020B0609020204030204" pitchFamily="49" charset="0"/>
+                  </a:rPr>
+                </a:br>
+                <a:r>
+                  <a:rPr lang="pt-BR" sz="1400" dirty="0">
+                    <a:latin typeface="Consolas" panose="020B0609020204030204" pitchFamily="49" charset="0"/>
+                    <a:cs typeface="Consolas" panose="020B0609020204030204" pitchFamily="49" charset="0"/>
+                  </a:rPr>
+                  <a:t>   </a:t>
+                </a:r>
+                <a:r>
+                  <a:rPr lang="pt-BR" sz="1400" dirty="0" err="1">
+                    <a:solidFill>
+                      <a:schemeClr val="accent3">
+                        <a:lumMod val="75000"/>
+                      </a:schemeClr>
+                    </a:solidFill>
+                    <a:latin typeface="Consolas" panose="020B0609020204030204" pitchFamily="49" charset="0"/>
+                    <a:cs typeface="Consolas" panose="020B0609020204030204" pitchFamily="49" charset="0"/>
+                  </a:rPr>
+                  <a:t>int</a:t>
+                </a:r>
+                <a:r>
+                  <a:rPr lang="pt-BR" sz="1400" dirty="0">
+                    <a:latin typeface="Consolas" panose="020B0609020204030204" pitchFamily="49" charset="0"/>
+                    <a:cs typeface="Consolas" panose="020B0609020204030204" pitchFamily="49" charset="0"/>
+                  </a:rPr>
+                  <a:t> a = </a:t>
+                </a:r>
+                <a:r>
+                  <a:rPr lang="pt-BR" sz="1400" dirty="0">
+                    <a:solidFill>
+                      <a:schemeClr val="accent3"/>
+                    </a:solidFill>
+                    <a:latin typeface="Consolas" panose="020B0609020204030204" pitchFamily="49" charset="0"/>
+                    <a:cs typeface="Consolas" panose="020B0609020204030204" pitchFamily="49" charset="0"/>
+                  </a:rPr>
+                  <a:t>Pilha</a:t>
+                </a:r>
+                <a:r>
+                  <a:rPr lang="pt-BR" sz="1400" dirty="0">
+                    <a:latin typeface="Consolas" panose="020B0609020204030204" pitchFamily="49" charset="0"/>
+                    <a:cs typeface="Consolas" panose="020B0609020204030204" pitchFamily="49" charset="0"/>
+                  </a:rPr>
+                  <a:t>::</a:t>
+                </a:r>
+                <a:r>
+                  <a:rPr lang="pt-BR" sz="1400" dirty="0">
+                    <a:solidFill>
+                      <a:schemeClr val="accent3"/>
+                    </a:solidFill>
+                    <a:latin typeface="Consolas" panose="020B0609020204030204" pitchFamily="49" charset="0"/>
+                    <a:cs typeface="Consolas" panose="020B0609020204030204" pitchFamily="49" charset="0"/>
+                  </a:rPr>
+                  <a:t>MAX</a:t>
+                </a:r>
+                <a:r>
+                  <a:rPr lang="pt-BR" sz="1400" dirty="0">
+                    <a:latin typeface="Consolas" panose="020B0609020204030204" pitchFamily="49" charset="0"/>
+                    <a:cs typeface="Consolas" panose="020B0609020204030204" pitchFamily="49" charset="0"/>
+                  </a:rPr>
+                  <a:t>;</a:t>
+                </a:r>
+              </a:p>
+              <a:p>
+                <a:r>
+                  <a:rPr lang="pt-BR" sz="1400" dirty="0">
+                    <a:latin typeface="Consolas" panose="020B0609020204030204" pitchFamily="49" charset="0"/>
+                    <a:cs typeface="Consolas" panose="020B0609020204030204" pitchFamily="49" charset="0"/>
+                  </a:rPr>
+                  <a:t>   </a:t>
+                </a:r>
+                <a:r>
+                  <a:rPr lang="pt-BR" sz="1400" dirty="0" err="1">
+                    <a:solidFill>
+                      <a:schemeClr val="accent3">
+                        <a:lumMod val="75000"/>
+                      </a:schemeClr>
+                    </a:solidFill>
+                    <a:latin typeface="Consolas" panose="020B0609020204030204" pitchFamily="49" charset="0"/>
+                    <a:cs typeface="Consolas" panose="020B0609020204030204" pitchFamily="49" charset="0"/>
+                  </a:rPr>
+                  <a:t>int</a:t>
+                </a:r>
+                <a:r>
+                  <a:rPr lang="pt-BR" sz="1400" dirty="0">
+                    <a:latin typeface="Consolas" panose="020B0609020204030204" pitchFamily="49" charset="0"/>
+                    <a:cs typeface="Consolas" panose="020B0609020204030204" pitchFamily="49" charset="0"/>
+                  </a:rPr>
+                  <a:t> b = </a:t>
+                </a:r>
+                <a:r>
+                  <a:rPr lang="pt-BR" sz="1400" dirty="0">
+                    <a:solidFill>
+                      <a:schemeClr val="accent3"/>
+                    </a:solidFill>
+                    <a:latin typeface="Consolas" panose="020B0609020204030204" pitchFamily="49" charset="0"/>
+                    <a:cs typeface="Consolas" panose="020B0609020204030204" pitchFamily="49" charset="0"/>
+                  </a:rPr>
+                  <a:t>MAX</a:t>
+                </a:r>
+                <a:r>
+                  <a:rPr lang="pt-BR" sz="1400" dirty="0">
+                    <a:latin typeface="Consolas" panose="020B0609020204030204" pitchFamily="49" charset="0"/>
+                    <a:cs typeface="Consolas" panose="020B0609020204030204" pitchFamily="49" charset="0"/>
+                  </a:rPr>
+                  <a:t>;</a:t>
+                </a:r>
+              </a:p>
+              <a:p>
+                <a:r>
+                  <a:rPr lang="pt-BR" sz="1400" dirty="0">
+                    <a:latin typeface="Consolas" panose="020B0609020204030204" pitchFamily="49" charset="0"/>
+                    <a:cs typeface="Consolas" panose="020B0609020204030204" pitchFamily="49" charset="0"/>
+                  </a:rPr>
+                  <a:t>}</a:t>
+                </a:r>
+              </a:p>
+            </p:txBody>
+          </p:sp>
+          <p:pic>
+            <p:nvPicPr>
+              <p:cNvPr id="6" name="Gráfico 5" descr="Marca de seleção com preenchimento sólido">
+                <a:extLst>
+                  <a:ext uri="{FF2B5EF4-FFF2-40B4-BE49-F238E27FC236}">
+                    <a16:creationId xmlns:a16="http://schemas.microsoft.com/office/drawing/2014/main" id="{B04E427E-5CB7-4B81-C3E5-49B0F13BFCBE}"/>
+                  </a:ext>
+                </a:extLst>
+              </p:cNvPr>
+              <p:cNvPicPr>
+                <a:picLocks noChangeAspect="1"/>
+              </p:cNvPicPr>
+              <p:nvPr/>
+            </p:nvPicPr>
+            <p:blipFill>
+              <a:blip r:embed="rId3" cstate="print">
+                <a:extLst>
+                  <a:ext uri="{28A0092B-C50C-407E-A947-70E740481C1C}">
+                    <a14:useLocalDpi xmlns:a14="http://schemas.microsoft.com/office/drawing/2010/main" val="0"/>
+                  </a:ext>
+                  <a:ext uri="{96DAC541-7B7A-43D3-8B79-37D633B846F1}">
+                    <asvg:svgBlip xmlns:asvg="http://schemas.microsoft.com/office/drawing/2016/SVG/main" r:embed="rId4"/>
+                  </a:ext>
+                </a:extLst>
+              </a:blip>
+              <a:stretch>
+                <a:fillRect/>
+              </a:stretch>
+            </p:blipFill>
+            <p:spPr>
+              <a:xfrm>
+                <a:off x="7509487" y="4129805"/>
+                <a:ext cx="166781" cy="166781"/>
+              </a:xfrm>
+              <a:prstGeom prst="rect">
+                <a:avLst/>
+              </a:prstGeom>
+            </p:spPr>
+          </p:pic>
+          <p:pic>
+            <p:nvPicPr>
+              <p:cNvPr id="8" name="Gráfico 7" descr="Fechar com preenchimento sólido">
+                <a:extLst>
+                  <a:ext uri="{FF2B5EF4-FFF2-40B4-BE49-F238E27FC236}">
+                    <a16:creationId xmlns:a16="http://schemas.microsoft.com/office/drawing/2014/main" id="{EE7AD6AA-C001-3E38-55A2-D983259FA6AF}"/>
+                  </a:ext>
+                </a:extLst>
+              </p:cNvPr>
+              <p:cNvPicPr>
+                <a:picLocks noChangeAspect="1"/>
+              </p:cNvPicPr>
+              <p:nvPr/>
+            </p:nvPicPr>
+            <p:blipFill>
+              <a:blip r:embed="rId5" cstate="print">
+                <a:extLst>
+                  <a:ext uri="{28A0092B-C50C-407E-A947-70E740481C1C}">
+                    <a14:useLocalDpi xmlns:a14="http://schemas.microsoft.com/office/drawing/2010/main" val="0"/>
+                  </a:ext>
+                  <a:ext uri="{96DAC541-7B7A-43D3-8B79-37D633B846F1}">
+                    <asvg:svgBlip xmlns:asvg="http://schemas.microsoft.com/office/drawing/2016/SVG/main" r:embed="rId6"/>
+                  </a:ext>
+                </a:extLst>
+              </a:blip>
+              <a:stretch>
+                <a:fillRect/>
+              </a:stretch>
+            </p:blipFill>
+            <p:spPr>
+              <a:xfrm>
+                <a:off x="7509487" y="4362465"/>
+                <a:ext cx="166781" cy="166781"/>
+              </a:xfrm>
+              <a:prstGeom prst="rect">
+                <a:avLst/>
+              </a:prstGeom>
+            </p:spPr>
+          </p:pic>
+        </p:grpSp>
       </p:grpSp>
     </p:spTree>
     <p:extLst>
@@ -26879,760 +26942,781 @@
           </a:p>
         </p:txBody>
       </p:sp>
-      <p:sp>
-        <p:nvSpPr>
-          <p:cNvPr id="4" name="CaixaDeTexto 3">
+      <p:grpSp>
+        <p:nvGrpSpPr>
+          <p:cNvPr id="5" name="Agrupar 4">
             <a:extLst>
               <a:ext uri="{FF2B5EF4-FFF2-40B4-BE49-F238E27FC236}">
-                <a16:creationId xmlns:a16="http://schemas.microsoft.com/office/drawing/2014/main" id="{BD3CBBDD-E598-8F37-4FAA-2A4B922A0C45}"/>
+                <a16:creationId xmlns:a16="http://schemas.microsoft.com/office/drawing/2014/main" id="{4C50BB41-413C-34D7-6606-4CBE4E054F3C}"/>
               </a:ext>
             </a:extLst>
           </p:cNvPr>
-          <p:cNvSpPr txBox="1"/>
+          <p:cNvGrpSpPr/>
           <p:nvPr/>
-        </p:nvSpPr>
-        <p:spPr>
+        </p:nvGrpSpPr>
+        <p:grpSpPr>
           <a:xfrm>
             <a:off x="2055890" y="3628421"/>
-            <a:ext cx="2413519" cy="1600438"/>
+            <a:ext cx="9327270" cy="1723388"/>
+            <a:chOff x="2055890" y="3628421"/>
+            <a:chExt cx="9327270" cy="1723388"/>
           </a:xfrm>
-          <a:prstGeom prst="rect">
-            <a:avLst/>
-          </a:prstGeom>
-          <a:noFill/>
-        </p:spPr>
-        <p:txBody>
-          <a:bodyPr wrap="square">
-            <a:spAutoFit/>
-          </a:bodyPr>
-          <a:lstStyle/>
-          <a:p>
-            <a:r>
-              <a:rPr lang="pt-BR" sz="1400" dirty="0">
+        </p:grpSpPr>
+        <p:sp>
+          <p:nvSpPr>
+            <p:cNvPr id="4" name="CaixaDeTexto 3">
+              <a:extLst>
+                <a:ext uri="{FF2B5EF4-FFF2-40B4-BE49-F238E27FC236}">
+                  <a16:creationId xmlns:a16="http://schemas.microsoft.com/office/drawing/2014/main" id="{BD3CBBDD-E598-8F37-4FAA-2A4B922A0C45}"/>
+                </a:ext>
+              </a:extLst>
+            </p:cNvPr>
+            <p:cNvSpPr txBox="1"/>
+            <p:nvPr/>
+          </p:nvSpPr>
+          <p:spPr>
+            <a:xfrm>
+              <a:off x="2055890" y="3628421"/>
+              <a:ext cx="2413519" cy="1600438"/>
+            </a:xfrm>
+            <a:prstGeom prst="rect">
+              <a:avLst/>
+            </a:prstGeom>
+            <a:noFill/>
+          </p:spPr>
+          <p:txBody>
+            <a:bodyPr wrap="square">
+              <a:spAutoFit/>
+            </a:bodyPr>
+            <a:lstStyle/>
+            <a:p>
+              <a:r>
+                <a:rPr lang="pt-BR" sz="1400" dirty="0">
+                  <a:solidFill>
+                    <a:schemeClr val="accent3">
+                      <a:lumMod val="75000"/>
+                    </a:schemeClr>
+                  </a:solidFill>
+                  <a:latin typeface="Consolas" panose="020B0609020204030204" pitchFamily="49" charset="0"/>
+                  <a:cs typeface="Consolas" panose="020B0609020204030204" pitchFamily="49" charset="0"/>
+                </a:rPr>
+                <a:t>class </a:t>
+              </a:r>
+              <a:r>
+                <a:rPr lang="pt-BR" sz="1400" dirty="0">
+                  <a:solidFill>
+                    <a:schemeClr val="accent3"/>
+                  </a:solidFill>
+                  <a:latin typeface="Consolas" panose="020B0609020204030204" pitchFamily="49" charset="0"/>
+                  <a:cs typeface="Consolas" panose="020B0609020204030204" pitchFamily="49" charset="0"/>
+                </a:rPr>
+                <a:t>Pilha</a:t>
+              </a:r>
+            </a:p>
+            <a:p>
+              <a:r>
+                <a:rPr lang="pt-BR" sz="1400" dirty="0">
+                  <a:latin typeface="Consolas" panose="020B0609020204030204" pitchFamily="49" charset="0"/>
+                  <a:cs typeface="Consolas" panose="020B0609020204030204" pitchFamily="49" charset="0"/>
+                </a:rPr>
+                <a:t>{</a:t>
+              </a:r>
+              <a:br>
+                <a:rPr lang="pt-BR" sz="1400" dirty="0">
+                  <a:latin typeface="Consolas" panose="020B0609020204030204" pitchFamily="49" charset="0"/>
+                  <a:cs typeface="Consolas" panose="020B0609020204030204" pitchFamily="49" charset="0"/>
+                </a:rPr>
+              </a:br>
+              <a:r>
+                <a:rPr lang="pt-BR" sz="1400" dirty="0">
+                  <a:solidFill>
+                    <a:schemeClr val="accent3">
+                      <a:lumMod val="75000"/>
+                    </a:schemeClr>
+                  </a:solidFill>
+                  <a:latin typeface="Consolas" panose="020B0609020204030204" pitchFamily="49" charset="0"/>
+                  <a:cs typeface="Consolas" panose="020B0609020204030204" pitchFamily="49" charset="0"/>
+                </a:rPr>
+                <a:t>private</a:t>
+              </a:r>
+              <a:r>
+                <a:rPr lang="pt-BR" sz="1400" dirty="0">
+                  <a:latin typeface="Consolas" panose="020B0609020204030204" pitchFamily="49" charset="0"/>
+                  <a:cs typeface="Consolas" panose="020B0609020204030204" pitchFamily="49" charset="0"/>
+                </a:rPr>
+                <a:t>:</a:t>
+              </a:r>
+            </a:p>
+            <a:p>
+              <a:r>
+                <a:rPr lang="pt-BR" sz="1400" dirty="0">
+                  <a:latin typeface="Consolas" panose="020B0609020204030204" pitchFamily="49" charset="0"/>
+                  <a:cs typeface="Consolas" panose="020B0609020204030204" pitchFamily="49" charset="0"/>
+                </a:rPr>
+                <a:t>   </a:t>
+              </a:r>
+              <a:r>
+                <a:rPr lang="pt-BR" sz="1400" dirty="0" err="1">
+                  <a:solidFill>
+                    <a:schemeClr val="accent3">
+                      <a:lumMod val="75000"/>
+                    </a:schemeClr>
+                  </a:solidFill>
+                  <a:latin typeface="Consolas" panose="020B0609020204030204" pitchFamily="49" charset="0"/>
+                  <a:cs typeface="Consolas" panose="020B0609020204030204" pitchFamily="49" charset="0"/>
+                </a:rPr>
+                <a:t>enum</a:t>
+              </a:r>
+              <a:r>
+                <a:rPr lang="pt-BR" sz="1400" dirty="0">
+                  <a:latin typeface="Consolas" panose="020B0609020204030204" pitchFamily="49" charset="0"/>
+                  <a:cs typeface="Consolas" panose="020B0609020204030204" pitchFamily="49" charset="0"/>
+                </a:rPr>
+                <a:t> { </a:t>
+              </a:r>
+              <a:r>
+                <a:rPr lang="pt-BR" sz="1400" dirty="0">
+                  <a:solidFill>
+                    <a:schemeClr val="accent3">
+                      <a:lumMod val="60000"/>
+                      <a:lumOff val="40000"/>
+                    </a:schemeClr>
+                  </a:solidFill>
+                  <a:latin typeface="Consolas" panose="020B0609020204030204" pitchFamily="49" charset="0"/>
+                  <a:cs typeface="Consolas" panose="020B0609020204030204" pitchFamily="49" charset="0"/>
+                </a:rPr>
+                <a:t>MAX</a:t>
+              </a:r>
+              <a:r>
+                <a:rPr lang="pt-BR" sz="1400" dirty="0">
+                  <a:latin typeface="Consolas" panose="020B0609020204030204" pitchFamily="49" charset="0"/>
+                  <a:cs typeface="Consolas" panose="020B0609020204030204" pitchFamily="49" charset="0"/>
+                </a:rPr>
+                <a:t> = </a:t>
+              </a:r>
+              <a:r>
+                <a:rPr lang="pt-BR" sz="1400" dirty="0">
+                  <a:solidFill>
+                    <a:schemeClr val="accent3">
+                      <a:lumMod val="60000"/>
+                      <a:lumOff val="40000"/>
+                    </a:schemeClr>
+                  </a:solidFill>
+                  <a:latin typeface="Consolas" panose="020B0609020204030204" pitchFamily="49" charset="0"/>
+                  <a:cs typeface="Consolas" panose="020B0609020204030204" pitchFamily="49" charset="0"/>
+                </a:rPr>
+                <a:t>10 </a:t>
+              </a:r>
+              <a:r>
+                <a:rPr lang="pt-BR" sz="1400" dirty="0">
+                  <a:latin typeface="Consolas" panose="020B0609020204030204" pitchFamily="49" charset="0"/>
+                  <a:cs typeface="Consolas" panose="020B0609020204030204" pitchFamily="49" charset="0"/>
+                </a:rPr>
+                <a:t>};   </a:t>
+              </a:r>
+            </a:p>
+            <a:p>
+              <a:r>
+                <a:rPr lang="pt-BR" sz="1400" dirty="0">
+                  <a:solidFill>
+                    <a:schemeClr val="accent3"/>
+                  </a:solidFill>
+                  <a:latin typeface="Consolas" panose="020B0609020204030204" pitchFamily="49" charset="0"/>
+                  <a:cs typeface="Consolas" panose="020B0609020204030204" pitchFamily="49" charset="0"/>
+                </a:rPr>
+                <a:t>   Item</a:t>
+              </a:r>
+              <a:r>
+                <a:rPr lang="pt-BR" sz="1400" dirty="0">
+                  <a:latin typeface="Consolas" panose="020B0609020204030204" pitchFamily="49" charset="0"/>
+                  <a:cs typeface="Consolas" panose="020B0609020204030204" pitchFamily="49" charset="0"/>
+                </a:rPr>
+                <a:t> itens[</a:t>
+              </a:r>
+              <a:r>
+                <a:rPr lang="pt-BR" sz="1400" dirty="0">
+                  <a:solidFill>
+                    <a:schemeClr val="accent3">
+                      <a:lumMod val="60000"/>
+                      <a:lumOff val="40000"/>
+                    </a:schemeClr>
+                  </a:solidFill>
+                  <a:latin typeface="Consolas" panose="020B0609020204030204" pitchFamily="49" charset="0"/>
+                  <a:cs typeface="Consolas" panose="020B0609020204030204" pitchFamily="49" charset="0"/>
+                </a:rPr>
+                <a:t>MAX</a:t>
+              </a:r>
+              <a:r>
+                <a:rPr lang="pt-BR" sz="1400" dirty="0">
+                  <a:latin typeface="Consolas" panose="020B0609020204030204" pitchFamily="49" charset="0"/>
+                  <a:cs typeface="Consolas" panose="020B0609020204030204" pitchFamily="49" charset="0"/>
+                </a:rPr>
+                <a:t>];   </a:t>
+              </a:r>
+              <a:endParaRPr lang="pt-BR" sz="1400" dirty="0">
                 <a:solidFill>
-                  <a:schemeClr val="accent3">
-                    <a:lumMod val="75000"/>
+                  <a:schemeClr val="bg1">
+                    <a:lumMod val="50000"/>
+                    <a:lumOff val="50000"/>
                   </a:schemeClr>
                 </a:solidFill>
                 <a:latin typeface="Consolas" panose="020B0609020204030204" pitchFamily="49" charset="0"/>
                 <a:cs typeface="Consolas" panose="020B0609020204030204" pitchFamily="49" charset="0"/>
-              </a:rPr>
-              <a:t>class </a:t>
-            </a:r>
-            <a:r>
-              <a:rPr lang="pt-BR" sz="1400" dirty="0">
+              </a:endParaRPr>
+            </a:p>
+            <a:p>
+              <a:r>
+                <a:rPr lang="pt-BR" sz="1400" dirty="0">
+                  <a:latin typeface="Consolas" panose="020B0609020204030204" pitchFamily="49" charset="0"/>
+                  <a:cs typeface="Consolas" panose="020B0609020204030204" pitchFamily="49" charset="0"/>
+                </a:rPr>
+                <a:t>   </a:t>
+              </a:r>
+              <a:r>
+                <a:rPr lang="pt-BR" sz="1400" dirty="0">
+                  <a:solidFill>
+                    <a:schemeClr val="accent6">
+                      <a:lumMod val="60000"/>
+                      <a:lumOff val="40000"/>
+                    </a:schemeClr>
+                  </a:solidFill>
+                  <a:latin typeface="Consolas" panose="020B0609020204030204" pitchFamily="49" charset="0"/>
+                  <a:cs typeface="Consolas" panose="020B0609020204030204" pitchFamily="49" charset="0"/>
+                </a:rPr>
+                <a:t>...</a:t>
+              </a:r>
+              <a:br>
+                <a:rPr lang="pt-BR" sz="1400" dirty="0">
+                  <a:latin typeface="Consolas" panose="020B0609020204030204" pitchFamily="49" charset="0"/>
+                  <a:cs typeface="Consolas" panose="020B0609020204030204" pitchFamily="49" charset="0"/>
+                </a:rPr>
+              </a:br>
+              <a:r>
+                <a:rPr lang="pt-BR" sz="1400" dirty="0">
+                  <a:latin typeface="Consolas" panose="020B0609020204030204" pitchFamily="49" charset="0"/>
+                  <a:cs typeface="Consolas" panose="020B0609020204030204" pitchFamily="49" charset="0"/>
+                </a:rPr>
+                <a:t>};</a:t>
+              </a:r>
+              <a:endParaRPr lang="pt-BR" sz="1400" dirty="0">
                 <a:solidFill>
-                  <a:schemeClr val="accent3"/>
-                </a:solidFill>
-                <a:latin typeface="Consolas" panose="020B0609020204030204" pitchFamily="49" charset="0"/>
-                <a:cs typeface="Consolas" panose="020B0609020204030204" pitchFamily="49" charset="0"/>
-              </a:rPr>
-              <a:t>Pilha</a:t>
-            </a:r>
-          </a:p>
-          <a:p>
-            <a:r>
-              <a:rPr lang="pt-BR" sz="1400" dirty="0">
-                <a:latin typeface="Consolas" panose="020B0609020204030204" pitchFamily="49" charset="0"/>
-                <a:cs typeface="Consolas" panose="020B0609020204030204" pitchFamily="49" charset="0"/>
-              </a:rPr>
-              <a:t>{</a:t>
-            </a:r>
-            <a:br>
-              <a:rPr lang="pt-BR" sz="1400" dirty="0">
-                <a:latin typeface="Consolas" panose="020B0609020204030204" pitchFamily="49" charset="0"/>
-                <a:cs typeface="Consolas" panose="020B0609020204030204" pitchFamily="49" charset="0"/>
-              </a:rPr>
-            </a:br>
-            <a:r>
-              <a:rPr lang="pt-BR" sz="1400" dirty="0">
-                <a:solidFill>
-                  <a:schemeClr val="accent3">
+                  <a:schemeClr val="bg1">
                     <a:lumMod val="75000"/>
+                    <a:lumOff val="25000"/>
                   </a:schemeClr>
                 </a:solidFill>
                 <a:latin typeface="Consolas" panose="020B0609020204030204" pitchFamily="49" charset="0"/>
                 <a:cs typeface="Consolas" panose="020B0609020204030204" pitchFamily="49" charset="0"/>
-              </a:rPr>
-              <a:t>private</a:t>
-            </a:r>
-            <a:r>
-              <a:rPr lang="pt-BR" sz="1400" dirty="0">
-                <a:latin typeface="Consolas" panose="020B0609020204030204" pitchFamily="49" charset="0"/>
-                <a:cs typeface="Consolas" panose="020B0609020204030204" pitchFamily="49" charset="0"/>
-              </a:rPr>
-              <a:t>:</a:t>
-            </a:r>
-          </a:p>
-          <a:p>
-            <a:r>
-              <a:rPr lang="pt-BR" sz="1400" dirty="0">
-                <a:latin typeface="Consolas" panose="020B0609020204030204" pitchFamily="49" charset="0"/>
-                <a:cs typeface="Consolas" panose="020B0609020204030204" pitchFamily="49" charset="0"/>
-              </a:rPr>
-              <a:t>   </a:t>
-            </a:r>
-            <a:r>
-              <a:rPr lang="pt-BR" sz="1400" dirty="0" err="1">
+              </a:endParaRPr>
+            </a:p>
+          </p:txBody>
+        </p:sp>
+        <p:cxnSp>
+          <p:nvCxnSpPr>
+            <p:cNvPr id="7" name="Conector reto 6">
+              <a:extLst>
+                <a:ext uri="{FF2B5EF4-FFF2-40B4-BE49-F238E27FC236}">
+                  <a16:creationId xmlns:a16="http://schemas.microsoft.com/office/drawing/2014/main" id="{2D710746-F66E-4080-7687-9CAE0174C54D}"/>
+                </a:ext>
+              </a:extLst>
+            </p:cNvPr>
+            <p:cNvCxnSpPr>
+              <a:cxnSpLocks/>
+            </p:cNvCxnSpPr>
+            <p:nvPr/>
+          </p:nvCxnSpPr>
+          <p:spPr>
+            <a:xfrm>
+              <a:off x="4812865" y="3628421"/>
+              <a:ext cx="0" cy="1679559"/>
+            </a:xfrm>
+            <a:prstGeom prst="line">
+              <a:avLst/>
+            </a:prstGeom>
+            <a:ln w="12700">
+              <a:prstDash val="dash"/>
+            </a:ln>
+          </p:spPr>
+          <p:style>
+            <a:lnRef idx="1">
+              <a:schemeClr val="accent6"/>
+            </a:lnRef>
+            <a:fillRef idx="0">
+              <a:schemeClr val="accent6"/>
+            </a:fillRef>
+            <a:effectRef idx="0">
+              <a:schemeClr val="accent6"/>
+            </a:effectRef>
+            <a:fontRef idx="minor">
+              <a:schemeClr val="tx1"/>
+            </a:fontRef>
+          </p:style>
+        </p:cxnSp>
+        <p:cxnSp>
+          <p:nvCxnSpPr>
+            <p:cNvPr id="9" name="Conector reto 8">
+              <a:extLst>
+                <a:ext uri="{FF2B5EF4-FFF2-40B4-BE49-F238E27FC236}">
+                  <a16:creationId xmlns:a16="http://schemas.microsoft.com/office/drawing/2014/main" id="{E98B4E3B-301C-00D9-7EA4-ECD5E71210F2}"/>
+                </a:ext>
+              </a:extLst>
+            </p:cNvPr>
+            <p:cNvCxnSpPr>
+              <a:cxnSpLocks/>
+            </p:cNvCxnSpPr>
+            <p:nvPr/>
+          </p:nvCxnSpPr>
+          <p:spPr>
+            <a:xfrm>
+              <a:off x="8712072" y="3672250"/>
+              <a:ext cx="0" cy="1679559"/>
+            </a:xfrm>
+            <a:prstGeom prst="line">
+              <a:avLst/>
+            </a:prstGeom>
+            <a:ln w="12700">
+              <a:prstDash val="dash"/>
+            </a:ln>
+          </p:spPr>
+          <p:style>
+            <a:lnRef idx="1">
+              <a:schemeClr val="accent6"/>
+            </a:lnRef>
+            <a:fillRef idx="0">
+              <a:schemeClr val="accent6"/>
+            </a:fillRef>
+            <a:effectRef idx="0">
+              <a:schemeClr val="accent6"/>
+            </a:effectRef>
+            <a:fontRef idx="minor">
+              <a:schemeClr val="tx1"/>
+            </a:fontRef>
+          </p:style>
+        </p:cxnSp>
+        <p:pic>
+          <p:nvPicPr>
+            <p:cNvPr id="10" name="Gráfico 9" descr="Marca de seleção com preenchimento sólido">
+              <a:extLst>
+                <a:ext uri="{FF2B5EF4-FFF2-40B4-BE49-F238E27FC236}">
+                  <a16:creationId xmlns:a16="http://schemas.microsoft.com/office/drawing/2014/main" id="{2516688E-5248-2631-B8BC-55AFBEA1D613}"/>
+                </a:ext>
+              </a:extLst>
+            </p:cNvPr>
+            <p:cNvPicPr>
+              <a:picLocks noChangeAspect="1"/>
+            </p:cNvPicPr>
+            <p:nvPr/>
+          </p:nvPicPr>
+          <p:blipFill>
+            <a:blip r:embed="rId3" cstate="print">
+              <a:extLst>
+                <a:ext uri="{28A0092B-C50C-407E-A947-70E740481C1C}">
+                  <a14:useLocalDpi xmlns:a14="http://schemas.microsoft.com/office/drawing/2010/main" val="0"/>
+                </a:ext>
+                <a:ext uri="{96DAC541-7B7A-43D3-8B79-37D633B846F1}">
+                  <asvg:svgBlip xmlns:asvg="http://schemas.microsoft.com/office/drawing/2016/SVG/main" r:embed="rId4"/>
+                </a:ext>
+              </a:extLst>
+            </a:blip>
+            <a:stretch>
+              <a:fillRect/>
+            </a:stretch>
+          </p:blipFill>
+          <p:spPr>
+            <a:xfrm>
+              <a:off x="4297736" y="4345248"/>
+              <a:ext cx="166781" cy="166781"/>
+            </a:xfrm>
+            <a:prstGeom prst="rect">
+              <a:avLst/>
+            </a:prstGeom>
+          </p:spPr>
+        </p:pic>
+        <p:sp>
+          <p:nvSpPr>
+            <p:cNvPr id="12" name="CaixaDeTexto 11">
+              <a:extLst>
+                <a:ext uri="{FF2B5EF4-FFF2-40B4-BE49-F238E27FC236}">
+                  <a16:creationId xmlns:a16="http://schemas.microsoft.com/office/drawing/2014/main" id="{B74C318D-EEF6-0A99-2204-1C4357F4148B}"/>
+                </a:ext>
+              </a:extLst>
+            </p:cNvPr>
+            <p:cNvSpPr txBox="1"/>
+            <p:nvPr/>
+          </p:nvSpPr>
+          <p:spPr>
+            <a:xfrm>
+              <a:off x="9060421" y="3946717"/>
+              <a:ext cx="2322739" cy="923330"/>
+            </a:xfrm>
+            <a:prstGeom prst="rect">
+              <a:avLst/>
+            </a:prstGeom>
+            <a:noFill/>
+          </p:spPr>
+          <p:txBody>
+            <a:bodyPr wrap="square" rtlCol="0">
+              <a:spAutoFit/>
+            </a:bodyPr>
+            <a:lstStyle/>
+            <a:p>
+              <a:pPr algn="ctr"/>
+              <a:r>
+                <a:rPr lang="pt-BR" dirty="0"/>
+                <a:t>Membros </a:t>
+              </a:r>
+              <a:r>
+                <a:rPr lang="pt-BR" dirty="0">
+                  <a:solidFill>
+                    <a:schemeClr val="accent3"/>
+                  </a:solidFill>
+                </a:rPr>
+                <a:t>estáticos</a:t>
+              </a:r>
+              <a:r>
+                <a:rPr lang="pt-BR" dirty="0"/>
+                <a:t> não são armazenados nos objetos.</a:t>
+              </a:r>
+            </a:p>
+          </p:txBody>
+        </p:sp>
+        <p:pic>
+          <p:nvPicPr>
+            <p:cNvPr id="6" name="Gráfico 5" descr="Marca de seleção com preenchimento sólido">
+              <a:extLst>
+                <a:ext uri="{FF2B5EF4-FFF2-40B4-BE49-F238E27FC236}">
+                  <a16:creationId xmlns:a16="http://schemas.microsoft.com/office/drawing/2014/main" id="{B04E427E-5CB7-4B81-C3E5-49B0F13BFCBE}"/>
+                </a:ext>
+              </a:extLst>
+            </p:cNvPr>
+            <p:cNvPicPr>
+              <a:picLocks noChangeAspect="1"/>
+            </p:cNvPicPr>
+            <p:nvPr/>
+          </p:nvPicPr>
+          <p:blipFill>
+            <a:blip r:embed="rId3" cstate="print">
+              <a:extLst>
+                <a:ext uri="{28A0092B-C50C-407E-A947-70E740481C1C}">
+                  <a14:useLocalDpi xmlns:a14="http://schemas.microsoft.com/office/drawing/2010/main" val="0"/>
+                </a:ext>
+                <a:ext uri="{96DAC541-7B7A-43D3-8B79-37D633B846F1}">
+                  <asvg:svgBlip xmlns:asvg="http://schemas.microsoft.com/office/drawing/2016/SVG/main" r:embed="rId4"/>
+                </a:ext>
+              </a:extLst>
+            </a:blip>
+            <a:stretch>
+              <a:fillRect/>
+            </a:stretch>
+          </p:blipFill>
+          <p:spPr>
+            <a:xfrm>
+              <a:off x="8128243" y="4345248"/>
+              <a:ext cx="166781" cy="166781"/>
+            </a:xfrm>
+            <a:prstGeom prst="rect">
+              <a:avLst/>
+            </a:prstGeom>
+          </p:spPr>
+        </p:pic>
+        <p:sp>
+          <p:nvSpPr>
+            <p:cNvPr id="11" name="CaixaDeTexto 10">
+              <a:extLst>
+                <a:ext uri="{FF2B5EF4-FFF2-40B4-BE49-F238E27FC236}">
+                  <a16:creationId xmlns:a16="http://schemas.microsoft.com/office/drawing/2014/main" id="{1329E1DA-8D88-BBA6-88C0-BCC3F63D8D88}"/>
+                </a:ext>
+              </a:extLst>
+            </p:cNvPr>
+            <p:cNvSpPr txBox="1"/>
+            <p:nvPr/>
+          </p:nvSpPr>
+          <p:spPr>
+            <a:xfrm>
+              <a:off x="5093131" y="3628421"/>
+              <a:ext cx="3232370" cy="1600438"/>
+            </a:xfrm>
+            <a:prstGeom prst="rect">
+              <a:avLst/>
+            </a:prstGeom>
+            <a:noFill/>
+          </p:spPr>
+          <p:txBody>
+            <a:bodyPr wrap="square">
+              <a:spAutoFit/>
+            </a:bodyPr>
+            <a:lstStyle/>
+            <a:p>
+              <a:r>
+                <a:rPr lang="pt-BR" sz="1400" dirty="0">
+                  <a:solidFill>
+                    <a:schemeClr val="accent3">
+                      <a:lumMod val="75000"/>
+                    </a:schemeClr>
+                  </a:solidFill>
+                  <a:latin typeface="Consolas" panose="020B0609020204030204" pitchFamily="49" charset="0"/>
+                  <a:cs typeface="Consolas" panose="020B0609020204030204" pitchFamily="49" charset="0"/>
+                </a:rPr>
+                <a:t>class </a:t>
+              </a:r>
+              <a:r>
+                <a:rPr lang="pt-BR" sz="1400" dirty="0">
+                  <a:solidFill>
+                    <a:schemeClr val="accent3"/>
+                  </a:solidFill>
+                  <a:latin typeface="Consolas" panose="020B0609020204030204" pitchFamily="49" charset="0"/>
+                  <a:cs typeface="Consolas" panose="020B0609020204030204" pitchFamily="49" charset="0"/>
+                </a:rPr>
+                <a:t>Pilha</a:t>
+              </a:r>
+            </a:p>
+            <a:p>
+              <a:r>
+                <a:rPr lang="pt-BR" sz="1400" dirty="0">
+                  <a:latin typeface="Consolas" panose="020B0609020204030204" pitchFamily="49" charset="0"/>
+                  <a:cs typeface="Consolas" panose="020B0609020204030204" pitchFamily="49" charset="0"/>
+                </a:rPr>
+                <a:t>{</a:t>
+              </a:r>
+              <a:br>
+                <a:rPr lang="pt-BR" sz="1400" dirty="0">
+                  <a:latin typeface="Consolas" panose="020B0609020204030204" pitchFamily="49" charset="0"/>
+                  <a:cs typeface="Consolas" panose="020B0609020204030204" pitchFamily="49" charset="0"/>
+                </a:rPr>
+              </a:br>
+              <a:r>
+                <a:rPr lang="pt-BR" sz="1400" dirty="0">
+                  <a:solidFill>
+                    <a:schemeClr val="accent3">
+                      <a:lumMod val="75000"/>
+                    </a:schemeClr>
+                  </a:solidFill>
+                  <a:latin typeface="Consolas" panose="020B0609020204030204" pitchFamily="49" charset="0"/>
+                  <a:cs typeface="Consolas" panose="020B0609020204030204" pitchFamily="49" charset="0"/>
+                </a:rPr>
+                <a:t>private</a:t>
+              </a:r>
+              <a:r>
+                <a:rPr lang="pt-BR" sz="1400" dirty="0">
+                  <a:latin typeface="Consolas" panose="020B0609020204030204" pitchFamily="49" charset="0"/>
+                  <a:cs typeface="Consolas" panose="020B0609020204030204" pitchFamily="49" charset="0"/>
+                </a:rPr>
+                <a:t>:</a:t>
+              </a:r>
+            </a:p>
+            <a:p>
+              <a:r>
+                <a:rPr lang="pt-BR" sz="1400" dirty="0">
+                  <a:latin typeface="Consolas" panose="020B0609020204030204" pitchFamily="49" charset="0"/>
+                  <a:cs typeface="Consolas" panose="020B0609020204030204" pitchFamily="49" charset="0"/>
+                </a:rPr>
+                <a:t>   </a:t>
+              </a:r>
+              <a:r>
+                <a:rPr lang="pt-BR" sz="1400" dirty="0" err="1">
+                  <a:solidFill>
+                    <a:schemeClr val="accent3">
+                      <a:lumMod val="75000"/>
+                    </a:schemeClr>
+                  </a:solidFill>
+                  <a:latin typeface="Consolas" panose="020B0609020204030204" pitchFamily="49" charset="0"/>
+                  <a:cs typeface="Consolas" panose="020B0609020204030204" pitchFamily="49" charset="0"/>
+                </a:rPr>
+                <a:t>static</a:t>
+              </a:r>
+              <a:r>
+                <a:rPr lang="pt-BR" sz="1400" dirty="0">
+                  <a:solidFill>
+                    <a:schemeClr val="accent3">
+                      <a:lumMod val="75000"/>
+                    </a:schemeClr>
+                  </a:solidFill>
+                  <a:latin typeface="Consolas" panose="020B0609020204030204" pitchFamily="49" charset="0"/>
+                  <a:cs typeface="Consolas" panose="020B0609020204030204" pitchFamily="49" charset="0"/>
+                </a:rPr>
+                <a:t> </a:t>
+              </a:r>
+              <a:r>
+                <a:rPr lang="pt-BR" sz="1400" dirty="0" err="1">
+                  <a:solidFill>
+                    <a:schemeClr val="accent3">
+                      <a:lumMod val="75000"/>
+                    </a:schemeClr>
+                  </a:solidFill>
+                  <a:latin typeface="Consolas" panose="020B0609020204030204" pitchFamily="49" charset="0"/>
+                  <a:cs typeface="Consolas" panose="020B0609020204030204" pitchFamily="49" charset="0"/>
+                </a:rPr>
+                <a:t>const</a:t>
+              </a:r>
+              <a:r>
+                <a:rPr lang="pt-BR" sz="1400" dirty="0">
+                  <a:solidFill>
+                    <a:schemeClr val="accent3">
+                      <a:lumMod val="75000"/>
+                    </a:schemeClr>
+                  </a:solidFill>
+                  <a:latin typeface="Consolas" panose="020B0609020204030204" pitchFamily="49" charset="0"/>
+                  <a:cs typeface="Consolas" panose="020B0609020204030204" pitchFamily="49" charset="0"/>
+                </a:rPr>
+                <a:t> </a:t>
+              </a:r>
+              <a:r>
+                <a:rPr lang="pt-BR" sz="1400" dirty="0" err="1">
+                  <a:solidFill>
+                    <a:schemeClr val="accent3">
+                      <a:lumMod val="75000"/>
+                    </a:schemeClr>
+                  </a:solidFill>
+                  <a:latin typeface="Consolas" panose="020B0609020204030204" pitchFamily="49" charset="0"/>
+                  <a:cs typeface="Consolas" panose="020B0609020204030204" pitchFamily="49" charset="0"/>
+                </a:rPr>
+                <a:t>int</a:t>
+              </a:r>
+              <a:r>
+                <a:rPr lang="pt-BR" sz="1400" dirty="0">
+                  <a:latin typeface="Consolas" panose="020B0609020204030204" pitchFamily="49" charset="0"/>
+                  <a:cs typeface="Consolas" panose="020B0609020204030204" pitchFamily="49" charset="0"/>
+                </a:rPr>
+                <a:t> </a:t>
+              </a:r>
+              <a:r>
+                <a:rPr lang="pt-BR" sz="1400" dirty="0">
+                  <a:solidFill>
+                    <a:schemeClr val="accent3">
+                      <a:lumMod val="60000"/>
+                      <a:lumOff val="40000"/>
+                    </a:schemeClr>
+                  </a:solidFill>
+                  <a:latin typeface="Consolas" panose="020B0609020204030204" pitchFamily="49" charset="0"/>
+                  <a:cs typeface="Consolas" panose="020B0609020204030204" pitchFamily="49" charset="0"/>
+                </a:rPr>
+                <a:t>Max</a:t>
+              </a:r>
+              <a:r>
+                <a:rPr lang="pt-BR" sz="1400" dirty="0">
+                  <a:latin typeface="Consolas" panose="020B0609020204030204" pitchFamily="49" charset="0"/>
+                  <a:cs typeface="Consolas" panose="020B0609020204030204" pitchFamily="49" charset="0"/>
+                </a:rPr>
+                <a:t> = </a:t>
+              </a:r>
+              <a:r>
+                <a:rPr lang="pt-BR" sz="1400" dirty="0">
+                  <a:solidFill>
+                    <a:schemeClr val="accent3">
+                      <a:lumMod val="60000"/>
+                      <a:lumOff val="40000"/>
+                    </a:schemeClr>
+                  </a:solidFill>
+                  <a:latin typeface="Consolas" panose="020B0609020204030204" pitchFamily="49" charset="0"/>
+                  <a:cs typeface="Consolas" panose="020B0609020204030204" pitchFamily="49" charset="0"/>
+                </a:rPr>
+                <a:t>10</a:t>
+              </a:r>
+              <a:r>
+                <a:rPr lang="pt-BR" sz="1400" dirty="0">
+                  <a:latin typeface="Consolas" panose="020B0609020204030204" pitchFamily="49" charset="0"/>
+                  <a:cs typeface="Consolas" panose="020B0609020204030204" pitchFamily="49" charset="0"/>
+                </a:rPr>
+                <a:t>;     </a:t>
+              </a:r>
+            </a:p>
+            <a:p>
+              <a:r>
+                <a:rPr lang="pt-BR" sz="1400" dirty="0">
+                  <a:solidFill>
+                    <a:schemeClr val="accent3"/>
+                  </a:solidFill>
+                  <a:latin typeface="Consolas" panose="020B0609020204030204" pitchFamily="49" charset="0"/>
+                  <a:cs typeface="Consolas" panose="020B0609020204030204" pitchFamily="49" charset="0"/>
+                </a:rPr>
+                <a:t>   Item</a:t>
+              </a:r>
+              <a:r>
+                <a:rPr lang="pt-BR" sz="1400" dirty="0">
+                  <a:latin typeface="Consolas" panose="020B0609020204030204" pitchFamily="49" charset="0"/>
+                  <a:cs typeface="Consolas" panose="020B0609020204030204" pitchFamily="49" charset="0"/>
+                </a:rPr>
+                <a:t> itens[</a:t>
+              </a:r>
+              <a:r>
+                <a:rPr lang="pt-BR" sz="1400" dirty="0">
+                  <a:solidFill>
+                    <a:schemeClr val="accent3">
+                      <a:lumMod val="60000"/>
+                      <a:lumOff val="40000"/>
+                    </a:schemeClr>
+                  </a:solidFill>
+                  <a:latin typeface="Consolas" panose="020B0609020204030204" pitchFamily="49" charset="0"/>
+                  <a:cs typeface="Consolas" panose="020B0609020204030204" pitchFamily="49" charset="0"/>
+                </a:rPr>
+                <a:t>Max</a:t>
+              </a:r>
+              <a:r>
+                <a:rPr lang="pt-BR" sz="1400" dirty="0">
+                  <a:latin typeface="Consolas" panose="020B0609020204030204" pitchFamily="49" charset="0"/>
+                  <a:cs typeface="Consolas" panose="020B0609020204030204" pitchFamily="49" charset="0"/>
+                </a:rPr>
+                <a:t>];    </a:t>
+              </a:r>
+              <a:endParaRPr lang="pt-BR" sz="1400" dirty="0">
                 <a:solidFill>
-                  <a:schemeClr val="accent3">
-                    <a:lumMod val="75000"/>
+                  <a:schemeClr val="bg1">
+                    <a:lumMod val="50000"/>
+                    <a:lumOff val="50000"/>
                   </a:schemeClr>
                 </a:solidFill>
                 <a:latin typeface="Consolas" panose="020B0609020204030204" pitchFamily="49" charset="0"/>
                 <a:cs typeface="Consolas" panose="020B0609020204030204" pitchFamily="49" charset="0"/>
-              </a:rPr>
-              <a:t>enum</a:t>
-            </a:r>
-            <a:r>
-              <a:rPr lang="pt-BR" sz="1400" dirty="0">
-                <a:latin typeface="Consolas" panose="020B0609020204030204" pitchFamily="49" charset="0"/>
-                <a:cs typeface="Consolas" panose="020B0609020204030204" pitchFamily="49" charset="0"/>
-              </a:rPr>
-              <a:t> { </a:t>
-            </a:r>
-            <a:r>
-              <a:rPr lang="pt-BR" sz="1400" dirty="0">
+              </a:endParaRPr>
+            </a:p>
+            <a:p>
+              <a:r>
+                <a:rPr lang="pt-BR" sz="1400" dirty="0">
+                  <a:latin typeface="Consolas" panose="020B0609020204030204" pitchFamily="49" charset="0"/>
+                  <a:cs typeface="Consolas" panose="020B0609020204030204" pitchFamily="49" charset="0"/>
+                </a:rPr>
+                <a:t>   </a:t>
+              </a:r>
+              <a:r>
+                <a:rPr lang="pt-BR" sz="1400" dirty="0">
+                  <a:solidFill>
+                    <a:schemeClr val="accent6">
+                      <a:lumMod val="60000"/>
+                      <a:lumOff val="40000"/>
+                    </a:schemeClr>
+                  </a:solidFill>
+                  <a:latin typeface="Consolas" panose="020B0609020204030204" pitchFamily="49" charset="0"/>
+                  <a:cs typeface="Consolas" panose="020B0609020204030204" pitchFamily="49" charset="0"/>
+                </a:rPr>
+                <a:t>...</a:t>
+              </a:r>
+              <a:br>
+                <a:rPr lang="pt-BR" sz="1400" dirty="0">
+                  <a:latin typeface="Consolas" panose="020B0609020204030204" pitchFamily="49" charset="0"/>
+                  <a:cs typeface="Consolas" panose="020B0609020204030204" pitchFamily="49" charset="0"/>
+                </a:rPr>
+              </a:br>
+              <a:r>
+                <a:rPr lang="pt-BR" sz="1400" dirty="0">
+                  <a:latin typeface="Consolas" panose="020B0609020204030204" pitchFamily="49" charset="0"/>
+                  <a:cs typeface="Consolas" panose="020B0609020204030204" pitchFamily="49" charset="0"/>
+                </a:rPr>
+                <a:t>};</a:t>
+              </a:r>
+              <a:endParaRPr lang="pt-BR" sz="1400" dirty="0">
                 <a:solidFill>
-                  <a:schemeClr val="accent3">
-                    <a:lumMod val="60000"/>
-                    <a:lumOff val="40000"/>
+                  <a:schemeClr val="bg1">
+                    <a:lumMod val="75000"/>
+                    <a:lumOff val="25000"/>
                   </a:schemeClr>
                 </a:solidFill>
                 <a:latin typeface="Consolas" panose="020B0609020204030204" pitchFamily="49" charset="0"/>
                 <a:cs typeface="Consolas" panose="020B0609020204030204" pitchFamily="49" charset="0"/>
-              </a:rPr>
-              <a:t>MAX</a:t>
-            </a:r>
-            <a:r>
-              <a:rPr lang="pt-BR" sz="1400" dirty="0">
-                <a:latin typeface="Consolas" panose="020B0609020204030204" pitchFamily="49" charset="0"/>
-                <a:cs typeface="Consolas" panose="020B0609020204030204" pitchFamily="49" charset="0"/>
-              </a:rPr>
-              <a:t> = </a:t>
-            </a:r>
-            <a:r>
-              <a:rPr lang="pt-BR" sz="1400" dirty="0">
-                <a:solidFill>
-                  <a:schemeClr val="accent3">
-                    <a:lumMod val="60000"/>
-                    <a:lumOff val="40000"/>
-                  </a:schemeClr>
-                </a:solidFill>
-                <a:latin typeface="Consolas" panose="020B0609020204030204" pitchFamily="49" charset="0"/>
-                <a:cs typeface="Consolas" panose="020B0609020204030204" pitchFamily="49" charset="0"/>
-              </a:rPr>
-              <a:t>10 </a:t>
-            </a:r>
-            <a:r>
-              <a:rPr lang="pt-BR" sz="1400" dirty="0">
-                <a:latin typeface="Consolas" panose="020B0609020204030204" pitchFamily="49" charset="0"/>
-                <a:cs typeface="Consolas" panose="020B0609020204030204" pitchFamily="49" charset="0"/>
-              </a:rPr>
-              <a:t>};   </a:t>
-            </a:r>
-          </a:p>
-          <a:p>
-            <a:r>
-              <a:rPr lang="pt-BR" sz="1400" dirty="0">
-                <a:solidFill>
-                  <a:schemeClr val="accent3"/>
-                </a:solidFill>
-                <a:latin typeface="Consolas" panose="020B0609020204030204" pitchFamily="49" charset="0"/>
-                <a:cs typeface="Consolas" panose="020B0609020204030204" pitchFamily="49" charset="0"/>
-              </a:rPr>
-              <a:t>   Item</a:t>
-            </a:r>
-            <a:r>
-              <a:rPr lang="pt-BR" sz="1400" dirty="0">
-                <a:latin typeface="Consolas" panose="020B0609020204030204" pitchFamily="49" charset="0"/>
-                <a:cs typeface="Consolas" panose="020B0609020204030204" pitchFamily="49" charset="0"/>
-              </a:rPr>
-              <a:t> itens[</a:t>
-            </a:r>
-            <a:r>
-              <a:rPr lang="pt-BR" sz="1400" dirty="0">
-                <a:solidFill>
-                  <a:schemeClr val="accent3">
-                    <a:lumMod val="60000"/>
-                    <a:lumOff val="40000"/>
-                  </a:schemeClr>
-                </a:solidFill>
-                <a:latin typeface="Consolas" panose="020B0609020204030204" pitchFamily="49" charset="0"/>
-                <a:cs typeface="Consolas" panose="020B0609020204030204" pitchFamily="49" charset="0"/>
-              </a:rPr>
-              <a:t>MAX</a:t>
-            </a:r>
-            <a:r>
-              <a:rPr lang="pt-BR" sz="1400" dirty="0">
-                <a:latin typeface="Consolas" panose="020B0609020204030204" pitchFamily="49" charset="0"/>
-                <a:cs typeface="Consolas" panose="020B0609020204030204" pitchFamily="49" charset="0"/>
-              </a:rPr>
-              <a:t>];   </a:t>
-            </a:r>
-            <a:endParaRPr lang="pt-BR" sz="1400" dirty="0">
-              <a:solidFill>
-                <a:schemeClr val="bg1">
-                  <a:lumMod val="50000"/>
-                  <a:lumOff val="50000"/>
-                </a:schemeClr>
-              </a:solidFill>
-              <a:latin typeface="Consolas" panose="020B0609020204030204" pitchFamily="49" charset="0"/>
-              <a:cs typeface="Consolas" panose="020B0609020204030204" pitchFamily="49" charset="0"/>
-            </a:endParaRPr>
-          </a:p>
-          <a:p>
-            <a:r>
-              <a:rPr lang="pt-BR" sz="1400" dirty="0">
-                <a:latin typeface="Consolas" panose="020B0609020204030204" pitchFamily="49" charset="0"/>
-                <a:cs typeface="Consolas" panose="020B0609020204030204" pitchFamily="49" charset="0"/>
-              </a:rPr>
-              <a:t>   </a:t>
-            </a:r>
-            <a:r>
-              <a:rPr lang="pt-BR" sz="1400" dirty="0">
-                <a:solidFill>
-                  <a:schemeClr val="accent6">
-                    <a:lumMod val="60000"/>
-                    <a:lumOff val="40000"/>
-                  </a:schemeClr>
-                </a:solidFill>
-                <a:latin typeface="Consolas" panose="020B0609020204030204" pitchFamily="49" charset="0"/>
-                <a:cs typeface="Consolas" panose="020B0609020204030204" pitchFamily="49" charset="0"/>
-              </a:rPr>
-              <a:t>...</a:t>
-            </a:r>
-            <a:br>
-              <a:rPr lang="pt-BR" sz="1400" dirty="0">
-                <a:latin typeface="Consolas" panose="020B0609020204030204" pitchFamily="49" charset="0"/>
-                <a:cs typeface="Consolas" panose="020B0609020204030204" pitchFamily="49" charset="0"/>
-              </a:rPr>
-            </a:br>
-            <a:r>
-              <a:rPr lang="pt-BR" sz="1400" dirty="0">
-                <a:latin typeface="Consolas" panose="020B0609020204030204" pitchFamily="49" charset="0"/>
-                <a:cs typeface="Consolas" panose="020B0609020204030204" pitchFamily="49" charset="0"/>
-              </a:rPr>
-              <a:t>};</a:t>
-            </a:r>
-            <a:endParaRPr lang="pt-BR" sz="1400" dirty="0">
-              <a:solidFill>
-                <a:schemeClr val="bg1">
-                  <a:lumMod val="75000"/>
-                  <a:lumOff val="25000"/>
-                </a:schemeClr>
-              </a:solidFill>
-              <a:latin typeface="Consolas" panose="020B0609020204030204" pitchFamily="49" charset="0"/>
-              <a:cs typeface="Consolas" panose="020B0609020204030204" pitchFamily="49" charset="0"/>
-            </a:endParaRPr>
-          </a:p>
-        </p:txBody>
-      </p:sp>
-      <p:cxnSp>
-        <p:nvCxnSpPr>
-          <p:cNvPr id="7" name="Conector reto 6">
-            <a:extLst>
-              <a:ext uri="{FF2B5EF4-FFF2-40B4-BE49-F238E27FC236}">
-                <a16:creationId xmlns:a16="http://schemas.microsoft.com/office/drawing/2014/main" id="{2D710746-F66E-4080-7687-9CAE0174C54D}"/>
-              </a:ext>
-            </a:extLst>
-          </p:cNvPr>
-          <p:cNvCxnSpPr>
-            <a:cxnSpLocks/>
-          </p:cNvCxnSpPr>
-          <p:nvPr/>
-        </p:nvCxnSpPr>
-        <p:spPr>
-          <a:xfrm>
-            <a:off x="4812865" y="3628421"/>
-            <a:ext cx="0" cy="1679559"/>
-          </a:xfrm>
-          <a:prstGeom prst="line">
-            <a:avLst/>
-          </a:prstGeom>
-          <a:ln w="12700">
-            <a:prstDash val="dash"/>
-          </a:ln>
-        </p:spPr>
-        <p:style>
-          <a:lnRef idx="1">
-            <a:schemeClr val="accent6"/>
-          </a:lnRef>
-          <a:fillRef idx="0">
-            <a:schemeClr val="accent6"/>
-          </a:fillRef>
-          <a:effectRef idx="0">
-            <a:schemeClr val="accent6"/>
-          </a:effectRef>
-          <a:fontRef idx="minor">
-            <a:schemeClr val="tx1"/>
-          </a:fontRef>
-        </p:style>
-      </p:cxnSp>
-      <p:cxnSp>
-        <p:nvCxnSpPr>
-          <p:cNvPr id="9" name="Conector reto 8">
-            <a:extLst>
-              <a:ext uri="{FF2B5EF4-FFF2-40B4-BE49-F238E27FC236}">
-                <a16:creationId xmlns:a16="http://schemas.microsoft.com/office/drawing/2014/main" id="{E98B4E3B-301C-00D9-7EA4-ECD5E71210F2}"/>
-              </a:ext>
-            </a:extLst>
-          </p:cNvPr>
-          <p:cNvCxnSpPr>
-            <a:cxnSpLocks/>
-          </p:cNvCxnSpPr>
-          <p:nvPr/>
-        </p:nvCxnSpPr>
-        <p:spPr>
-          <a:xfrm>
-            <a:off x="8712072" y="3672250"/>
-            <a:ext cx="0" cy="1679559"/>
-          </a:xfrm>
-          <a:prstGeom prst="line">
-            <a:avLst/>
-          </a:prstGeom>
-          <a:ln w="12700">
-            <a:prstDash val="dash"/>
-          </a:ln>
-        </p:spPr>
-        <p:style>
-          <a:lnRef idx="1">
-            <a:schemeClr val="accent6"/>
-          </a:lnRef>
-          <a:fillRef idx="0">
-            <a:schemeClr val="accent6"/>
-          </a:fillRef>
-          <a:effectRef idx="0">
-            <a:schemeClr val="accent6"/>
-          </a:effectRef>
-          <a:fontRef idx="minor">
-            <a:schemeClr val="tx1"/>
-          </a:fontRef>
-        </p:style>
-      </p:cxnSp>
-      <p:pic>
-        <p:nvPicPr>
-          <p:cNvPr id="10" name="Gráfico 9" descr="Marca de seleção com preenchimento sólido">
-            <a:extLst>
-              <a:ext uri="{FF2B5EF4-FFF2-40B4-BE49-F238E27FC236}">
-                <a16:creationId xmlns:a16="http://schemas.microsoft.com/office/drawing/2014/main" id="{2516688E-5248-2631-B8BC-55AFBEA1D613}"/>
-              </a:ext>
-            </a:extLst>
-          </p:cNvPr>
-          <p:cNvPicPr>
-            <a:picLocks noChangeAspect="1"/>
-          </p:cNvPicPr>
-          <p:nvPr/>
-        </p:nvPicPr>
-        <p:blipFill>
-          <a:blip r:embed="rId3" cstate="print">
-            <a:extLst>
-              <a:ext uri="{28A0092B-C50C-407E-A947-70E740481C1C}">
-                <a14:useLocalDpi xmlns:a14="http://schemas.microsoft.com/office/drawing/2010/main" val="0"/>
-              </a:ext>
-              <a:ext uri="{96DAC541-7B7A-43D3-8B79-37D633B846F1}">
-                <asvg:svgBlip xmlns:asvg="http://schemas.microsoft.com/office/drawing/2016/SVG/main" r:embed="rId4"/>
-              </a:ext>
-            </a:extLst>
-          </a:blip>
-          <a:stretch>
-            <a:fillRect/>
-          </a:stretch>
-        </p:blipFill>
-        <p:spPr>
-          <a:xfrm>
-            <a:off x="4297736" y="4345248"/>
-            <a:ext cx="166781" cy="166781"/>
-          </a:xfrm>
-          <a:prstGeom prst="rect">
-            <a:avLst/>
-          </a:prstGeom>
-        </p:spPr>
-      </p:pic>
-      <p:sp>
-        <p:nvSpPr>
-          <p:cNvPr id="12" name="CaixaDeTexto 11">
-            <a:extLst>
-              <a:ext uri="{FF2B5EF4-FFF2-40B4-BE49-F238E27FC236}">
-                <a16:creationId xmlns:a16="http://schemas.microsoft.com/office/drawing/2014/main" id="{B74C318D-EEF6-0A99-2204-1C4357F4148B}"/>
-              </a:ext>
-            </a:extLst>
-          </p:cNvPr>
-          <p:cNvSpPr txBox="1"/>
-          <p:nvPr/>
-        </p:nvSpPr>
-        <p:spPr>
-          <a:xfrm>
-            <a:off x="9060421" y="3946717"/>
-            <a:ext cx="2322739" cy="923330"/>
-          </a:xfrm>
-          <a:prstGeom prst="rect">
-            <a:avLst/>
-          </a:prstGeom>
-          <a:noFill/>
-        </p:spPr>
-        <p:txBody>
-          <a:bodyPr wrap="square" rtlCol="0">
-            <a:spAutoFit/>
-          </a:bodyPr>
-          <a:lstStyle/>
-          <a:p>
-            <a:pPr algn="ctr"/>
-            <a:r>
-              <a:rPr lang="pt-BR" dirty="0"/>
-              <a:t>Membros </a:t>
-            </a:r>
-            <a:r>
-              <a:rPr lang="pt-BR" dirty="0">
-                <a:solidFill>
-                  <a:schemeClr val="accent3"/>
-                </a:solidFill>
-              </a:rPr>
-              <a:t>estáticos</a:t>
-            </a:r>
-            <a:r>
-              <a:rPr lang="pt-BR" dirty="0"/>
-              <a:t> não são armazenados nos objetos.</a:t>
-            </a:r>
-          </a:p>
-        </p:txBody>
-      </p:sp>
-      <p:pic>
-        <p:nvPicPr>
-          <p:cNvPr id="6" name="Gráfico 5" descr="Marca de seleção com preenchimento sólido">
-            <a:extLst>
-              <a:ext uri="{FF2B5EF4-FFF2-40B4-BE49-F238E27FC236}">
-                <a16:creationId xmlns:a16="http://schemas.microsoft.com/office/drawing/2014/main" id="{B04E427E-5CB7-4B81-C3E5-49B0F13BFCBE}"/>
-              </a:ext>
-            </a:extLst>
-          </p:cNvPr>
-          <p:cNvPicPr>
-            <a:picLocks noChangeAspect="1"/>
-          </p:cNvPicPr>
-          <p:nvPr/>
-        </p:nvPicPr>
-        <p:blipFill>
-          <a:blip r:embed="rId3" cstate="print">
-            <a:extLst>
-              <a:ext uri="{28A0092B-C50C-407E-A947-70E740481C1C}">
-                <a14:useLocalDpi xmlns:a14="http://schemas.microsoft.com/office/drawing/2010/main" val="0"/>
-              </a:ext>
-              <a:ext uri="{96DAC541-7B7A-43D3-8B79-37D633B846F1}">
-                <asvg:svgBlip xmlns:asvg="http://schemas.microsoft.com/office/drawing/2016/SVG/main" r:embed="rId4"/>
-              </a:ext>
-            </a:extLst>
-          </a:blip>
-          <a:stretch>
-            <a:fillRect/>
-          </a:stretch>
-        </p:blipFill>
-        <p:spPr>
-          <a:xfrm>
-            <a:off x="8128243" y="4345248"/>
-            <a:ext cx="166781" cy="166781"/>
-          </a:xfrm>
-          <a:prstGeom prst="rect">
-            <a:avLst/>
-          </a:prstGeom>
-        </p:spPr>
-      </p:pic>
-      <p:sp>
-        <p:nvSpPr>
-          <p:cNvPr id="11" name="CaixaDeTexto 10">
-            <a:extLst>
-              <a:ext uri="{FF2B5EF4-FFF2-40B4-BE49-F238E27FC236}">
-                <a16:creationId xmlns:a16="http://schemas.microsoft.com/office/drawing/2014/main" id="{1329E1DA-8D88-BBA6-88C0-BCC3F63D8D88}"/>
-              </a:ext>
-            </a:extLst>
-          </p:cNvPr>
-          <p:cNvSpPr txBox="1"/>
-          <p:nvPr/>
-        </p:nvSpPr>
-        <p:spPr>
-          <a:xfrm>
-            <a:off x="5093131" y="3628421"/>
-            <a:ext cx="3232370" cy="1600438"/>
-          </a:xfrm>
-          <a:prstGeom prst="rect">
-            <a:avLst/>
-          </a:prstGeom>
-          <a:noFill/>
-        </p:spPr>
-        <p:txBody>
-          <a:bodyPr wrap="square">
-            <a:spAutoFit/>
-          </a:bodyPr>
-          <a:lstStyle/>
-          <a:p>
-            <a:r>
-              <a:rPr lang="pt-BR" sz="1400" dirty="0">
-                <a:solidFill>
-                  <a:schemeClr val="accent3">
-                    <a:lumMod val="75000"/>
-                  </a:schemeClr>
-                </a:solidFill>
-                <a:latin typeface="Consolas" panose="020B0609020204030204" pitchFamily="49" charset="0"/>
-                <a:cs typeface="Consolas" panose="020B0609020204030204" pitchFamily="49" charset="0"/>
-              </a:rPr>
-              <a:t>class </a:t>
-            </a:r>
-            <a:r>
-              <a:rPr lang="pt-BR" sz="1400" dirty="0">
-                <a:solidFill>
-                  <a:schemeClr val="accent3"/>
-                </a:solidFill>
-                <a:latin typeface="Consolas" panose="020B0609020204030204" pitchFamily="49" charset="0"/>
-                <a:cs typeface="Consolas" panose="020B0609020204030204" pitchFamily="49" charset="0"/>
-              </a:rPr>
-              <a:t>Pilha</a:t>
-            </a:r>
-          </a:p>
-          <a:p>
-            <a:r>
-              <a:rPr lang="pt-BR" sz="1400" dirty="0">
-                <a:latin typeface="Consolas" panose="020B0609020204030204" pitchFamily="49" charset="0"/>
-                <a:cs typeface="Consolas" panose="020B0609020204030204" pitchFamily="49" charset="0"/>
-              </a:rPr>
-              <a:t>{</a:t>
-            </a:r>
-            <a:br>
-              <a:rPr lang="pt-BR" sz="1400" dirty="0">
-                <a:latin typeface="Consolas" panose="020B0609020204030204" pitchFamily="49" charset="0"/>
-                <a:cs typeface="Consolas" panose="020B0609020204030204" pitchFamily="49" charset="0"/>
-              </a:rPr>
-            </a:br>
-            <a:r>
-              <a:rPr lang="pt-BR" sz="1400" dirty="0">
-                <a:solidFill>
-                  <a:schemeClr val="accent3">
-                    <a:lumMod val="75000"/>
-                  </a:schemeClr>
-                </a:solidFill>
-                <a:latin typeface="Consolas" panose="020B0609020204030204" pitchFamily="49" charset="0"/>
-                <a:cs typeface="Consolas" panose="020B0609020204030204" pitchFamily="49" charset="0"/>
-              </a:rPr>
-              <a:t>private</a:t>
-            </a:r>
-            <a:r>
-              <a:rPr lang="pt-BR" sz="1400" dirty="0">
-                <a:latin typeface="Consolas" panose="020B0609020204030204" pitchFamily="49" charset="0"/>
-                <a:cs typeface="Consolas" panose="020B0609020204030204" pitchFamily="49" charset="0"/>
-              </a:rPr>
-              <a:t>:</a:t>
-            </a:r>
-          </a:p>
-          <a:p>
-            <a:r>
-              <a:rPr lang="pt-BR" sz="1400" dirty="0">
-                <a:latin typeface="Consolas" panose="020B0609020204030204" pitchFamily="49" charset="0"/>
-                <a:cs typeface="Consolas" panose="020B0609020204030204" pitchFamily="49" charset="0"/>
-              </a:rPr>
-              <a:t>   </a:t>
-            </a:r>
-            <a:r>
-              <a:rPr lang="pt-BR" sz="1400" dirty="0" err="1">
-                <a:solidFill>
-                  <a:schemeClr val="accent3">
-                    <a:lumMod val="75000"/>
-                  </a:schemeClr>
-                </a:solidFill>
-                <a:latin typeface="Consolas" panose="020B0609020204030204" pitchFamily="49" charset="0"/>
-                <a:cs typeface="Consolas" panose="020B0609020204030204" pitchFamily="49" charset="0"/>
-              </a:rPr>
-              <a:t>static</a:t>
-            </a:r>
-            <a:r>
-              <a:rPr lang="pt-BR" sz="1400" dirty="0">
-                <a:solidFill>
-                  <a:schemeClr val="accent3">
-                    <a:lumMod val="75000"/>
-                  </a:schemeClr>
-                </a:solidFill>
-                <a:latin typeface="Consolas" panose="020B0609020204030204" pitchFamily="49" charset="0"/>
-                <a:cs typeface="Consolas" panose="020B0609020204030204" pitchFamily="49" charset="0"/>
-              </a:rPr>
-              <a:t> </a:t>
-            </a:r>
-            <a:r>
-              <a:rPr lang="pt-BR" sz="1400" dirty="0" err="1">
-                <a:solidFill>
-                  <a:schemeClr val="accent3">
-                    <a:lumMod val="75000"/>
-                  </a:schemeClr>
-                </a:solidFill>
-                <a:latin typeface="Consolas" panose="020B0609020204030204" pitchFamily="49" charset="0"/>
-                <a:cs typeface="Consolas" panose="020B0609020204030204" pitchFamily="49" charset="0"/>
-              </a:rPr>
-              <a:t>const</a:t>
-            </a:r>
-            <a:r>
-              <a:rPr lang="pt-BR" sz="1400" dirty="0">
-                <a:solidFill>
-                  <a:schemeClr val="accent3">
-                    <a:lumMod val="75000"/>
-                  </a:schemeClr>
-                </a:solidFill>
-                <a:latin typeface="Consolas" panose="020B0609020204030204" pitchFamily="49" charset="0"/>
-                <a:cs typeface="Consolas" panose="020B0609020204030204" pitchFamily="49" charset="0"/>
-              </a:rPr>
-              <a:t> </a:t>
-            </a:r>
-            <a:r>
-              <a:rPr lang="pt-BR" sz="1400" dirty="0" err="1">
-                <a:solidFill>
-                  <a:schemeClr val="accent3">
-                    <a:lumMod val="75000"/>
-                  </a:schemeClr>
-                </a:solidFill>
-                <a:latin typeface="Consolas" panose="020B0609020204030204" pitchFamily="49" charset="0"/>
-                <a:cs typeface="Consolas" panose="020B0609020204030204" pitchFamily="49" charset="0"/>
-              </a:rPr>
-              <a:t>int</a:t>
-            </a:r>
-            <a:r>
-              <a:rPr lang="pt-BR" sz="1400" dirty="0">
-                <a:latin typeface="Consolas" panose="020B0609020204030204" pitchFamily="49" charset="0"/>
-                <a:cs typeface="Consolas" panose="020B0609020204030204" pitchFamily="49" charset="0"/>
-              </a:rPr>
-              <a:t> </a:t>
-            </a:r>
-            <a:r>
-              <a:rPr lang="pt-BR" sz="1400" dirty="0">
-                <a:solidFill>
-                  <a:schemeClr val="accent3">
-                    <a:lumMod val="60000"/>
-                    <a:lumOff val="40000"/>
-                  </a:schemeClr>
-                </a:solidFill>
-                <a:latin typeface="Consolas" panose="020B0609020204030204" pitchFamily="49" charset="0"/>
-                <a:cs typeface="Consolas" panose="020B0609020204030204" pitchFamily="49" charset="0"/>
-              </a:rPr>
-              <a:t>Max</a:t>
-            </a:r>
-            <a:r>
-              <a:rPr lang="pt-BR" sz="1400" dirty="0">
-                <a:latin typeface="Consolas" panose="020B0609020204030204" pitchFamily="49" charset="0"/>
-                <a:cs typeface="Consolas" panose="020B0609020204030204" pitchFamily="49" charset="0"/>
-              </a:rPr>
-              <a:t> = </a:t>
-            </a:r>
-            <a:r>
-              <a:rPr lang="pt-BR" sz="1400" dirty="0">
-                <a:solidFill>
-                  <a:schemeClr val="accent3">
-                    <a:lumMod val="60000"/>
-                    <a:lumOff val="40000"/>
-                  </a:schemeClr>
-                </a:solidFill>
-                <a:latin typeface="Consolas" panose="020B0609020204030204" pitchFamily="49" charset="0"/>
-                <a:cs typeface="Consolas" panose="020B0609020204030204" pitchFamily="49" charset="0"/>
-              </a:rPr>
-              <a:t>10</a:t>
-            </a:r>
-            <a:r>
-              <a:rPr lang="pt-BR" sz="1400" dirty="0">
-                <a:latin typeface="Consolas" panose="020B0609020204030204" pitchFamily="49" charset="0"/>
-                <a:cs typeface="Consolas" panose="020B0609020204030204" pitchFamily="49" charset="0"/>
-              </a:rPr>
-              <a:t>;     </a:t>
-            </a:r>
-          </a:p>
-          <a:p>
-            <a:r>
-              <a:rPr lang="pt-BR" sz="1400" dirty="0">
-                <a:solidFill>
-                  <a:schemeClr val="accent3"/>
-                </a:solidFill>
-                <a:latin typeface="Consolas" panose="020B0609020204030204" pitchFamily="49" charset="0"/>
-                <a:cs typeface="Consolas" panose="020B0609020204030204" pitchFamily="49" charset="0"/>
-              </a:rPr>
-              <a:t>   Item</a:t>
-            </a:r>
-            <a:r>
-              <a:rPr lang="pt-BR" sz="1400" dirty="0">
-                <a:latin typeface="Consolas" panose="020B0609020204030204" pitchFamily="49" charset="0"/>
-                <a:cs typeface="Consolas" panose="020B0609020204030204" pitchFamily="49" charset="0"/>
-              </a:rPr>
-              <a:t> itens[</a:t>
-            </a:r>
-            <a:r>
-              <a:rPr lang="pt-BR" sz="1400" dirty="0">
-                <a:solidFill>
-                  <a:schemeClr val="accent3">
-                    <a:lumMod val="60000"/>
-                    <a:lumOff val="40000"/>
-                  </a:schemeClr>
-                </a:solidFill>
-                <a:latin typeface="Consolas" panose="020B0609020204030204" pitchFamily="49" charset="0"/>
-                <a:cs typeface="Consolas" panose="020B0609020204030204" pitchFamily="49" charset="0"/>
-              </a:rPr>
-              <a:t>Max</a:t>
-            </a:r>
-            <a:r>
-              <a:rPr lang="pt-BR" sz="1400" dirty="0">
-                <a:latin typeface="Consolas" panose="020B0609020204030204" pitchFamily="49" charset="0"/>
-                <a:cs typeface="Consolas" panose="020B0609020204030204" pitchFamily="49" charset="0"/>
-              </a:rPr>
-              <a:t>];    </a:t>
-            </a:r>
-            <a:endParaRPr lang="pt-BR" sz="1400" dirty="0">
-              <a:solidFill>
-                <a:schemeClr val="bg1">
-                  <a:lumMod val="50000"/>
-                  <a:lumOff val="50000"/>
-                </a:schemeClr>
-              </a:solidFill>
-              <a:latin typeface="Consolas" panose="020B0609020204030204" pitchFamily="49" charset="0"/>
-              <a:cs typeface="Consolas" panose="020B0609020204030204" pitchFamily="49" charset="0"/>
-            </a:endParaRPr>
-          </a:p>
-          <a:p>
-            <a:r>
-              <a:rPr lang="pt-BR" sz="1400" dirty="0">
-                <a:latin typeface="Consolas" panose="020B0609020204030204" pitchFamily="49" charset="0"/>
-                <a:cs typeface="Consolas" panose="020B0609020204030204" pitchFamily="49" charset="0"/>
-              </a:rPr>
-              <a:t>   </a:t>
-            </a:r>
-            <a:r>
-              <a:rPr lang="pt-BR" sz="1400" dirty="0">
-                <a:solidFill>
-                  <a:schemeClr val="accent6">
-                    <a:lumMod val="60000"/>
-                    <a:lumOff val="40000"/>
-                  </a:schemeClr>
-                </a:solidFill>
-                <a:latin typeface="Consolas" panose="020B0609020204030204" pitchFamily="49" charset="0"/>
-                <a:cs typeface="Consolas" panose="020B0609020204030204" pitchFamily="49" charset="0"/>
-              </a:rPr>
-              <a:t>...</a:t>
-            </a:r>
-            <a:br>
-              <a:rPr lang="pt-BR" sz="1400" dirty="0">
-                <a:latin typeface="Consolas" panose="020B0609020204030204" pitchFamily="49" charset="0"/>
-                <a:cs typeface="Consolas" panose="020B0609020204030204" pitchFamily="49" charset="0"/>
-              </a:rPr>
-            </a:br>
-            <a:r>
-              <a:rPr lang="pt-BR" sz="1400" dirty="0">
-                <a:latin typeface="Consolas" panose="020B0609020204030204" pitchFamily="49" charset="0"/>
-                <a:cs typeface="Consolas" panose="020B0609020204030204" pitchFamily="49" charset="0"/>
-              </a:rPr>
-              <a:t>};</a:t>
-            </a:r>
-            <a:endParaRPr lang="pt-BR" sz="1400" dirty="0">
-              <a:solidFill>
-                <a:schemeClr val="bg1">
-                  <a:lumMod val="75000"/>
-                  <a:lumOff val="25000"/>
-                </a:schemeClr>
-              </a:solidFill>
-              <a:latin typeface="Consolas" panose="020B0609020204030204" pitchFamily="49" charset="0"/>
-              <a:cs typeface="Consolas" panose="020B0609020204030204" pitchFamily="49" charset="0"/>
-            </a:endParaRPr>
-          </a:p>
-        </p:txBody>
-      </p:sp>
+              </a:endParaRPr>
+            </a:p>
+          </p:txBody>
+        </p:sp>
+      </p:grpSp>
     </p:spTree>
     <p:extLst>
       <p:ext uri="{BB962C8B-B14F-4D97-AF65-F5344CB8AC3E}">
